--- a/files/asru-2021.pptx
+++ b/files/asru-2021.pptx
@@ -5,23 +5,27 @@
     <p:sldMasterId id="2147483648" r:id="rId1"/>
   </p:sldMasterIdLst>
   <p:notesMasterIdLst>
-    <p:notesMasterId r:id="rId16"/>
+    <p:notesMasterId r:id="rId20"/>
   </p:notesMasterIdLst>
   <p:sldIdLst>
     <p:sldId id="301" r:id="rId2"/>
     <p:sldId id="275" r:id="rId3"/>
     <p:sldId id="276" r:id="rId4"/>
-    <p:sldId id="277" r:id="rId5"/>
-    <p:sldId id="278" r:id="rId6"/>
-    <p:sldId id="280" r:id="rId7"/>
-    <p:sldId id="279" r:id="rId8"/>
-    <p:sldId id="281" r:id="rId9"/>
-    <p:sldId id="282" r:id="rId10"/>
-    <p:sldId id="283" r:id="rId11"/>
-    <p:sldId id="284" r:id="rId12"/>
-    <p:sldId id="285" r:id="rId13"/>
-    <p:sldId id="286" r:id="rId14"/>
-    <p:sldId id="303" r:id="rId15"/>
+    <p:sldId id="304" r:id="rId5"/>
+    <p:sldId id="277" r:id="rId6"/>
+    <p:sldId id="305" r:id="rId7"/>
+    <p:sldId id="278" r:id="rId8"/>
+    <p:sldId id="306" r:id="rId9"/>
+    <p:sldId id="280" r:id="rId10"/>
+    <p:sldId id="307" r:id="rId11"/>
+    <p:sldId id="279" r:id="rId12"/>
+    <p:sldId id="281" r:id="rId13"/>
+    <p:sldId id="282" r:id="rId14"/>
+    <p:sldId id="283" r:id="rId15"/>
+    <p:sldId id="284" r:id="rId16"/>
+    <p:sldId id="285" r:id="rId17"/>
+    <p:sldId id="286" r:id="rId18"/>
+    <p:sldId id="303" r:id="rId19"/>
   </p:sldIdLst>
   <p:sldSz cx="12192000" cy="6858000"/>
   <p:notesSz cx="6858000" cy="9144000"/>
@@ -210,7 +214,7 @@
           <a:p>
             <a:fld id="{35F89641-3D10-5349-9904-427D098855CB}" type="datetimeFigureOut">
               <a:rPr lang="en-US" smtClean="0"/>
-              <a:t>11/10/21</a:t>
+              <a:t>12/16/21</a:t>
             </a:fld>
             <a:endParaRPr lang="en-US"/>
           </a:p>
@@ -626,7 +630,7 @@
           <a:p>
             <a:fld id="{18756721-70E4-AB47-9878-C8036D8C7B0A}" type="slidenum">
               <a:rPr lang="en-US" smtClean="0"/>
-              <a:t>10</a:t>
+              <a:t>14</a:t>
             </a:fld>
             <a:endParaRPr lang="en-US"/>
           </a:p>
@@ -710,7 +714,7 @@
           <a:p>
             <a:fld id="{18756721-70E4-AB47-9878-C8036D8C7B0A}" type="slidenum">
               <a:rPr lang="en-US" smtClean="0"/>
-              <a:t>11</a:t>
+              <a:t>15</a:t>
             </a:fld>
             <a:endParaRPr lang="en-US"/>
           </a:p>
@@ -794,7 +798,7 @@
           <a:p>
             <a:fld id="{18756721-70E4-AB47-9878-C8036D8C7B0A}" type="slidenum">
               <a:rPr lang="en-US" smtClean="0"/>
-              <a:t>12</a:t>
+              <a:t>16</a:t>
             </a:fld>
             <a:endParaRPr lang="en-US"/>
           </a:p>
@@ -878,7 +882,7 @@
           <a:p>
             <a:fld id="{18756721-70E4-AB47-9878-C8036D8C7B0A}" type="slidenum">
               <a:rPr lang="en-US" smtClean="0"/>
-              <a:t>13</a:t>
+              <a:t>17</a:t>
             </a:fld>
             <a:endParaRPr lang="en-US"/>
           </a:p>
@@ -962,7 +966,7 @@
           <a:p>
             <a:fld id="{18756721-70E4-AB47-9878-C8036D8C7B0A}" type="slidenum">
               <a:rPr lang="en-US" smtClean="0"/>
-              <a:t>14</a:t>
+              <a:t>18</a:t>
             </a:fld>
             <a:endParaRPr lang="en-US"/>
           </a:p>
@@ -1214,7 +1218,7 @@
           <a:p>
             <a:fld id="{18756721-70E4-AB47-9878-C8036D8C7B0A}" type="slidenum">
               <a:rPr lang="en-US" smtClean="0"/>
-              <a:t>4</a:t>
+              <a:t>5</a:t>
             </a:fld>
             <a:endParaRPr lang="en-US"/>
           </a:p>
@@ -1298,7 +1302,7 @@
           <a:p>
             <a:fld id="{18756721-70E4-AB47-9878-C8036D8C7B0A}" type="slidenum">
               <a:rPr lang="en-US" smtClean="0"/>
-              <a:t>5</a:t>
+              <a:t>7</a:t>
             </a:fld>
             <a:endParaRPr lang="en-US"/>
           </a:p>
@@ -1382,7 +1386,7 @@
           <a:p>
             <a:fld id="{18756721-70E4-AB47-9878-C8036D8C7B0A}" type="slidenum">
               <a:rPr lang="en-US" smtClean="0"/>
-              <a:t>6</a:t>
+              <a:t>9</a:t>
             </a:fld>
             <a:endParaRPr lang="en-US"/>
           </a:p>
@@ -1466,7 +1470,7 @@
           <a:p>
             <a:fld id="{18756721-70E4-AB47-9878-C8036D8C7B0A}" type="slidenum">
               <a:rPr lang="en-US" smtClean="0"/>
-              <a:t>7</a:t>
+              <a:t>11</a:t>
             </a:fld>
             <a:endParaRPr lang="en-US"/>
           </a:p>
@@ -1550,7 +1554,7 @@
           <a:p>
             <a:fld id="{18756721-70E4-AB47-9878-C8036D8C7B0A}" type="slidenum">
               <a:rPr lang="en-US" smtClean="0"/>
-              <a:t>8</a:t>
+              <a:t>12</a:t>
             </a:fld>
             <a:endParaRPr lang="en-US"/>
           </a:p>
@@ -1634,7 +1638,7 @@
           <a:p>
             <a:fld id="{18756721-70E4-AB47-9878-C8036D8C7B0A}" type="slidenum">
               <a:rPr lang="en-US" smtClean="0"/>
-              <a:t>9</a:t>
+              <a:t>13</a:t>
             </a:fld>
             <a:endParaRPr lang="en-US"/>
           </a:p>
@@ -1800,7 +1804,7 @@
           <a:p>
             <a:fld id="{B790BD64-3155-B144-B189-C8135903F88F}" type="datetimeFigureOut">
               <a:rPr lang="en-US" smtClean="0"/>
-              <a:t>11/10/21</a:t>
+              <a:t>12/16/21</a:t>
             </a:fld>
             <a:endParaRPr lang="en-US"/>
           </a:p>
@@ -1998,7 +2002,7 @@
           <a:p>
             <a:fld id="{B790BD64-3155-B144-B189-C8135903F88F}" type="datetimeFigureOut">
               <a:rPr lang="en-US" smtClean="0"/>
-              <a:t>11/10/21</a:t>
+              <a:t>12/16/21</a:t>
             </a:fld>
             <a:endParaRPr lang="en-US"/>
           </a:p>
@@ -2206,7 +2210,7 @@
           <a:p>
             <a:fld id="{B790BD64-3155-B144-B189-C8135903F88F}" type="datetimeFigureOut">
               <a:rPr lang="en-US" smtClean="0"/>
-              <a:t>11/10/21</a:t>
+              <a:t>12/16/21</a:t>
             </a:fld>
             <a:endParaRPr lang="en-US"/>
           </a:p>
@@ -2404,7 +2408,7 @@
           <a:p>
             <a:fld id="{B790BD64-3155-B144-B189-C8135903F88F}" type="datetimeFigureOut">
               <a:rPr lang="en-US" smtClean="0"/>
-              <a:t>11/10/21</a:t>
+              <a:t>12/16/21</a:t>
             </a:fld>
             <a:endParaRPr lang="en-US"/>
           </a:p>
@@ -2679,7 +2683,7 @@
           <a:p>
             <a:fld id="{B790BD64-3155-B144-B189-C8135903F88F}" type="datetimeFigureOut">
               <a:rPr lang="en-US" smtClean="0"/>
-              <a:t>11/10/21</a:t>
+              <a:t>12/16/21</a:t>
             </a:fld>
             <a:endParaRPr lang="en-US"/>
           </a:p>
@@ -2944,7 +2948,7 @@
           <a:p>
             <a:fld id="{B790BD64-3155-B144-B189-C8135903F88F}" type="datetimeFigureOut">
               <a:rPr lang="en-US" smtClean="0"/>
-              <a:t>11/10/21</a:t>
+              <a:t>12/16/21</a:t>
             </a:fld>
             <a:endParaRPr lang="en-US"/>
           </a:p>
@@ -3356,7 +3360,7 @@
           <a:p>
             <a:fld id="{B790BD64-3155-B144-B189-C8135903F88F}" type="datetimeFigureOut">
               <a:rPr lang="en-US" smtClean="0"/>
-              <a:t>11/10/21</a:t>
+              <a:t>12/16/21</a:t>
             </a:fld>
             <a:endParaRPr lang="en-US"/>
           </a:p>
@@ -3497,7 +3501,7 @@
           <a:p>
             <a:fld id="{B790BD64-3155-B144-B189-C8135903F88F}" type="datetimeFigureOut">
               <a:rPr lang="en-US" smtClean="0"/>
-              <a:t>11/10/21</a:t>
+              <a:t>12/16/21</a:t>
             </a:fld>
             <a:endParaRPr lang="en-US"/>
           </a:p>
@@ -3610,7 +3614,7 @@
           <a:p>
             <a:fld id="{B790BD64-3155-B144-B189-C8135903F88F}" type="datetimeFigureOut">
               <a:rPr lang="en-US" smtClean="0"/>
-              <a:t>11/10/21</a:t>
+              <a:t>12/16/21</a:t>
             </a:fld>
             <a:endParaRPr lang="en-US"/>
           </a:p>
@@ -3921,7 +3925,7 @@
           <a:p>
             <a:fld id="{B790BD64-3155-B144-B189-C8135903F88F}" type="datetimeFigureOut">
               <a:rPr lang="en-US" smtClean="0"/>
-              <a:t>11/10/21</a:t>
+              <a:t>12/16/21</a:t>
             </a:fld>
             <a:endParaRPr lang="en-US"/>
           </a:p>
@@ -4209,7 +4213,7 @@
           <a:p>
             <a:fld id="{B790BD64-3155-B144-B189-C8135903F88F}" type="datetimeFigureOut">
               <a:rPr lang="en-US" smtClean="0"/>
-              <a:t>11/10/21</a:t>
+              <a:t>12/16/21</a:t>
             </a:fld>
             <a:endParaRPr lang="en-US"/>
           </a:p>
@@ -4450,7 +4454,7 @@
           <a:p>
             <a:fld id="{B790BD64-3155-B144-B189-C8135903F88F}" type="datetimeFigureOut">
               <a:rPr lang="en-US" smtClean="0"/>
-              <a:t>11/10/21</a:t>
+              <a:t>12/16/21</a:t>
             </a:fld>
             <a:endParaRPr lang="en-US"/>
           </a:p>
@@ -5072,7 +5076,7 @@
           <p:cNvPr id="2" name="Title 1">
             <a:extLst>
               <a:ext uri="{FF2B5EF4-FFF2-40B4-BE49-F238E27FC236}">
-                <a16:creationId xmlns:a16="http://schemas.microsoft.com/office/drawing/2014/main" id="{BAB9AA12-0137-2B49-B00B-5DCCDBAF31F0}"/>
+                <a16:creationId xmlns:a16="http://schemas.microsoft.com/office/drawing/2014/main" id="{5B1477C2-FD27-2B4C-8D83-A235F981A9C9}"/>
               </a:ext>
             </a:extLst>
           </p:cNvPr>
@@ -5089,8 +5093,12 @@
           <a:lstStyle/>
           <a:p>
             <a:r>
+              <a:rPr lang="en-US" dirty="0"/>
+              <a:t>Fram</a:t>
+            </a:r>
+            <a:r>
               <a:rPr lang="en-US" altLang="zh-CN" dirty="0"/>
-              <a:t>Model</a:t>
+              <a:t>ework</a:t>
             </a:r>
             <a:r>
               <a:rPr lang="zh-CN" altLang="en-US" dirty="0"/>
@@ -5098,7 +5106,7 @@
             </a:r>
             <a:r>
               <a:rPr lang="en-US" altLang="zh-CN" dirty="0"/>
-              <a:t>Comparison</a:t>
+              <a:t>Diagram</a:t>
             </a:r>
             <a:endParaRPr lang="en-US" dirty="0"/>
           </a:p>
@@ -5106,173 +5114,100 @@
       </p:sp>
       <p:pic>
         <p:nvPicPr>
-          <p:cNvPr id="8" name="Content Placeholder 7">
-            <a:extLst>
-              <a:ext uri="{FF2B5EF4-FFF2-40B4-BE49-F238E27FC236}">
-                <a16:creationId xmlns:a16="http://schemas.microsoft.com/office/drawing/2014/main" id="{2602819D-FE83-CC46-860F-A85BE081DB6A}"/>
+          <p:cNvPr id="4" name="Content Placeholder 7">
+            <a:extLst>
+              <a:ext uri="{FF2B5EF4-FFF2-40B4-BE49-F238E27FC236}">
+                <a16:creationId xmlns:a16="http://schemas.microsoft.com/office/drawing/2014/main" id="{ACA03F52-4C30-544F-9826-A3C1CD1986C3}"/>
               </a:ext>
             </a:extLst>
           </p:cNvPr>
           <p:cNvPicPr>
-            <a:picLocks noGrp="1" noChangeAspect="1"/>
+            <a:picLocks noChangeAspect="1"/>
           </p:cNvPicPr>
-          <p:nvPr>
-            <p:ph idx="1"/>
-          </p:nvPr>
+          <p:nvPr/>
         </p:nvPicPr>
         <p:blipFill>
-          <a:blip r:embed="rId3"/>
+          <a:blip r:embed="rId2"/>
           <a:stretch>
             <a:fillRect/>
           </a:stretch>
         </p:blipFill>
         <p:spPr>
           <a:xfrm>
-            <a:off x="752139" y="2761241"/>
-            <a:ext cx="10371138" cy="3013657"/>
+            <a:off x="838200" y="2431183"/>
+            <a:ext cx="10371138" cy="3184672"/>
           </a:xfrm>
+          <a:prstGeom prst="rect">
+            <a:avLst/>
+          </a:prstGeom>
         </p:spPr>
       </p:pic>
       <p:sp>
         <p:nvSpPr>
-          <p:cNvPr id="4" name="Date Placeholder 3">
-            <a:extLst>
-              <a:ext uri="{FF2B5EF4-FFF2-40B4-BE49-F238E27FC236}">
-                <a16:creationId xmlns:a16="http://schemas.microsoft.com/office/drawing/2014/main" id="{5C290958-4AA7-BD4F-B0F5-F9F00E116196}"/>
-              </a:ext>
-            </a:extLst>
-          </p:cNvPr>
-          <p:cNvSpPr>
-            <a:spLocks noGrp="1"/>
-          </p:cNvSpPr>
-          <p:nvPr>
-            <p:ph type="dt" sz="half" idx="10"/>
-          </p:nvPr>
-        </p:nvSpPr>
-        <p:spPr/>
-        <p:txBody>
-          <a:bodyPr/>
-          <a:lstStyle/>
-          <a:p>
-            <a:r>
-              <a:rPr lang="en-US" altLang="zh-CN" dirty="0"/>
-              <a:t>07/22/2021</a:t>
-            </a:r>
-            <a:endParaRPr lang="en-US" dirty="0"/>
-          </a:p>
-        </p:txBody>
-      </p:sp>
-      <p:sp>
-        <p:nvSpPr>
-          <p:cNvPr id="6" name="Footer Placeholder 5">
-            <a:extLst>
-              <a:ext uri="{FF2B5EF4-FFF2-40B4-BE49-F238E27FC236}">
-                <a16:creationId xmlns:a16="http://schemas.microsoft.com/office/drawing/2014/main" id="{9813C23F-EDB9-274D-835A-81DC64BC6409}"/>
-              </a:ext>
-            </a:extLst>
-          </p:cNvPr>
-          <p:cNvSpPr>
-            <a:spLocks noGrp="1"/>
-          </p:cNvSpPr>
-          <p:nvPr>
-            <p:ph type="ftr" sz="quarter" idx="11"/>
-          </p:nvPr>
-        </p:nvSpPr>
-        <p:spPr/>
-        <p:txBody>
-          <a:bodyPr/>
-          <a:lstStyle/>
-          <a:p>
-            <a:r>
-              <a:rPr lang="en-US" dirty="0"/>
-              <a:t>Confidential, do not distribute</a:t>
-            </a:r>
-          </a:p>
-        </p:txBody>
-      </p:sp>
-      <p:sp>
-        <p:nvSpPr>
-          <p:cNvPr id="7" name="Slide Number Placeholder 6">
-            <a:extLst>
-              <a:ext uri="{FF2B5EF4-FFF2-40B4-BE49-F238E27FC236}">
-                <a16:creationId xmlns:a16="http://schemas.microsoft.com/office/drawing/2014/main" id="{F513CB1F-06BD-7A47-ADFF-652B3ED321F0}"/>
-              </a:ext>
-            </a:extLst>
-          </p:cNvPr>
-          <p:cNvSpPr>
-            <a:spLocks noGrp="1"/>
-          </p:cNvSpPr>
-          <p:nvPr>
-            <p:ph type="sldNum" sz="quarter" idx="12"/>
-          </p:nvPr>
-        </p:nvSpPr>
-        <p:spPr/>
-        <p:txBody>
-          <a:bodyPr/>
-          <a:lstStyle/>
-          <a:p>
-            <a:fld id="{6615785A-6CC9-604F-A350-0F2C666BA50C}" type="slidenum">
-              <a:rPr lang="en-US" smtClean="0"/>
-              <a:t>10</a:t>
-            </a:fld>
-            <a:endParaRPr lang="en-US"/>
-          </a:p>
-        </p:txBody>
-      </p:sp>
-      <p:sp>
-        <p:nvSpPr>
-          <p:cNvPr id="9" name="TextBox 8">
-            <a:extLst>
-              <a:ext uri="{FF2B5EF4-FFF2-40B4-BE49-F238E27FC236}">
-                <a16:creationId xmlns:a16="http://schemas.microsoft.com/office/drawing/2014/main" id="{7B8CA038-A9DB-8E46-90F1-9CF408EBCE8E}"/>
-              </a:ext>
-            </a:extLst>
-          </p:cNvPr>
-          <p:cNvSpPr txBox="1"/>
+          <p:cNvPr id="5" name="Rectangle 4">
+            <a:extLst>
+              <a:ext uri="{FF2B5EF4-FFF2-40B4-BE49-F238E27FC236}">
+                <a16:creationId xmlns:a16="http://schemas.microsoft.com/office/drawing/2014/main" id="{BC03CD12-4DEA-474A-992B-C3D73DA63C6B}"/>
+              </a:ext>
+            </a:extLst>
+          </p:cNvPr>
+          <p:cNvSpPr/>
           <p:nvPr/>
         </p:nvSpPr>
         <p:spPr>
           <a:xfrm>
-            <a:off x="752139" y="1610420"/>
-            <a:ext cx="10048538" cy="1323439"/>
+            <a:off x="6771501" y="2342508"/>
+            <a:ext cx="4127157" cy="3378670"/>
           </a:xfrm>
           <a:prstGeom prst="rect">
             <a:avLst/>
           </a:prstGeom>
           <a:noFill/>
+          <a:ln w="25400">
+            <a:solidFill>
+              <a:srgbClr val="FF0000"/>
+            </a:solidFill>
+          </a:ln>
         </p:spPr>
-        <p:txBody>
-          <a:bodyPr wrap="square" rtlCol="0">
-            <a:spAutoFit/>
-          </a:bodyPr>
-          <a:lstStyle/>
-          <a:p>
-            <a:r>
-              <a:rPr lang="en-US" altLang="zh-CN" sz="2000" dirty="0"/>
-              <a:t>S</a:t>
-            </a:r>
-            <a:r>
-              <a:rPr lang="en-US" sz="2000" dirty="0"/>
-              <a:t>ummarization of all baseline comparative performances. It reports all baseline normalized performance difference</a:t>
-            </a:r>
-            <a:r>
-              <a:rPr lang="zh-CN" altLang="en-US" sz="2000" dirty="0"/>
-              <a:t> </a:t>
-            </a:r>
-            <a:r>
-              <a:rPr lang="en-US" sz="2000" dirty="0"/>
-              <a:t>with the X-SHOT model. Bold positive values (+) mean related baselines outperform the X-SHOT model.</a:t>
-            </a:r>
-          </a:p>
-          <a:p>
-            <a:endParaRPr lang="en-US" sz="2000" dirty="0"/>
+        <p:style>
+          <a:lnRef idx="2">
+            <a:schemeClr val="accent6"/>
+          </a:lnRef>
+          <a:fillRef idx="1">
+            <a:schemeClr val="lt1"/>
+          </a:fillRef>
+          <a:effectRef idx="0">
+            <a:schemeClr val="accent6"/>
+          </a:effectRef>
+          <a:fontRef idx="minor">
+            <a:schemeClr val="dk1"/>
+          </a:fontRef>
+        </p:style>
+        <p:txBody>
+          <a:bodyPr rtlCol="0" anchor="ctr"/>
+          <a:lstStyle/>
+          <a:p>
+            <a:pPr algn="ctr"/>
+            <a:endParaRPr lang="en-US" b="1" dirty="0">
+              <a:ln w="0"/>
+              <a:solidFill>
+                <a:schemeClr val="tx1"/>
+              </a:solidFill>
+              <a:effectLst>
+                <a:outerShdw blurRad="38100" dist="19050" dir="2700000" algn="tl" rotWithShape="0">
+                  <a:schemeClr val="dk1">
+                    <a:alpha val="40000"/>
+                  </a:schemeClr>
+                </a:outerShdw>
+              </a:effectLst>
+            </a:endParaRPr>
           </a:p>
         </p:txBody>
       </p:sp>
     </p:spTree>
     <p:extLst>
       <p:ext uri="{BB962C8B-B14F-4D97-AF65-F5344CB8AC3E}">
-        <p14:creationId xmlns:p14="http://schemas.microsoft.com/office/powerpoint/2010/main" val="1115281082"/>
+        <p14:creationId xmlns:p14="http://schemas.microsoft.com/office/powerpoint/2010/main" val="1196089744"/>
       </p:ext>
     </p:extLst>
   </p:cSld>
@@ -5321,342 +5256,14 @@
           <a:lstStyle/>
           <a:p>
             <a:r>
+              <a:rPr lang="en-US" dirty="0"/>
+              <a:t>Re</a:t>
+            </a:r>
+            <a:r>
               <a:rPr lang="en-US" altLang="zh-CN" dirty="0"/>
-              <a:t>Model</a:t>
-            </a:r>
-            <a:r>
-              <a:rPr lang="zh-CN" altLang="en-US" dirty="0"/>
-              <a:t> </a:t>
-            </a:r>
-            <a:r>
-              <a:rPr lang="en-US" altLang="zh-CN" dirty="0"/>
-              <a:t>Prediction</a:t>
-            </a:r>
-            <a:r>
-              <a:rPr lang="zh-CN" altLang="en-US" dirty="0"/>
-              <a:t> </a:t>
-            </a:r>
-            <a:r>
-              <a:rPr lang="en-US" altLang="zh-CN" dirty="0"/>
-              <a:t>Statistics</a:t>
+              <a:t>ranking</a:t>
             </a:r>
             <a:endParaRPr lang="en-US" dirty="0"/>
-          </a:p>
-        </p:txBody>
-      </p:sp>
-      <p:sp>
-        <p:nvSpPr>
-          <p:cNvPr id="3" name="Content Placeholder 2">
-            <a:extLst>
-              <a:ext uri="{FF2B5EF4-FFF2-40B4-BE49-F238E27FC236}">
-                <a16:creationId xmlns:a16="http://schemas.microsoft.com/office/drawing/2014/main" id="{27FEC3C0-5696-2E4A-A49B-E7E1B00DFE38}"/>
-              </a:ext>
-            </a:extLst>
-          </p:cNvPr>
-          <p:cNvSpPr>
-            <a:spLocks noGrp="1"/>
-          </p:cNvSpPr>
-          <p:nvPr>
-            <p:ph idx="1"/>
-          </p:nvPr>
-        </p:nvSpPr>
-        <p:spPr>
-          <a:xfrm>
-            <a:off x="838200" y="1690688"/>
-            <a:ext cx="10370906" cy="4165581"/>
-          </a:xfrm>
-        </p:spPr>
-        <p:txBody>
-          <a:bodyPr>
-            <a:normAutofit/>
-          </a:bodyPr>
-          <a:lstStyle/>
-          <a:p>
-            <a:r>
-              <a:rPr lang="en-US" altLang="zh-CN" sz="2000" dirty="0"/>
-              <a:t>We</a:t>
-            </a:r>
-            <a:r>
-              <a:rPr lang="zh-CN" altLang="en-US" sz="2000" dirty="0"/>
-              <a:t> </a:t>
-            </a:r>
-            <a:r>
-              <a:rPr lang="en-US" altLang="zh-CN" sz="2000" dirty="0"/>
-              <a:t>summarize</a:t>
-            </a:r>
-            <a:r>
-              <a:rPr lang="zh-CN" altLang="en-US" sz="2000" dirty="0"/>
-              <a:t> </a:t>
-            </a:r>
-            <a:r>
-              <a:rPr lang="en-US" altLang="zh-CN" sz="2000" dirty="0"/>
-              <a:t>the</a:t>
-            </a:r>
-            <a:r>
-              <a:rPr lang="zh-CN" altLang="en-US" sz="2000" dirty="0"/>
-              <a:t> </a:t>
-            </a:r>
-            <a:r>
-              <a:rPr lang="en-US" altLang="zh-CN" sz="2000" dirty="0"/>
-              <a:t>prediction</a:t>
-            </a:r>
-            <a:r>
-              <a:rPr lang="zh-CN" altLang="en-US" sz="2000" dirty="0"/>
-              <a:t> </a:t>
-            </a:r>
-            <a:r>
-              <a:rPr lang="en-US" altLang="zh-CN" sz="2000" dirty="0"/>
-              <a:t>results</a:t>
-            </a:r>
-            <a:r>
-              <a:rPr lang="zh-CN" altLang="en-US" sz="2000" dirty="0"/>
-              <a:t> </a:t>
-            </a:r>
-            <a:r>
-              <a:rPr lang="en-US" altLang="zh-CN" sz="2000" dirty="0"/>
-              <a:t>in</a:t>
-            </a:r>
-            <a:r>
-              <a:rPr lang="zh-CN" altLang="en-US" sz="2000" dirty="0"/>
-              <a:t> </a:t>
-            </a:r>
-            <a:r>
-              <a:rPr lang="en-US" altLang="zh-CN" sz="2000" dirty="0"/>
-              <a:t>both</a:t>
-            </a:r>
-            <a:r>
-              <a:rPr lang="zh-CN" altLang="en-US" sz="2000" dirty="0"/>
-              <a:t> </a:t>
-            </a:r>
-            <a:r>
-              <a:rPr lang="en-US" altLang="zh-CN" sz="2000" dirty="0"/>
-              <a:t>datasets</a:t>
-            </a:r>
-            <a:r>
-              <a:rPr lang="zh-CN" altLang="en-US" sz="2000" dirty="0"/>
-              <a:t> </a:t>
-            </a:r>
-            <a:r>
-              <a:rPr lang="en-US" altLang="zh-CN" sz="2000" dirty="0"/>
-              <a:t>US-CA</a:t>
-            </a:r>
-            <a:r>
-              <a:rPr lang="zh-CN" altLang="en-US" sz="2000" dirty="0"/>
-              <a:t> </a:t>
-            </a:r>
-            <a:r>
-              <a:rPr lang="en-US" altLang="zh-CN" sz="2000" dirty="0"/>
-              <a:t>and</a:t>
-            </a:r>
-            <a:r>
-              <a:rPr lang="zh-CN" altLang="en-US" sz="2000" dirty="0"/>
-              <a:t> </a:t>
-            </a:r>
-            <a:r>
-              <a:rPr lang="en-US" altLang="zh-CN" sz="2000" dirty="0"/>
-              <a:t>US-GB</a:t>
-            </a:r>
-            <a:r>
-              <a:rPr lang="zh-CN" altLang="en-US" sz="2000" dirty="0"/>
-              <a:t> </a:t>
-            </a:r>
-            <a:r>
-              <a:rPr lang="en-US" altLang="zh-CN" sz="2000" dirty="0"/>
-              <a:t>to</a:t>
-            </a:r>
-            <a:r>
-              <a:rPr lang="zh-CN" altLang="en-US" sz="2000" dirty="0"/>
-              <a:t> </a:t>
-            </a:r>
-            <a:r>
-              <a:rPr lang="en-US" altLang="zh-CN" sz="2000" dirty="0"/>
-              <a:t>explore</a:t>
-            </a:r>
-            <a:r>
-              <a:rPr lang="zh-CN" altLang="en-US" sz="2000" dirty="0"/>
-              <a:t> </a:t>
-            </a:r>
-            <a:r>
-              <a:rPr lang="en-US" altLang="zh-CN" sz="2000" dirty="0"/>
-              <a:t>the</a:t>
-            </a:r>
-            <a:r>
-              <a:rPr lang="zh-CN" altLang="en-US" sz="2000" dirty="0"/>
-              <a:t> </a:t>
-            </a:r>
-            <a:r>
-              <a:rPr lang="en-US" altLang="zh-CN" sz="2000" dirty="0"/>
-              <a:t>positive</a:t>
-            </a:r>
-            <a:r>
-              <a:rPr lang="zh-CN" altLang="en-US" sz="2000" dirty="0"/>
-              <a:t> </a:t>
-            </a:r>
-            <a:r>
-              <a:rPr lang="en-US" altLang="zh-CN" sz="2000" dirty="0"/>
-              <a:t>predicted</a:t>
-            </a:r>
-            <a:r>
-              <a:rPr lang="zh-CN" altLang="en-US" sz="2000" dirty="0"/>
-              <a:t> </a:t>
-            </a:r>
-            <a:r>
-              <a:rPr lang="en-US" altLang="zh-CN" sz="2000" dirty="0"/>
-              <a:t>skills.</a:t>
-            </a:r>
-            <a:r>
-              <a:rPr lang="zh-CN" altLang="en-US" sz="2000" dirty="0"/>
-              <a:t> </a:t>
-            </a:r>
-            <a:r>
-              <a:rPr lang="en-US" altLang="zh-CN" sz="2000" dirty="0"/>
-              <a:t>Meanwhile</a:t>
-            </a:r>
-            <a:r>
-              <a:rPr lang="zh-CN" altLang="en-US" sz="2000" dirty="0"/>
-              <a:t> </a:t>
-            </a:r>
-            <a:r>
-              <a:rPr lang="en-US" altLang="zh-CN" sz="2000" dirty="0"/>
-              <a:t>we</a:t>
-            </a:r>
-            <a:r>
-              <a:rPr lang="zh-CN" altLang="en-US" sz="2000" dirty="0"/>
-              <a:t> </a:t>
-            </a:r>
-            <a:r>
-              <a:rPr lang="en-US" altLang="zh-CN" sz="2000" dirty="0"/>
-              <a:t>also</a:t>
-            </a:r>
-            <a:r>
-              <a:rPr lang="zh-CN" altLang="en-US" sz="2000" dirty="0"/>
-              <a:t> </a:t>
-            </a:r>
-            <a:r>
-              <a:rPr lang="en-US" altLang="zh-CN" sz="2000" dirty="0"/>
-              <a:t>check</a:t>
-            </a:r>
-            <a:r>
-              <a:rPr lang="zh-CN" altLang="en-US" sz="2000" dirty="0"/>
-              <a:t> </a:t>
-            </a:r>
-            <a:r>
-              <a:rPr lang="en-US" altLang="zh-CN" sz="2000" dirty="0"/>
-              <a:t>the</a:t>
-            </a:r>
-            <a:r>
-              <a:rPr lang="zh-CN" altLang="en-US" sz="2000" dirty="0"/>
-              <a:t> </a:t>
-            </a:r>
-            <a:r>
-              <a:rPr lang="en-US" altLang="zh-CN" sz="2000" dirty="0"/>
-              <a:t>model</a:t>
-            </a:r>
-            <a:r>
-              <a:rPr lang="zh-CN" altLang="en-US" sz="2000" dirty="0"/>
-              <a:t> </a:t>
-            </a:r>
-            <a:r>
-              <a:rPr lang="en-US" altLang="zh-CN" sz="2000" dirty="0"/>
-              <a:t>prediction</a:t>
-            </a:r>
-            <a:r>
-              <a:rPr lang="zh-CN" altLang="en-US" sz="2000" dirty="0"/>
-              <a:t> </a:t>
-            </a:r>
-            <a:r>
-              <a:rPr lang="en-US" altLang="zh-CN" sz="2000" dirty="0"/>
-              <a:t>capability</a:t>
-            </a:r>
-            <a:r>
-              <a:rPr lang="zh-CN" altLang="en-US" sz="2000" dirty="0"/>
-              <a:t> </a:t>
-            </a:r>
-            <a:r>
-              <a:rPr lang="en-US" altLang="zh-CN" sz="2000" dirty="0"/>
-              <a:t>by</a:t>
-            </a:r>
-            <a:r>
-              <a:rPr lang="zh-CN" altLang="en-US" sz="2000" dirty="0"/>
-              <a:t> </a:t>
-            </a:r>
-            <a:r>
-              <a:rPr lang="en-US" altLang="zh-CN" sz="2000" dirty="0"/>
-              <a:t>reporting</a:t>
-            </a:r>
-            <a:r>
-              <a:rPr lang="zh-CN" altLang="en-US" sz="2000" dirty="0"/>
-              <a:t> </a:t>
-            </a:r>
-            <a:r>
-              <a:rPr lang="en-US" altLang="zh-CN" sz="2000" dirty="0"/>
-              <a:t>the</a:t>
-            </a:r>
-            <a:r>
-              <a:rPr lang="zh-CN" altLang="en-US" sz="2000" dirty="0"/>
-              <a:t> </a:t>
-            </a:r>
-            <a:r>
-              <a:rPr lang="en-US" altLang="zh-CN" sz="2000" dirty="0"/>
-              <a:t>ratio</a:t>
-            </a:r>
-            <a:r>
-              <a:rPr lang="zh-CN" altLang="en-US" sz="2000" dirty="0"/>
-              <a:t> </a:t>
-            </a:r>
-            <a:r>
-              <a:rPr lang="en-US" altLang="zh-CN" sz="2000" dirty="0"/>
-              <a:t>of</a:t>
-            </a:r>
-            <a:r>
-              <a:rPr lang="zh-CN" altLang="en-US" sz="2000" dirty="0"/>
-              <a:t> </a:t>
-            </a:r>
-            <a:r>
-              <a:rPr lang="en-US" altLang="zh-CN" sz="2000" dirty="0"/>
-              <a:t>utterances</a:t>
-            </a:r>
-            <a:r>
-              <a:rPr lang="zh-CN" altLang="en-US" sz="2000" dirty="0"/>
-              <a:t> </a:t>
-            </a:r>
-            <a:r>
-              <a:rPr lang="en-US" altLang="zh-CN" sz="2000" dirty="0"/>
-              <a:t>are</a:t>
-            </a:r>
-            <a:r>
-              <a:rPr lang="zh-CN" altLang="en-US" sz="2000" dirty="0"/>
-              <a:t> </a:t>
-            </a:r>
-            <a:r>
-              <a:rPr lang="en-US" altLang="zh-CN" sz="2000" dirty="0"/>
-              <a:t>with</a:t>
-            </a:r>
-            <a:r>
-              <a:rPr lang="zh-CN" altLang="en-US" sz="2000" dirty="0"/>
-              <a:t> </a:t>
-            </a:r>
-            <a:r>
-              <a:rPr lang="en-US" altLang="zh-CN" sz="2000" dirty="0"/>
-              <a:t>positive</a:t>
-            </a:r>
-            <a:r>
-              <a:rPr lang="zh-CN" altLang="en-US" sz="2000" dirty="0"/>
-              <a:t> </a:t>
-            </a:r>
-            <a:r>
-              <a:rPr lang="en-US" altLang="zh-CN" sz="2000" dirty="0"/>
-              <a:t>predicted</a:t>
-            </a:r>
-            <a:r>
-              <a:rPr lang="zh-CN" altLang="en-US" sz="2000" dirty="0"/>
-              <a:t> </a:t>
-            </a:r>
-            <a:r>
-              <a:rPr lang="en-US" altLang="zh-CN" sz="2000" dirty="0"/>
-              <a:t>skills.</a:t>
-            </a:r>
-            <a:endParaRPr lang="en-US" sz="2000" dirty="0"/>
           </a:p>
         </p:txBody>
       </p:sp>
@@ -5746,476 +5353,12 @@
           </a:p>
         </p:txBody>
       </p:sp>
-      <p:pic>
-        <p:nvPicPr>
-          <p:cNvPr id="10" name="Picture 9">
-            <a:extLst>
-              <a:ext uri="{FF2B5EF4-FFF2-40B4-BE49-F238E27FC236}">
-                <a16:creationId xmlns:a16="http://schemas.microsoft.com/office/drawing/2014/main" id="{2713FAFE-38B3-984E-9C57-5CFF36A39C67}"/>
-              </a:ext>
-            </a:extLst>
-          </p:cNvPr>
-          <p:cNvPicPr>
-            <a:picLocks noChangeAspect="1"/>
-          </p:cNvPicPr>
-          <p:nvPr/>
-        </p:nvPicPr>
-        <p:blipFill>
-          <a:blip r:embed="rId3"/>
-          <a:stretch>
-            <a:fillRect/>
-          </a:stretch>
-        </p:blipFill>
-        <p:spPr>
-          <a:xfrm>
-            <a:off x="3070903" y="3152513"/>
-            <a:ext cx="5905500" cy="1435100"/>
-          </a:xfrm>
-          <a:prstGeom prst="rect">
-            <a:avLst/>
-          </a:prstGeom>
-        </p:spPr>
-      </p:pic>
-    </p:spTree>
-    <p:extLst>
-      <p:ext uri="{BB962C8B-B14F-4D97-AF65-F5344CB8AC3E}">
-        <p14:creationId xmlns:p14="http://schemas.microsoft.com/office/powerpoint/2010/main" val="1336465263"/>
-      </p:ext>
-    </p:extLst>
-  </p:cSld>
-  <p:clrMapOvr>
-    <a:masterClrMapping/>
-  </p:clrMapOvr>
-</p:sld>
-</file>
-
-<file path=ppt/slides/slide12.xml><?xml version="1.0" encoding="utf-8"?>
-<p:sld xmlns:a="http://schemas.openxmlformats.org/drawingml/2006/main" xmlns:r="http://schemas.openxmlformats.org/officeDocument/2006/relationships" xmlns:p="http://schemas.openxmlformats.org/presentationml/2006/main">
-  <p:cSld>
-    <p:spTree>
-      <p:nvGrpSpPr>
-        <p:cNvPr id="1" name=""/>
-        <p:cNvGrpSpPr/>
-        <p:nvPr/>
-      </p:nvGrpSpPr>
-      <p:grpSpPr>
-        <a:xfrm>
-          <a:off x="0" y="0"/>
-          <a:ext cx="0" cy="0"/>
-          <a:chOff x="0" y="0"/>
-          <a:chExt cx="0" cy="0"/>
-        </a:xfrm>
-      </p:grpSpPr>
-      <p:sp>
-        <p:nvSpPr>
-          <p:cNvPr id="2" name="Title 1">
-            <a:extLst>
-              <a:ext uri="{FF2B5EF4-FFF2-40B4-BE49-F238E27FC236}">
-                <a16:creationId xmlns:a16="http://schemas.microsoft.com/office/drawing/2014/main" id="{BAB9AA12-0137-2B49-B00B-5DCCDBAF31F0}"/>
-              </a:ext>
-            </a:extLst>
-          </p:cNvPr>
-          <p:cNvSpPr>
-            <a:spLocks noGrp="1"/>
-          </p:cNvSpPr>
-          <p:nvPr>
-            <p:ph type="title"/>
-          </p:nvPr>
-        </p:nvSpPr>
-        <p:spPr/>
-        <p:txBody>
-          <a:bodyPr/>
-          <a:lstStyle/>
-          <a:p>
-            <a:r>
-              <a:rPr lang="en-US" altLang="zh-CN" dirty="0"/>
-              <a:t>Ablation</a:t>
-            </a:r>
-            <a:r>
-              <a:rPr lang="zh-CN" altLang="en-US" dirty="0"/>
-              <a:t> </a:t>
-            </a:r>
-            <a:r>
-              <a:rPr lang="en-US" altLang="zh-CN" dirty="0"/>
-              <a:t>Study</a:t>
-            </a:r>
-            <a:endParaRPr lang="en-US" dirty="0"/>
-          </a:p>
-        </p:txBody>
-      </p:sp>
-      <p:pic>
-        <p:nvPicPr>
-          <p:cNvPr id="8" name="Content Placeholder 7">
-            <a:extLst>
-              <a:ext uri="{FF2B5EF4-FFF2-40B4-BE49-F238E27FC236}">
-                <a16:creationId xmlns:a16="http://schemas.microsoft.com/office/drawing/2014/main" id="{CD51084F-97AC-F543-B2FA-6D1C007234B1}"/>
-              </a:ext>
-            </a:extLst>
-          </p:cNvPr>
-          <p:cNvPicPr>
-            <a:picLocks noGrp="1" noChangeAspect="1"/>
-          </p:cNvPicPr>
-          <p:nvPr>
-            <p:ph idx="1"/>
-          </p:nvPr>
-        </p:nvPicPr>
-        <p:blipFill>
-          <a:blip r:embed="rId3"/>
-          <a:stretch>
-            <a:fillRect/>
-          </a:stretch>
-        </p:blipFill>
-        <p:spPr>
-          <a:xfrm>
-            <a:off x="838200" y="2532231"/>
-            <a:ext cx="10371138" cy="2704131"/>
-          </a:xfrm>
-        </p:spPr>
-      </p:pic>
-      <p:sp>
-        <p:nvSpPr>
-          <p:cNvPr id="4" name="Date Placeholder 3">
-            <a:extLst>
-              <a:ext uri="{FF2B5EF4-FFF2-40B4-BE49-F238E27FC236}">
-                <a16:creationId xmlns:a16="http://schemas.microsoft.com/office/drawing/2014/main" id="{5C290958-4AA7-BD4F-B0F5-F9F00E116196}"/>
-              </a:ext>
-            </a:extLst>
-          </p:cNvPr>
-          <p:cNvSpPr>
-            <a:spLocks noGrp="1"/>
-          </p:cNvSpPr>
-          <p:nvPr>
-            <p:ph type="dt" sz="half" idx="10"/>
-          </p:nvPr>
-        </p:nvSpPr>
-        <p:spPr/>
-        <p:txBody>
-          <a:bodyPr/>
-          <a:lstStyle/>
-          <a:p>
-            <a:r>
-              <a:rPr lang="en-US" altLang="zh-CN" dirty="0"/>
-              <a:t>07/22/2021</a:t>
-            </a:r>
-            <a:endParaRPr lang="en-US" dirty="0"/>
-          </a:p>
-        </p:txBody>
-      </p:sp>
-      <p:sp>
-        <p:nvSpPr>
-          <p:cNvPr id="6" name="Footer Placeholder 5">
-            <a:extLst>
-              <a:ext uri="{FF2B5EF4-FFF2-40B4-BE49-F238E27FC236}">
-                <a16:creationId xmlns:a16="http://schemas.microsoft.com/office/drawing/2014/main" id="{9813C23F-EDB9-274D-835A-81DC64BC6409}"/>
-              </a:ext>
-            </a:extLst>
-          </p:cNvPr>
-          <p:cNvSpPr>
-            <a:spLocks noGrp="1"/>
-          </p:cNvSpPr>
-          <p:nvPr>
-            <p:ph type="ftr" sz="quarter" idx="11"/>
-          </p:nvPr>
-        </p:nvSpPr>
-        <p:spPr/>
-        <p:txBody>
-          <a:bodyPr/>
-          <a:lstStyle/>
-          <a:p>
-            <a:r>
-              <a:rPr lang="en-US" dirty="0"/>
-              <a:t>Confidential, do not distribute</a:t>
-            </a:r>
-          </a:p>
-        </p:txBody>
-      </p:sp>
-      <p:sp>
-        <p:nvSpPr>
-          <p:cNvPr id="7" name="Slide Number Placeholder 6">
-            <a:extLst>
-              <a:ext uri="{FF2B5EF4-FFF2-40B4-BE49-F238E27FC236}">
-                <a16:creationId xmlns:a16="http://schemas.microsoft.com/office/drawing/2014/main" id="{F513CB1F-06BD-7A47-ADFF-652B3ED321F0}"/>
-              </a:ext>
-            </a:extLst>
-          </p:cNvPr>
-          <p:cNvSpPr>
-            <a:spLocks noGrp="1"/>
-          </p:cNvSpPr>
-          <p:nvPr>
-            <p:ph type="sldNum" sz="quarter" idx="12"/>
-          </p:nvPr>
-        </p:nvSpPr>
-        <p:spPr/>
-        <p:txBody>
-          <a:bodyPr/>
-          <a:lstStyle/>
-          <a:p>
-            <a:fld id="{6615785A-6CC9-604F-A350-0F2C666BA50C}" type="slidenum">
-              <a:rPr lang="en-US" smtClean="0"/>
-              <a:t>12</a:t>
-            </a:fld>
-            <a:endParaRPr lang="en-US"/>
-          </a:p>
-        </p:txBody>
-      </p:sp>
-      <p:sp>
-        <p:nvSpPr>
-          <p:cNvPr id="9" name="TextBox 8">
-            <a:extLst>
-              <a:ext uri="{FF2B5EF4-FFF2-40B4-BE49-F238E27FC236}">
-                <a16:creationId xmlns:a16="http://schemas.microsoft.com/office/drawing/2014/main" id="{2623A60F-7A54-9240-A9B3-73DC72289F6A}"/>
-              </a:ext>
-            </a:extLst>
-          </p:cNvPr>
-          <p:cNvSpPr txBox="1"/>
-          <p:nvPr/>
-        </p:nvSpPr>
-        <p:spPr>
-          <a:xfrm>
-            <a:off x="1054249" y="1621638"/>
-            <a:ext cx="9025665" cy="646331"/>
-          </a:xfrm>
-          <a:prstGeom prst="rect">
-            <a:avLst/>
-          </a:prstGeom>
-          <a:noFill/>
-        </p:spPr>
-        <p:txBody>
-          <a:bodyPr wrap="square" rtlCol="0">
-            <a:spAutoFit/>
-          </a:bodyPr>
-          <a:lstStyle/>
-          <a:p>
-            <a:r>
-              <a:rPr lang="en-US" dirty="0"/>
-              <a:t>Summarization for ablation studies. ``-'' refers to the removed model component and metric scores are the ablative model's normalized performance differences with the full model</a:t>
-            </a:r>
-            <a:r>
-              <a:rPr lang="en-US" altLang="zh-CN" dirty="0"/>
-              <a:t>.</a:t>
-            </a:r>
-            <a:endParaRPr lang="en-US" dirty="0"/>
-          </a:p>
-        </p:txBody>
-      </p:sp>
-    </p:spTree>
-    <p:extLst>
-      <p:ext uri="{BB962C8B-B14F-4D97-AF65-F5344CB8AC3E}">
-        <p14:creationId xmlns:p14="http://schemas.microsoft.com/office/powerpoint/2010/main" val="2213854733"/>
-      </p:ext>
-    </p:extLst>
-  </p:cSld>
-  <p:clrMapOvr>
-    <a:masterClrMapping/>
-  </p:clrMapOvr>
-</p:sld>
-</file>
-
-<file path=ppt/slides/slide13.xml><?xml version="1.0" encoding="utf-8"?>
-<p:sld xmlns:a="http://schemas.openxmlformats.org/drawingml/2006/main" xmlns:r="http://schemas.openxmlformats.org/officeDocument/2006/relationships" xmlns:p="http://schemas.openxmlformats.org/presentationml/2006/main">
-  <p:cSld>
-    <p:spTree>
-      <p:nvGrpSpPr>
-        <p:cNvPr id="1" name=""/>
-        <p:cNvGrpSpPr/>
-        <p:nvPr/>
-      </p:nvGrpSpPr>
-      <p:grpSpPr>
-        <a:xfrm>
-          <a:off x="0" y="0"/>
-          <a:ext cx="0" cy="0"/>
-          <a:chOff x="0" y="0"/>
-          <a:chExt cx="0" cy="0"/>
-        </a:xfrm>
-      </p:grpSpPr>
-      <p:sp>
-        <p:nvSpPr>
-          <p:cNvPr id="2" name="Title 1">
-            <a:extLst>
-              <a:ext uri="{FF2B5EF4-FFF2-40B4-BE49-F238E27FC236}">
-                <a16:creationId xmlns:a16="http://schemas.microsoft.com/office/drawing/2014/main" id="{BAB9AA12-0137-2B49-B00B-5DCCDBAF31F0}"/>
-              </a:ext>
-            </a:extLst>
-          </p:cNvPr>
-          <p:cNvSpPr>
-            <a:spLocks noGrp="1"/>
-          </p:cNvSpPr>
-          <p:nvPr>
-            <p:ph type="title"/>
-          </p:nvPr>
-        </p:nvSpPr>
-        <p:spPr/>
-        <p:txBody>
-          <a:bodyPr/>
-          <a:lstStyle/>
-          <a:p>
-            <a:r>
-              <a:rPr lang="en-US" altLang="zh-CN" dirty="0"/>
-              <a:t>Parameter</a:t>
-            </a:r>
-            <a:r>
-              <a:rPr lang="zh-CN" altLang="en-US" dirty="0"/>
-              <a:t> </a:t>
-            </a:r>
-            <a:r>
-              <a:rPr lang="en-US" altLang="zh-CN" dirty="0"/>
-              <a:t>Tuning</a:t>
-            </a:r>
-            <a:endParaRPr lang="en-US" dirty="0"/>
-          </a:p>
-        </p:txBody>
-      </p:sp>
-      <p:pic>
-        <p:nvPicPr>
-          <p:cNvPr id="8" name="Content Placeholder 7">
-            <a:extLst>
-              <a:ext uri="{FF2B5EF4-FFF2-40B4-BE49-F238E27FC236}">
-                <a16:creationId xmlns:a16="http://schemas.microsoft.com/office/drawing/2014/main" id="{EEAA5DC8-0607-ED44-839E-0256A679C61F}"/>
-              </a:ext>
-            </a:extLst>
-          </p:cNvPr>
-          <p:cNvPicPr>
-            <a:picLocks noGrp="1" noChangeAspect="1"/>
-          </p:cNvPicPr>
-          <p:nvPr>
-            <p:ph idx="1"/>
-          </p:nvPr>
-        </p:nvPicPr>
-        <p:blipFill>
-          <a:blip r:embed="rId3"/>
-          <a:stretch>
-            <a:fillRect/>
-          </a:stretch>
-        </p:blipFill>
-        <p:spPr>
-          <a:xfrm>
-            <a:off x="838201" y="1772881"/>
-            <a:ext cx="4809726" cy="4001195"/>
-          </a:xfrm>
-        </p:spPr>
-      </p:pic>
-      <p:sp>
-        <p:nvSpPr>
-          <p:cNvPr id="4" name="Date Placeholder 3">
-            <a:extLst>
-              <a:ext uri="{FF2B5EF4-FFF2-40B4-BE49-F238E27FC236}">
-                <a16:creationId xmlns:a16="http://schemas.microsoft.com/office/drawing/2014/main" id="{5C290958-4AA7-BD4F-B0F5-F9F00E116196}"/>
-              </a:ext>
-            </a:extLst>
-          </p:cNvPr>
-          <p:cNvSpPr>
-            <a:spLocks noGrp="1"/>
-          </p:cNvSpPr>
-          <p:nvPr>
-            <p:ph type="dt" sz="half" idx="10"/>
-          </p:nvPr>
-        </p:nvSpPr>
-        <p:spPr/>
-        <p:txBody>
-          <a:bodyPr/>
-          <a:lstStyle/>
-          <a:p>
-            <a:r>
-              <a:rPr lang="en-US" altLang="zh-CN" dirty="0"/>
-              <a:t>07/22/2021</a:t>
-            </a:r>
-            <a:endParaRPr lang="en-US" dirty="0"/>
-          </a:p>
-        </p:txBody>
-      </p:sp>
-      <p:sp>
-        <p:nvSpPr>
-          <p:cNvPr id="6" name="Footer Placeholder 5">
-            <a:extLst>
-              <a:ext uri="{FF2B5EF4-FFF2-40B4-BE49-F238E27FC236}">
-                <a16:creationId xmlns:a16="http://schemas.microsoft.com/office/drawing/2014/main" id="{9813C23F-EDB9-274D-835A-81DC64BC6409}"/>
-              </a:ext>
-            </a:extLst>
-          </p:cNvPr>
-          <p:cNvSpPr>
-            <a:spLocks noGrp="1"/>
-          </p:cNvSpPr>
-          <p:nvPr>
-            <p:ph type="ftr" sz="quarter" idx="11"/>
-          </p:nvPr>
-        </p:nvSpPr>
-        <p:spPr/>
-        <p:txBody>
-          <a:bodyPr/>
-          <a:lstStyle/>
-          <a:p>
-            <a:r>
-              <a:rPr lang="en-US" dirty="0"/>
-              <a:t>Confidential, do not distribute</a:t>
-            </a:r>
-          </a:p>
-        </p:txBody>
-      </p:sp>
-      <p:sp>
-        <p:nvSpPr>
-          <p:cNvPr id="7" name="Slide Number Placeholder 6">
-            <a:extLst>
-              <a:ext uri="{FF2B5EF4-FFF2-40B4-BE49-F238E27FC236}">
-                <a16:creationId xmlns:a16="http://schemas.microsoft.com/office/drawing/2014/main" id="{F513CB1F-06BD-7A47-ADFF-652B3ED321F0}"/>
-              </a:ext>
-            </a:extLst>
-          </p:cNvPr>
-          <p:cNvSpPr>
-            <a:spLocks noGrp="1"/>
-          </p:cNvSpPr>
-          <p:nvPr>
-            <p:ph type="sldNum" sz="quarter" idx="12"/>
-          </p:nvPr>
-        </p:nvSpPr>
-        <p:spPr/>
-        <p:txBody>
-          <a:bodyPr/>
-          <a:lstStyle/>
-          <a:p>
-            <a:fld id="{6615785A-6CC9-604F-A350-0F2C666BA50C}" type="slidenum">
-              <a:rPr lang="en-US" smtClean="0"/>
-              <a:t>13</a:t>
-            </a:fld>
-            <a:endParaRPr lang="en-US"/>
-          </a:p>
-        </p:txBody>
-      </p:sp>
-      <p:pic>
-        <p:nvPicPr>
-          <p:cNvPr id="9" name="Content Placeholder 7">
-            <a:extLst>
-              <a:ext uri="{FF2B5EF4-FFF2-40B4-BE49-F238E27FC236}">
-                <a16:creationId xmlns:a16="http://schemas.microsoft.com/office/drawing/2014/main" id="{2D090FBF-CB02-CA40-9D8D-4B5A093647AA}"/>
-              </a:ext>
-            </a:extLst>
-          </p:cNvPr>
-          <p:cNvPicPr>
-            <a:picLocks noChangeAspect="1"/>
-          </p:cNvPicPr>
-          <p:nvPr/>
-        </p:nvPicPr>
-        <p:blipFill>
-          <a:blip r:embed="rId4"/>
-          <a:stretch>
-            <a:fillRect/>
-          </a:stretch>
-        </p:blipFill>
-        <p:spPr>
-          <a:xfrm>
-            <a:off x="6055760" y="1772881"/>
-            <a:ext cx="5610871" cy="4001195"/>
-          </a:xfrm>
-          <a:prstGeom prst="rect">
-            <a:avLst/>
-          </a:prstGeom>
-        </p:spPr>
-      </p:pic>
-      <p:sp>
-        <p:nvSpPr>
-          <p:cNvPr id="10" name="Title 1">
-            <a:extLst>
-              <a:ext uri="{FF2B5EF4-FFF2-40B4-BE49-F238E27FC236}">
-                <a16:creationId xmlns:a16="http://schemas.microsoft.com/office/drawing/2014/main" id="{8EE69DA6-997E-0B48-A971-E21BDE497AB0}"/>
+      <p:sp>
+        <p:nvSpPr>
+          <p:cNvPr id="9" name="Content Placeholder 2">
+            <a:extLst>
+              <a:ext uri="{FF2B5EF4-FFF2-40B4-BE49-F238E27FC236}">
+                <a16:creationId xmlns:a16="http://schemas.microsoft.com/office/drawing/2014/main" id="{919083A5-0114-B44F-AFB2-9A4BCD61CE4E}"/>
               </a:ext>
             </a:extLst>
           </p:cNvPr>
@@ -6223,1011 +5366,11 @@
             <a:spLocks/>
           </p:cNvSpPr>
           <p:nvPr/>
-        </p:nvSpPr>
-        <p:spPr>
-          <a:xfrm>
-            <a:off x="5921202" y="365125"/>
-            <a:ext cx="5841415" cy="1325563"/>
-          </a:xfrm>
-          <a:prstGeom prst="rect">
-            <a:avLst/>
-          </a:prstGeom>
-        </p:spPr>
-        <p:txBody>
-          <a:bodyPr vert="horz" lIns="91440" tIns="45720" rIns="91440" bIns="45720" rtlCol="0" anchor="ctr">
-            <a:normAutofit/>
-          </a:bodyPr>
-          <a:lstStyle>
-            <a:lvl1pPr algn="l" defTabSz="914400" rtl="0" eaLnBrk="1" latinLnBrk="0" hangingPunct="1">
-              <a:lnSpc>
-                <a:spcPct val="90000"/>
-              </a:lnSpc>
-              <a:spcBef>
-                <a:spcPct val="0"/>
-              </a:spcBef>
-              <a:buNone/>
-              <a:defRPr sz="4400" kern="1200">
-                <a:solidFill>
-                  <a:schemeClr val="tx1"/>
-                </a:solidFill>
-                <a:latin typeface="+mj-lt"/>
-                <a:ea typeface="+mj-ea"/>
-                <a:cs typeface="+mj-cs"/>
-              </a:defRPr>
-            </a:lvl1pPr>
-          </a:lstStyle>
-          <a:p>
-            <a:r>
-              <a:rPr lang="en-US" altLang="zh-CN"/>
-              <a:t>Dynamic</a:t>
-            </a:r>
-            <a:r>
-              <a:rPr lang="zh-CN" altLang="en-US"/>
-              <a:t> </a:t>
-            </a:r>
-            <a:r>
-              <a:rPr lang="en-US" altLang="zh-CN"/>
-              <a:t>Label</a:t>
-            </a:r>
-            <a:r>
-              <a:rPr lang="zh-CN" altLang="en-US"/>
-              <a:t> </a:t>
-            </a:r>
-            <a:r>
-              <a:rPr lang="en-US" altLang="zh-CN"/>
-              <a:t>Change</a:t>
-            </a:r>
-            <a:endParaRPr lang="en-US" dirty="0"/>
-          </a:p>
-        </p:txBody>
-      </p:sp>
-    </p:spTree>
-    <p:extLst>
-      <p:ext uri="{BB962C8B-B14F-4D97-AF65-F5344CB8AC3E}">
-        <p14:creationId xmlns:p14="http://schemas.microsoft.com/office/powerpoint/2010/main" val="3786470170"/>
-      </p:ext>
-    </p:extLst>
-  </p:cSld>
-  <p:clrMapOvr>
-    <a:masterClrMapping/>
-  </p:clrMapOvr>
-</p:sld>
-</file>
-
-<file path=ppt/slides/slide14.xml><?xml version="1.0" encoding="utf-8"?>
-<p:sld xmlns:a="http://schemas.openxmlformats.org/drawingml/2006/main" xmlns:r="http://schemas.openxmlformats.org/officeDocument/2006/relationships" xmlns:p="http://schemas.openxmlformats.org/presentationml/2006/main">
-  <p:cSld>
-    <p:spTree>
-      <p:nvGrpSpPr>
-        <p:cNvPr id="1" name=""/>
-        <p:cNvGrpSpPr/>
-        <p:nvPr/>
-      </p:nvGrpSpPr>
-      <p:grpSpPr>
-        <a:xfrm>
-          <a:off x="0" y="0"/>
-          <a:ext cx="0" cy="0"/>
-          <a:chOff x="0" y="0"/>
-          <a:chExt cx="0" cy="0"/>
-        </a:xfrm>
-      </p:grpSpPr>
-      <p:sp>
-        <p:nvSpPr>
-          <p:cNvPr id="2" name="Title 1">
-            <a:extLst>
-              <a:ext uri="{FF2B5EF4-FFF2-40B4-BE49-F238E27FC236}">
-                <a16:creationId xmlns:a16="http://schemas.microsoft.com/office/drawing/2014/main" id="{BBF64A85-8ECD-8641-8EE5-387795DF10B8}"/>
-              </a:ext>
-            </a:extLst>
-          </p:cNvPr>
-          <p:cNvSpPr>
-            <a:spLocks noGrp="1"/>
-          </p:cNvSpPr>
-          <p:nvPr>
-            <p:ph type="ctrTitle"/>
-          </p:nvPr>
-        </p:nvSpPr>
-        <p:spPr/>
-        <p:txBody>
-          <a:bodyPr>
-            <a:noAutofit/>
-          </a:bodyPr>
-          <a:lstStyle/>
-          <a:p>
-            <a:r>
-              <a:rPr lang="en-US" altLang="zh-CN" sz="4400" b="1" dirty="0"/>
-              <a:t>Thanks!</a:t>
-            </a:r>
-            <a:endParaRPr lang="en-US" sz="4400" b="1" dirty="0"/>
-          </a:p>
-        </p:txBody>
-      </p:sp>
-    </p:spTree>
-    <p:extLst>
-      <p:ext uri="{BB962C8B-B14F-4D97-AF65-F5344CB8AC3E}">
-        <p14:creationId xmlns:p14="http://schemas.microsoft.com/office/powerpoint/2010/main" val="894602333"/>
-      </p:ext>
-    </p:extLst>
-  </p:cSld>
-  <p:clrMapOvr>
-    <a:masterClrMapping/>
-  </p:clrMapOvr>
-</p:sld>
-</file>
-
-<file path=ppt/slides/slide2.xml><?xml version="1.0" encoding="utf-8"?>
-<p:sld xmlns:a="http://schemas.openxmlformats.org/drawingml/2006/main" xmlns:r="http://schemas.openxmlformats.org/officeDocument/2006/relationships" xmlns:p="http://schemas.openxmlformats.org/presentationml/2006/main">
-  <p:cSld>
-    <p:spTree>
-      <p:nvGrpSpPr>
-        <p:cNvPr id="1" name=""/>
-        <p:cNvGrpSpPr/>
-        <p:nvPr/>
-      </p:nvGrpSpPr>
-      <p:grpSpPr>
-        <a:xfrm>
-          <a:off x="0" y="0"/>
-          <a:ext cx="0" cy="0"/>
-          <a:chOff x="0" y="0"/>
-          <a:chExt cx="0" cy="0"/>
-        </a:xfrm>
-      </p:grpSpPr>
-      <p:sp>
-        <p:nvSpPr>
-          <p:cNvPr id="2" name="Title 1">
-            <a:extLst>
-              <a:ext uri="{FF2B5EF4-FFF2-40B4-BE49-F238E27FC236}">
-                <a16:creationId xmlns:a16="http://schemas.microsoft.com/office/drawing/2014/main" id="{BAB9AA12-0137-2B49-B00B-5DCCDBAF31F0}"/>
-              </a:ext>
-            </a:extLst>
-          </p:cNvPr>
-          <p:cNvSpPr>
-            <a:spLocks noGrp="1"/>
-          </p:cNvSpPr>
-          <p:nvPr>
-            <p:ph type="title"/>
-          </p:nvPr>
-        </p:nvSpPr>
-        <p:spPr/>
-        <p:txBody>
-          <a:bodyPr/>
-          <a:lstStyle/>
-          <a:p>
-            <a:r>
-              <a:rPr lang="en-US" altLang="zh-CN" dirty="0"/>
-              <a:t>Research</a:t>
-            </a:r>
-            <a:r>
-              <a:rPr lang="zh-CN" altLang="en-US" dirty="0"/>
-              <a:t> </a:t>
-            </a:r>
-            <a:r>
-              <a:rPr lang="en-US" altLang="zh-CN" dirty="0"/>
-              <a:t>Question</a:t>
-            </a:r>
-            <a:endParaRPr lang="en-US" dirty="0"/>
-          </a:p>
-        </p:txBody>
-      </p:sp>
-      <p:sp>
-        <p:nvSpPr>
-          <p:cNvPr id="3" name="Content Placeholder 2">
-            <a:extLst>
-              <a:ext uri="{FF2B5EF4-FFF2-40B4-BE49-F238E27FC236}">
-                <a16:creationId xmlns:a16="http://schemas.microsoft.com/office/drawing/2014/main" id="{27FEC3C0-5696-2E4A-A49B-E7E1B00DFE38}"/>
-              </a:ext>
-            </a:extLst>
-          </p:cNvPr>
-          <p:cNvSpPr>
-            <a:spLocks noGrp="1"/>
-          </p:cNvSpPr>
-          <p:nvPr>
-            <p:ph idx="1"/>
-          </p:nvPr>
         </p:nvSpPr>
         <p:spPr>
           <a:xfrm>
             <a:off x="838200" y="1690688"/>
             <a:ext cx="10370906" cy="4165581"/>
-          </a:xfrm>
-        </p:spPr>
-        <p:txBody>
-          <a:bodyPr>
-            <a:normAutofit/>
-          </a:bodyPr>
-          <a:lstStyle/>
-          <a:p>
-            <a:r>
-              <a:rPr lang="en-US" altLang="zh-CN" b="1" dirty="0"/>
-              <a:t>Challenges</a:t>
-            </a:r>
-            <a:r>
-              <a:rPr lang="en-US" altLang="zh-CN" dirty="0"/>
-              <a:t>:</a:t>
-            </a:r>
-            <a:r>
-              <a:rPr lang="zh-CN" altLang="en-US" dirty="0"/>
-              <a:t> </a:t>
-            </a:r>
-            <a:endParaRPr lang="en-US" altLang="zh-CN" dirty="0"/>
-          </a:p>
-          <a:p>
-            <a:pPr lvl="1"/>
-            <a:r>
-              <a:rPr lang="en-US" sz="2000" dirty="0"/>
-              <a:t>customer utterances handled in a popular locale </a:t>
-            </a:r>
-            <a:r>
-              <a:rPr lang="en-US" altLang="zh-CN" sz="2000" dirty="0"/>
-              <a:t>(i.e.</a:t>
-            </a:r>
-            <a:r>
-              <a:rPr lang="zh-CN" altLang="en-US" sz="2000" dirty="0"/>
-              <a:t> </a:t>
-            </a:r>
-            <a:r>
-              <a:rPr lang="en-US" altLang="zh-CN" sz="2000" dirty="0" err="1"/>
-              <a:t>en</a:t>
-            </a:r>
-            <a:r>
-              <a:rPr lang="en-US" altLang="zh-CN" sz="2000" dirty="0"/>
-              <a:t>-US)</a:t>
-            </a:r>
-            <a:r>
-              <a:rPr lang="zh-CN" altLang="en-US" sz="2000" dirty="0"/>
-              <a:t> </a:t>
-            </a:r>
-            <a:r>
-              <a:rPr lang="en-US" sz="2000" dirty="0"/>
-              <a:t>may be going unclaimed in another locale</a:t>
-            </a:r>
-            <a:r>
-              <a:rPr lang="zh-CN" altLang="en-US" sz="2000" dirty="0"/>
-              <a:t> </a:t>
-            </a:r>
-            <a:r>
-              <a:rPr lang="en-US" altLang="zh-CN" sz="2000" dirty="0"/>
-              <a:t>(i.e.</a:t>
-            </a:r>
-            <a:r>
-              <a:rPr lang="zh-CN" altLang="en-US" sz="2000" dirty="0"/>
-              <a:t> </a:t>
-            </a:r>
-            <a:r>
-              <a:rPr lang="en-US" altLang="zh-CN" sz="2000" dirty="0" err="1"/>
-              <a:t>en</a:t>
-            </a:r>
-            <a:r>
-              <a:rPr lang="en-US" altLang="zh-CN" sz="2000" dirty="0"/>
-              <a:t>-IN)</a:t>
-            </a:r>
-            <a:r>
-              <a:rPr lang="zh-CN" altLang="en-US" sz="2000" dirty="0"/>
-              <a:t> </a:t>
-            </a:r>
-            <a:r>
-              <a:rPr lang="en-US" sz="2000" dirty="0"/>
-              <a:t>.</a:t>
-            </a:r>
-          </a:p>
-          <a:p>
-            <a:pPr lvl="1"/>
-            <a:r>
-              <a:rPr lang="en-US" sz="2000" dirty="0"/>
-              <a:t>locales with smaller skill ecosystems also suffer from limited labeled data for training systems to route utterances to skills</a:t>
-            </a:r>
-            <a:r>
-              <a:rPr lang="en-US" altLang="zh-CN" sz="2000" dirty="0"/>
-              <a:t>.</a:t>
-            </a:r>
-            <a:r>
-              <a:rPr lang="zh-CN" altLang="en-US" sz="2000" dirty="0"/>
-              <a:t> </a:t>
-            </a:r>
-            <a:r>
-              <a:rPr lang="en-US" altLang="zh-CN" sz="2000" dirty="0"/>
-              <a:t>i.e.</a:t>
-            </a:r>
-            <a:r>
-              <a:rPr lang="zh-CN" altLang="en-US" sz="2000" dirty="0"/>
-              <a:t> </a:t>
-            </a:r>
-            <a:r>
-              <a:rPr lang="en-US" altLang="zh-CN" sz="2000" dirty="0"/>
-              <a:t>customers</a:t>
-            </a:r>
-            <a:r>
-              <a:rPr lang="zh-CN" altLang="en-US" sz="2000" dirty="0"/>
-              <a:t> </a:t>
-            </a:r>
-            <a:r>
-              <a:rPr lang="en-US" altLang="zh-CN" sz="2000" dirty="0"/>
-              <a:t>only</a:t>
-            </a:r>
-            <a:r>
-              <a:rPr lang="zh-CN" altLang="en-US" sz="2000" dirty="0"/>
-              <a:t> </a:t>
-            </a:r>
-            <a:r>
-              <a:rPr lang="en-US" altLang="zh-CN" sz="2000" dirty="0"/>
-              <a:t>provide</a:t>
-            </a:r>
-            <a:r>
-              <a:rPr lang="zh-CN" altLang="en-US" sz="2000" dirty="0"/>
-              <a:t> </a:t>
-            </a:r>
-            <a:r>
-              <a:rPr lang="en-US" altLang="zh-CN" sz="2000" dirty="0"/>
-              <a:t>feedbacks</a:t>
-            </a:r>
-            <a:r>
-              <a:rPr lang="zh-CN" altLang="en-US" sz="2000" dirty="0"/>
-              <a:t> </a:t>
-            </a:r>
-            <a:r>
-              <a:rPr lang="en-US" altLang="zh-CN" sz="2000" dirty="0"/>
-              <a:t>for</a:t>
-            </a:r>
-            <a:r>
-              <a:rPr lang="zh-CN" altLang="en-US" sz="2000" dirty="0"/>
-              <a:t> </a:t>
-            </a:r>
-            <a:r>
-              <a:rPr lang="en-US" altLang="zh-CN" sz="2000" dirty="0"/>
-              <a:t>the</a:t>
-            </a:r>
-            <a:r>
-              <a:rPr lang="zh-CN" altLang="en-US" sz="2000" dirty="0"/>
-              <a:t> </a:t>
-            </a:r>
-            <a:r>
-              <a:rPr lang="en-US" altLang="zh-CN" sz="2000" dirty="0"/>
-              <a:t>suggested</a:t>
-            </a:r>
-            <a:r>
-              <a:rPr lang="zh-CN" altLang="en-US" sz="2000" dirty="0"/>
-              <a:t> </a:t>
-            </a:r>
-            <a:r>
-              <a:rPr lang="en-US" altLang="zh-CN" sz="2000" dirty="0"/>
-              <a:t>skill,</a:t>
-            </a:r>
-            <a:r>
-              <a:rPr lang="zh-CN" altLang="en-US" sz="2000" dirty="0"/>
-              <a:t>  </a:t>
-            </a:r>
-            <a:r>
-              <a:rPr lang="en-US" altLang="zh-CN" sz="2000" dirty="0"/>
-              <a:t>without</a:t>
-            </a:r>
-            <a:r>
-              <a:rPr lang="zh-CN" altLang="en-US" sz="2000" dirty="0"/>
-              <a:t> </a:t>
-            </a:r>
-            <a:r>
-              <a:rPr lang="en-US" altLang="zh-CN" sz="2000" dirty="0"/>
-              <a:t>seeing</a:t>
-            </a:r>
-            <a:r>
-              <a:rPr lang="zh-CN" altLang="en-US" sz="2000" dirty="0"/>
-              <a:t> </a:t>
-            </a:r>
-            <a:r>
-              <a:rPr lang="en-US" altLang="zh-CN" sz="2000" dirty="0"/>
-              <a:t>the</a:t>
-            </a:r>
-            <a:r>
-              <a:rPr lang="zh-CN" altLang="en-US" sz="2000" dirty="0"/>
-              <a:t> </a:t>
-            </a:r>
-            <a:r>
-              <a:rPr lang="en-US" altLang="zh-CN" sz="2000" dirty="0"/>
-              <a:t>rest</a:t>
-            </a:r>
-            <a:r>
-              <a:rPr lang="zh-CN" altLang="en-US" sz="2000" dirty="0"/>
-              <a:t> </a:t>
-            </a:r>
-            <a:r>
-              <a:rPr lang="en-US" altLang="zh-CN" sz="2000" dirty="0"/>
-              <a:t>skills.</a:t>
-            </a:r>
-            <a:endParaRPr lang="en-US" sz="2000" dirty="0"/>
-          </a:p>
-          <a:p>
-            <a:r>
-              <a:rPr lang="en-US" b="1" dirty="0"/>
-              <a:t>Goal</a:t>
-            </a:r>
-            <a:r>
-              <a:rPr lang="en-US" altLang="zh-CN" dirty="0"/>
-              <a:t>:</a:t>
-            </a:r>
-            <a:r>
-              <a:rPr lang="zh-CN" altLang="en-US" dirty="0"/>
-              <a:t> </a:t>
-            </a:r>
-            <a:r>
-              <a:rPr lang="en-US" altLang="zh-CN" dirty="0"/>
-              <a:t>retrieve relevant skills in a source locale for unclaimed utterances in a target locale</a:t>
-            </a:r>
-          </a:p>
-          <a:p>
-            <a:r>
-              <a:rPr lang="en-US" altLang="zh-CN" b="1" dirty="0"/>
-              <a:t>Keywords</a:t>
-            </a:r>
-            <a:r>
-              <a:rPr lang="en-US" altLang="zh-CN" dirty="0"/>
-              <a:t>: co-training, transfer learning, pseudo labeling, semi-supervised learning</a:t>
-            </a:r>
-          </a:p>
-        </p:txBody>
-      </p:sp>
-      <p:sp>
-        <p:nvSpPr>
-          <p:cNvPr id="4" name="Date Placeholder 3">
-            <a:extLst>
-              <a:ext uri="{FF2B5EF4-FFF2-40B4-BE49-F238E27FC236}">
-                <a16:creationId xmlns:a16="http://schemas.microsoft.com/office/drawing/2014/main" id="{5C290958-4AA7-BD4F-B0F5-F9F00E116196}"/>
-              </a:ext>
-            </a:extLst>
-          </p:cNvPr>
-          <p:cNvSpPr>
-            <a:spLocks noGrp="1"/>
-          </p:cNvSpPr>
-          <p:nvPr>
-            <p:ph type="dt" sz="half" idx="10"/>
-          </p:nvPr>
-        </p:nvSpPr>
-        <p:spPr/>
-        <p:txBody>
-          <a:bodyPr/>
-          <a:lstStyle/>
-          <a:p>
-            <a:r>
-              <a:rPr lang="en-US" altLang="zh-CN" dirty="0"/>
-              <a:t>07/22/2021</a:t>
-            </a:r>
-            <a:endParaRPr lang="en-US" dirty="0"/>
-          </a:p>
-        </p:txBody>
-      </p:sp>
-      <p:sp>
-        <p:nvSpPr>
-          <p:cNvPr id="6" name="Footer Placeholder 5">
-            <a:extLst>
-              <a:ext uri="{FF2B5EF4-FFF2-40B4-BE49-F238E27FC236}">
-                <a16:creationId xmlns:a16="http://schemas.microsoft.com/office/drawing/2014/main" id="{9813C23F-EDB9-274D-835A-81DC64BC6409}"/>
-              </a:ext>
-            </a:extLst>
-          </p:cNvPr>
-          <p:cNvSpPr>
-            <a:spLocks noGrp="1"/>
-          </p:cNvSpPr>
-          <p:nvPr>
-            <p:ph type="ftr" sz="quarter" idx="11"/>
-          </p:nvPr>
-        </p:nvSpPr>
-        <p:spPr/>
-        <p:txBody>
-          <a:bodyPr/>
-          <a:lstStyle/>
-          <a:p>
-            <a:r>
-              <a:rPr lang="en-US" dirty="0"/>
-              <a:t>Confidential, do not distribute</a:t>
-            </a:r>
-          </a:p>
-        </p:txBody>
-      </p:sp>
-      <p:sp>
-        <p:nvSpPr>
-          <p:cNvPr id="7" name="Slide Number Placeholder 6">
-            <a:extLst>
-              <a:ext uri="{FF2B5EF4-FFF2-40B4-BE49-F238E27FC236}">
-                <a16:creationId xmlns:a16="http://schemas.microsoft.com/office/drawing/2014/main" id="{F513CB1F-06BD-7A47-ADFF-652B3ED321F0}"/>
-              </a:ext>
-            </a:extLst>
-          </p:cNvPr>
-          <p:cNvSpPr>
-            <a:spLocks noGrp="1"/>
-          </p:cNvSpPr>
-          <p:nvPr>
-            <p:ph type="sldNum" sz="quarter" idx="12"/>
-          </p:nvPr>
-        </p:nvSpPr>
-        <p:spPr/>
-        <p:txBody>
-          <a:bodyPr/>
-          <a:lstStyle/>
-          <a:p>
-            <a:fld id="{6615785A-6CC9-604F-A350-0F2C666BA50C}" type="slidenum">
-              <a:rPr lang="en-US" smtClean="0"/>
-              <a:t>2</a:t>
-            </a:fld>
-            <a:endParaRPr lang="en-US"/>
-          </a:p>
-        </p:txBody>
-      </p:sp>
-    </p:spTree>
-    <p:extLst>
-      <p:ext uri="{BB962C8B-B14F-4D97-AF65-F5344CB8AC3E}">
-        <p14:creationId xmlns:p14="http://schemas.microsoft.com/office/powerpoint/2010/main" val="566241297"/>
-      </p:ext>
-    </p:extLst>
-  </p:cSld>
-  <p:clrMapOvr>
-    <a:masterClrMapping/>
-  </p:clrMapOvr>
-</p:sld>
-</file>
-
-<file path=ppt/slides/slide3.xml><?xml version="1.0" encoding="utf-8"?>
-<p:sld xmlns:a="http://schemas.openxmlformats.org/drawingml/2006/main" xmlns:r="http://schemas.openxmlformats.org/officeDocument/2006/relationships" xmlns:p="http://schemas.openxmlformats.org/presentationml/2006/main">
-  <p:cSld>
-    <p:spTree>
-      <p:nvGrpSpPr>
-        <p:cNvPr id="1" name=""/>
-        <p:cNvGrpSpPr/>
-        <p:nvPr/>
-      </p:nvGrpSpPr>
-      <p:grpSpPr>
-        <a:xfrm>
-          <a:off x="0" y="0"/>
-          <a:ext cx="0" cy="0"/>
-          <a:chOff x="0" y="0"/>
-          <a:chExt cx="0" cy="0"/>
-        </a:xfrm>
-      </p:grpSpPr>
-      <p:sp>
-        <p:nvSpPr>
-          <p:cNvPr id="2" name="Title 1">
-            <a:extLst>
-              <a:ext uri="{FF2B5EF4-FFF2-40B4-BE49-F238E27FC236}">
-                <a16:creationId xmlns:a16="http://schemas.microsoft.com/office/drawing/2014/main" id="{BAB9AA12-0137-2B49-B00B-5DCCDBAF31F0}"/>
-              </a:ext>
-            </a:extLst>
-          </p:cNvPr>
-          <p:cNvSpPr>
-            <a:spLocks noGrp="1"/>
-          </p:cNvSpPr>
-          <p:nvPr>
-            <p:ph type="title"/>
-          </p:nvPr>
-        </p:nvSpPr>
-        <p:spPr/>
-        <p:txBody>
-          <a:bodyPr/>
-          <a:lstStyle/>
-          <a:p>
-            <a:r>
-              <a:rPr lang="en-US" dirty="0"/>
-              <a:t>Method</a:t>
-            </a:r>
-          </a:p>
-        </p:txBody>
-      </p:sp>
-      <p:sp>
-        <p:nvSpPr>
-          <p:cNvPr id="3" name="Content Placeholder 2">
-            <a:extLst>
-              <a:ext uri="{FF2B5EF4-FFF2-40B4-BE49-F238E27FC236}">
-                <a16:creationId xmlns:a16="http://schemas.microsoft.com/office/drawing/2014/main" id="{27FEC3C0-5696-2E4A-A49B-E7E1B00DFE38}"/>
-              </a:ext>
-            </a:extLst>
-          </p:cNvPr>
-          <p:cNvSpPr>
-            <a:spLocks noGrp="1"/>
-          </p:cNvSpPr>
-          <p:nvPr>
-            <p:ph idx="1"/>
-          </p:nvPr>
-        </p:nvSpPr>
-        <p:spPr>
-          <a:xfrm>
-            <a:off x="838200" y="1690688"/>
-            <a:ext cx="10370906" cy="4165581"/>
-          </a:xfrm>
-        </p:spPr>
-        <p:txBody>
-          <a:bodyPr>
-            <a:normAutofit/>
-          </a:bodyPr>
-          <a:lstStyle/>
-          <a:p>
-            <a:r>
-              <a:rPr lang="en-US" sz="2000" dirty="0"/>
-              <a:t>XSHOT model is a two-step approach with Shortlisting and Reranking.</a:t>
-            </a:r>
-          </a:p>
-          <a:p>
-            <a:r>
-              <a:rPr lang="en-US" sz="2000" dirty="0"/>
-              <a:t>Input: source/target locale utterances with labeled skills</a:t>
-            </a:r>
-          </a:p>
-          <a:p>
-            <a:r>
-              <a:rPr lang="en-US" sz="2000" dirty="0"/>
-              <a:t>Output: predicted positive source locales skills for target locale utterances.</a:t>
-            </a:r>
-          </a:p>
-          <a:p>
-            <a:r>
-              <a:rPr lang="en-US" altLang="zh-CN" sz="2000" dirty="0"/>
-              <a:t>Model</a:t>
-            </a:r>
-            <a:r>
-              <a:rPr lang="zh-CN" altLang="en-US" sz="2000" dirty="0"/>
-              <a:t> </a:t>
-            </a:r>
-            <a:r>
-              <a:rPr lang="en-US" altLang="zh-CN" sz="2000" dirty="0"/>
-              <a:t>Formulation:</a:t>
-            </a:r>
-          </a:p>
-          <a:p>
-            <a:pPr lvl="1"/>
-            <a:r>
-              <a:rPr lang="en-US" altLang="zh-CN" sz="1600" dirty="0"/>
-              <a:t>A</a:t>
-            </a:r>
-            <a:r>
-              <a:rPr lang="zh-CN" altLang="en-US" sz="1600" dirty="0"/>
-              <a:t> </a:t>
-            </a:r>
-            <a:r>
-              <a:rPr lang="en-US" altLang="zh-CN" sz="1600" dirty="0"/>
-              <a:t>two-step listwise approach to firstly apply Shortlisting to retrieve the top K</a:t>
-            </a:r>
-            <a:r>
-              <a:rPr lang="zh-CN" altLang="en-US" sz="1600" dirty="0"/>
-              <a:t> </a:t>
-            </a:r>
-            <a:r>
-              <a:rPr lang="en-US" altLang="zh-CN" sz="1600" dirty="0"/>
-              <a:t>most relevant skills, then leverage Reranking to rank the filtered skills.</a:t>
-            </a:r>
-            <a:r>
-              <a:rPr lang="zh-CN" altLang="en-US" sz="1600" dirty="0"/>
-              <a:t> </a:t>
-            </a:r>
-            <a:r>
-              <a:rPr lang="en-US" altLang="zh-CN" sz="1600" dirty="0"/>
-              <a:t>We only need to minimize the prediction discrepancy for each utterance u</a:t>
-            </a:r>
-            <a:r>
-              <a:rPr lang="zh-CN" altLang="en-US" sz="1600" dirty="0"/>
-              <a:t> </a:t>
-            </a:r>
-            <a:r>
-              <a:rPr lang="en-US" altLang="zh-CN" sz="1600" dirty="0"/>
-              <a:t>and its filtered Shortlisting skill sequence V:</a:t>
-            </a:r>
-          </a:p>
-          <a:p>
-            <a:pPr lvl="1"/>
-            <a:endParaRPr lang="en-US" altLang="zh-CN" sz="1600" dirty="0"/>
-          </a:p>
-        </p:txBody>
-      </p:sp>
-      <p:sp>
-        <p:nvSpPr>
-          <p:cNvPr id="4" name="Date Placeholder 3">
-            <a:extLst>
-              <a:ext uri="{FF2B5EF4-FFF2-40B4-BE49-F238E27FC236}">
-                <a16:creationId xmlns:a16="http://schemas.microsoft.com/office/drawing/2014/main" id="{5C290958-4AA7-BD4F-B0F5-F9F00E116196}"/>
-              </a:ext>
-            </a:extLst>
-          </p:cNvPr>
-          <p:cNvSpPr>
-            <a:spLocks noGrp="1"/>
-          </p:cNvSpPr>
-          <p:nvPr>
-            <p:ph type="dt" sz="half" idx="10"/>
-          </p:nvPr>
-        </p:nvSpPr>
-        <p:spPr/>
-        <p:txBody>
-          <a:bodyPr/>
-          <a:lstStyle/>
-          <a:p>
-            <a:r>
-              <a:rPr lang="en-US" altLang="zh-CN" dirty="0"/>
-              <a:t>07/22/2021</a:t>
-            </a:r>
-            <a:endParaRPr lang="en-US" dirty="0"/>
-          </a:p>
-        </p:txBody>
-      </p:sp>
-      <p:sp>
-        <p:nvSpPr>
-          <p:cNvPr id="6" name="Footer Placeholder 5">
-            <a:extLst>
-              <a:ext uri="{FF2B5EF4-FFF2-40B4-BE49-F238E27FC236}">
-                <a16:creationId xmlns:a16="http://schemas.microsoft.com/office/drawing/2014/main" id="{9813C23F-EDB9-274D-835A-81DC64BC6409}"/>
-              </a:ext>
-            </a:extLst>
-          </p:cNvPr>
-          <p:cNvSpPr>
-            <a:spLocks noGrp="1"/>
-          </p:cNvSpPr>
-          <p:nvPr>
-            <p:ph type="ftr" sz="quarter" idx="11"/>
-          </p:nvPr>
-        </p:nvSpPr>
-        <p:spPr/>
-        <p:txBody>
-          <a:bodyPr/>
-          <a:lstStyle/>
-          <a:p>
-            <a:r>
-              <a:rPr lang="en-US" dirty="0"/>
-              <a:t>Confidential, do not distribute</a:t>
-            </a:r>
-          </a:p>
-        </p:txBody>
-      </p:sp>
-      <p:sp>
-        <p:nvSpPr>
-          <p:cNvPr id="7" name="Slide Number Placeholder 6">
-            <a:extLst>
-              <a:ext uri="{FF2B5EF4-FFF2-40B4-BE49-F238E27FC236}">
-                <a16:creationId xmlns:a16="http://schemas.microsoft.com/office/drawing/2014/main" id="{F513CB1F-06BD-7A47-ADFF-652B3ED321F0}"/>
-              </a:ext>
-            </a:extLst>
-          </p:cNvPr>
-          <p:cNvSpPr>
-            <a:spLocks noGrp="1"/>
-          </p:cNvSpPr>
-          <p:nvPr>
-            <p:ph type="sldNum" sz="quarter" idx="12"/>
-          </p:nvPr>
-        </p:nvSpPr>
-        <p:spPr/>
-        <p:txBody>
-          <a:bodyPr/>
-          <a:lstStyle/>
-          <a:p>
-            <a:fld id="{6615785A-6CC9-604F-A350-0F2C666BA50C}" type="slidenum">
-              <a:rPr lang="en-US" smtClean="0"/>
-              <a:t>3</a:t>
-            </a:fld>
-            <a:endParaRPr lang="en-US"/>
-          </a:p>
-        </p:txBody>
-      </p:sp>
-      <p:pic>
-        <p:nvPicPr>
-          <p:cNvPr id="9" name="Picture 8">
-            <a:extLst>
-              <a:ext uri="{FF2B5EF4-FFF2-40B4-BE49-F238E27FC236}">
-                <a16:creationId xmlns:a16="http://schemas.microsoft.com/office/drawing/2014/main" id="{F3B6552F-62E4-BA47-B3BB-4B3F1DA75039}"/>
-              </a:ext>
-            </a:extLst>
-          </p:cNvPr>
-          <p:cNvPicPr>
-            <a:picLocks noChangeAspect="1"/>
-          </p:cNvPicPr>
-          <p:nvPr/>
-        </p:nvPicPr>
-        <p:blipFill>
-          <a:blip r:embed="rId3"/>
-          <a:stretch>
-            <a:fillRect/>
-          </a:stretch>
-        </p:blipFill>
-        <p:spPr>
-          <a:xfrm>
-            <a:off x="2005387" y="4469579"/>
-            <a:ext cx="7277100" cy="876300"/>
-          </a:xfrm>
-          <a:prstGeom prst="rect">
-            <a:avLst/>
-          </a:prstGeom>
-        </p:spPr>
-      </p:pic>
-    </p:spTree>
-    <p:extLst>
-      <p:ext uri="{BB962C8B-B14F-4D97-AF65-F5344CB8AC3E}">
-        <p14:creationId xmlns:p14="http://schemas.microsoft.com/office/powerpoint/2010/main" val="1114792415"/>
-      </p:ext>
-    </p:extLst>
-  </p:cSld>
-  <p:clrMapOvr>
-    <a:masterClrMapping/>
-  </p:clrMapOvr>
-</p:sld>
-</file>
-
-<file path=ppt/slides/slide4.xml><?xml version="1.0" encoding="utf-8"?>
-<p:sld xmlns:a="http://schemas.openxmlformats.org/drawingml/2006/main" xmlns:r="http://schemas.openxmlformats.org/officeDocument/2006/relationships" xmlns:p="http://schemas.openxmlformats.org/presentationml/2006/main">
-  <p:cSld>
-    <p:spTree>
-      <p:nvGrpSpPr>
-        <p:cNvPr id="1" name=""/>
-        <p:cNvGrpSpPr/>
-        <p:nvPr/>
-      </p:nvGrpSpPr>
-      <p:grpSpPr>
-        <a:xfrm>
-          <a:off x="0" y="0"/>
-          <a:ext cx="0" cy="0"/>
-          <a:chOff x="0" y="0"/>
-          <a:chExt cx="0" cy="0"/>
-        </a:xfrm>
-      </p:grpSpPr>
-      <p:sp>
-        <p:nvSpPr>
-          <p:cNvPr id="2" name="Title 1">
-            <a:extLst>
-              <a:ext uri="{FF2B5EF4-FFF2-40B4-BE49-F238E27FC236}">
-                <a16:creationId xmlns:a16="http://schemas.microsoft.com/office/drawing/2014/main" id="{BAB9AA12-0137-2B49-B00B-5DCCDBAF31F0}"/>
-              </a:ext>
-            </a:extLst>
-          </p:cNvPr>
-          <p:cNvSpPr>
-            <a:spLocks noGrp="1"/>
-          </p:cNvSpPr>
-          <p:nvPr>
-            <p:ph type="title"/>
-          </p:nvPr>
-        </p:nvSpPr>
-        <p:spPr/>
-        <p:txBody>
-          <a:bodyPr/>
-          <a:lstStyle/>
-          <a:p>
-            <a:r>
-              <a:rPr lang="en-US" altLang="zh-CN" dirty="0"/>
-              <a:t>Framework</a:t>
-            </a:r>
-            <a:r>
-              <a:rPr lang="zh-CN" altLang="en-US" dirty="0"/>
-              <a:t> </a:t>
-            </a:r>
-            <a:r>
-              <a:rPr lang="en-US" altLang="zh-CN" dirty="0"/>
-              <a:t>Overview</a:t>
-            </a:r>
-            <a:endParaRPr lang="en-US" dirty="0"/>
-          </a:p>
-        </p:txBody>
-      </p:sp>
-      <p:pic>
-        <p:nvPicPr>
-          <p:cNvPr id="8" name="Content Placeholder 7">
-            <a:extLst>
-              <a:ext uri="{FF2B5EF4-FFF2-40B4-BE49-F238E27FC236}">
-                <a16:creationId xmlns:a16="http://schemas.microsoft.com/office/drawing/2014/main" id="{270F588D-2C47-C245-AD1F-89DF639DD7ED}"/>
-              </a:ext>
-            </a:extLst>
-          </p:cNvPr>
-          <p:cNvPicPr>
-            <a:picLocks noGrp="1" noChangeAspect="1"/>
-          </p:cNvPicPr>
-          <p:nvPr>
-            <p:ph idx="1"/>
-          </p:nvPr>
-        </p:nvPicPr>
-        <p:blipFill>
-          <a:blip r:embed="rId3"/>
-          <a:stretch>
-            <a:fillRect/>
-          </a:stretch>
-        </p:blipFill>
-        <p:spPr>
-          <a:xfrm>
-            <a:off x="6254151" y="1329886"/>
-            <a:ext cx="3970106" cy="5232601"/>
-          </a:xfrm>
-        </p:spPr>
-      </p:pic>
-      <p:sp>
-        <p:nvSpPr>
-          <p:cNvPr id="4" name="Date Placeholder 3">
-            <a:extLst>
-              <a:ext uri="{FF2B5EF4-FFF2-40B4-BE49-F238E27FC236}">
-                <a16:creationId xmlns:a16="http://schemas.microsoft.com/office/drawing/2014/main" id="{5C290958-4AA7-BD4F-B0F5-F9F00E116196}"/>
-              </a:ext>
-            </a:extLst>
-          </p:cNvPr>
-          <p:cNvSpPr>
-            <a:spLocks noGrp="1"/>
-          </p:cNvSpPr>
-          <p:nvPr>
-            <p:ph type="dt" sz="half" idx="10"/>
-          </p:nvPr>
-        </p:nvSpPr>
-        <p:spPr/>
-        <p:txBody>
-          <a:bodyPr/>
-          <a:lstStyle/>
-          <a:p>
-            <a:r>
-              <a:rPr lang="en-US" altLang="zh-CN" dirty="0"/>
-              <a:t>07/22/2021</a:t>
-            </a:r>
-            <a:endParaRPr lang="en-US" dirty="0"/>
-          </a:p>
-        </p:txBody>
-      </p:sp>
-      <p:sp>
-        <p:nvSpPr>
-          <p:cNvPr id="6" name="Footer Placeholder 5">
-            <a:extLst>
-              <a:ext uri="{FF2B5EF4-FFF2-40B4-BE49-F238E27FC236}">
-                <a16:creationId xmlns:a16="http://schemas.microsoft.com/office/drawing/2014/main" id="{9813C23F-EDB9-274D-835A-81DC64BC6409}"/>
-              </a:ext>
-            </a:extLst>
-          </p:cNvPr>
-          <p:cNvSpPr>
-            <a:spLocks noGrp="1"/>
-          </p:cNvSpPr>
-          <p:nvPr>
-            <p:ph type="ftr" sz="quarter" idx="11"/>
-          </p:nvPr>
-        </p:nvSpPr>
-        <p:spPr/>
-        <p:txBody>
-          <a:bodyPr/>
-          <a:lstStyle/>
-          <a:p>
-            <a:r>
-              <a:rPr lang="en-US" dirty="0"/>
-              <a:t>Confidential, do not distribute</a:t>
-            </a:r>
-          </a:p>
-        </p:txBody>
-      </p:sp>
-      <p:sp>
-        <p:nvSpPr>
-          <p:cNvPr id="7" name="Slide Number Placeholder 6">
-            <a:extLst>
-              <a:ext uri="{FF2B5EF4-FFF2-40B4-BE49-F238E27FC236}">
-                <a16:creationId xmlns:a16="http://schemas.microsoft.com/office/drawing/2014/main" id="{F513CB1F-06BD-7A47-ADFF-652B3ED321F0}"/>
-              </a:ext>
-            </a:extLst>
-          </p:cNvPr>
-          <p:cNvSpPr>
-            <a:spLocks noGrp="1"/>
-          </p:cNvSpPr>
-          <p:nvPr>
-            <p:ph type="sldNum" sz="quarter" idx="12"/>
-          </p:nvPr>
-        </p:nvSpPr>
-        <p:spPr/>
-        <p:txBody>
-          <a:bodyPr/>
-          <a:lstStyle/>
-          <a:p>
-            <a:fld id="{6615785A-6CC9-604F-A350-0F2C666BA50C}" type="slidenum">
-              <a:rPr lang="en-US" smtClean="0"/>
-              <a:t>4</a:t>
-            </a:fld>
-            <a:endParaRPr lang="en-US"/>
-          </a:p>
-        </p:txBody>
-      </p:sp>
-      <p:sp>
-        <p:nvSpPr>
-          <p:cNvPr id="12" name="Content Placeholder 2">
-            <a:extLst>
-              <a:ext uri="{FF2B5EF4-FFF2-40B4-BE49-F238E27FC236}">
-                <a16:creationId xmlns:a16="http://schemas.microsoft.com/office/drawing/2014/main" id="{1E38E8B4-9D00-F646-9C0C-84F404555760}"/>
-              </a:ext>
-            </a:extLst>
-          </p:cNvPr>
-          <p:cNvSpPr txBox="1">
-            <a:spLocks/>
-          </p:cNvSpPr>
-          <p:nvPr/>
-        </p:nvSpPr>
-        <p:spPr>
-          <a:xfrm>
-            <a:off x="84673" y="1940728"/>
-            <a:ext cx="5080420" cy="4165581"/>
           </a:xfrm>
           <a:prstGeom prst="rect">
             <a:avLst/>
@@ -7402,115 +5545,1248 @@
             </a:lvl9pPr>
           </a:lstStyle>
           <a:p>
+            <a:r>
+              <a:rPr lang="en-US" sz="2000" dirty="0" err="1"/>
+              <a:t>Re</a:t>
+            </a:r>
+            <a:r>
+              <a:rPr lang="en-US" altLang="zh-CN" sz="2000" dirty="0" err="1"/>
+              <a:t>ranker</a:t>
+            </a:r>
+            <a:r>
+              <a:rPr lang="zh-CN" altLang="en-US" sz="2000" dirty="0"/>
+              <a:t> </a:t>
+            </a:r>
+            <a:r>
+              <a:rPr lang="en-US" altLang="zh-CN" sz="2000" dirty="0"/>
+              <a:t>Model</a:t>
+            </a:r>
+          </a:p>
+          <a:p>
             <a:pPr lvl="1"/>
             <a:r>
-              <a:rPr lang="en-US" altLang="zh-CN" sz="2000" b="1" dirty="0"/>
+              <a:rPr lang="en-US" altLang="zh-CN" sz="1600" dirty="0"/>
+              <a:t>Transformer</a:t>
+            </a:r>
+            <a:r>
+              <a:rPr lang="zh-CN" altLang="en-US" sz="1600" dirty="0"/>
+              <a:t> </a:t>
+            </a:r>
+            <a:r>
+              <a:rPr lang="en-US" altLang="zh-CN" sz="1600" dirty="0"/>
+              <a:t>based</a:t>
+            </a:r>
+            <a:r>
+              <a:rPr lang="zh-CN" altLang="en-US" sz="1600" dirty="0"/>
+              <a:t> </a:t>
+            </a:r>
+            <a:r>
+              <a:rPr lang="en-US" altLang="zh-CN" sz="1600" dirty="0"/>
+              <a:t>encoder</a:t>
+            </a:r>
+          </a:p>
+          <a:p>
+            <a:pPr lvl="1"/>
+            <a:r>
+              <a:rPr lang="en-US" altLang="zh-CN" sz="1600" dirty="0"/>
+              <a:t>Fusion</a:t>
+            </a:r>
+            <a:r>
+              <a:rPr lang="zh-CN" altLang="en-US" sz="1600" dirty="0"/>
+              <a:t> </a:t>
+            </a:r>
+            <a:r>
+              <a:rPr lang="en-US" altLang="zh-CN" sz="1600" dirty="0"/>
+              <a:t>layer</a:t>
+            </a:r>
+            <a:r>
+              <a:rPr lang="zh-CN" altLang="en-US" sz="1600" dirty="0"/>
+              <a:t> </a:t>
+            </a:r>
+            <a:r>
+              <a:rPr lang="en-US" altLang="zh-CN" sz="1600" dirty="0"/>
+              <a:t>to</a:t>
+            </a:r>
+            <a:r>
+              <a:rPr lang="zh-CN" altLang="en-US" sz="1600" dirty="0"/>
+              <a:t> </a:t>
+            </a:r>
+            <a:r>
+              <a:rPr lang="en-US" altLang="zh-CN" sz="1600" dirty="0"/>
+              <a:t>capture</a:t>
+            </a:r>
+            <a:r>
+              <a:rPr lang="zh-CN" altLang="en-US" sz="1600" dirty="0"/>
+              <a:t> </a:t>
+            </a:r>
+            <a:r>
+              <a:rPr lang="en-US" altLang="zh-CN" sz="1600" dirty="0"/>
+              <a:t>utterance</a:t>
+            </a:r>
+            <a:r>
+              <a:rPr lang="zh-CN" altLang="en-US" sz="1600" dirty="0"/>
+              <a:t> </a:t>
+            </a:r>
+            <a:r>
+              <a:rPr lang="en-US" altLang="zh-CN" sz="1600" dirty="0"/>
+              <a:t>&amp;</a:t>
+            </a:r>
+            <a:r>
+              <a:rPr lang="zh-CN" altLang="en-US" sz="1600" dirty="0"/>
+              <a:t> </a:t>
+            </a:r>
+            <a:r>
+              <a:rPr lang="en-US" altLang="zh-CN" sz="1600" dirty="0"/>
+              <a:t>skill</a:t>
+            </a:r>
+            <a:r>
+              <a:rPr lang="zh-CN" altLang="en-US" sz="1600" dirty="0"/>
+              <a:t> </a:t>
+            </a:r>
+            <a:r>
+              <a:rPr lang="en-US" altLang="zh-CN" sz="1600" dirty="0"/>
+              <a:t>interactive</a:t>
+            </a:r>
+            <a:r>
+              <a:rPr lang="zh-CN" altLang="en-US" sz="1600" dirty="0"/>
+              <a:t> </a:t>
+            </a:r>
+            <a:r>
+              <a:rPr lang="en-US" altLang="zh-CN" sz="1600" dirty="0"/>
+              <a:t>feature</a:t>
+            </a:r>
+          </a:p>
+          <a:p>
+            <a:pPr lvl="1"/>
+            <a:r>
+              <a:rPr lang="en-US" altLang="zh-CN" sz="1600" dirty="0"/>
+              <a:t>Sequence</a:t>
+            </a:r>
+            <a:r>
+              <a:rPr lang="zh-CN" altLang="en-US" sz="1600" dirty="0"/>
+              <a:t> </a:t>
+            </a:r>
+            <a:r>
+              <a:rPr lang="en-US" altLang="zh-CN" sz="1600" dirty="0"/>
+              <a:t>decoder</a:t>
+            </a:r>
+            <a:r>
+              <a:rPr lang="zh-CN" altLang="en-US" sz="1600" dirty="0"/>
+              <a:t> </a:t>
+            </a:r>
+            <a:r>
+              <a:rPr lang="en-US" altLang="zh-CN" sz="1600" dirty="0"/>
+              <a:t>to</a:t>
+            </a:r>
+            <a:r>
+              <a:rPr lang="zh-CN" altLang="en-US" sz="1600" dirty="0"/>
+              <a:t> </a:t>
+            </a:r>
+            <a:r>
+              <a:rPr lang="en-US" altLang="zh-CN" sz="1600" dirty="0"/>
+              <a:t>consider</a:t>
+            </a:r>
+            <a:r>
+              <a:rPr lang="zh-CN" altLang="en-US" sz="1600" dirty="0"/>
+              <a:t> </a:t>
+            </a:r>
+            <a:r>
+              <a:rPr lang="en-US" altLang="zh-CN" sz="1600" dirty="0"/>
               <a:t>Shortlisting</a:t>
             </a:r>
             <a:r>
+              <a:rPr lang="zh-CN" altLang="en-US" sz="1600" dirty="0"/>
+              <a:t> </a:t>
+            </a:r>
+            <a:r>
+              <a:rPr lang="en-US" altLang="zh-CN" sz="1600" dirty="0"/>
+              <a:t>sequential</a:t>
+            </a:r>
+            <a:r>
+              <a:rPr lang="zh-CN" altLang="en-US" sz="1600" dirty="0"/>
+              <a:t> </a:t>
+            </a:r>
+            <a:r>
+              <a:rPr lang="en-US" altLang="zh-CN" sz="1600" dirty="0"/>
+              <a:t>results</a:t>
+            </a:r>
+          </a:p>
+          <a:p>
+            <a:pPr lvl="1"/>
+            <a:r>
+              <a:rPr lang="en-US" altLang="zh-CN" sz="1600" dirty="0"/>
+              <a:t>Sequential</a:t>
+            </a:r>
+            <a:r>
+              <a:rPr lang="zh-CN" altLang="en-US" sz="1600" dirty="0"/>
+              <a:t> </a:t>
+            </a:r>
+            <a:r>
+              <a:rPr lang="en-US" altLang="zh-CN" sz="1600" dirty="0"/>
+              <a:t>cross</a:t>
+            </a:r>
+            <a:r>
+              <a:rPr lang="zh-CN" altLang="en-US" sz="1600" dirty="0"/>
+              <a:t> </a:t>
+            </a:r>
+            <a:r>
+              <a:rPr lang="en-US" altLang="zh-CN" sz="1600" dirty="0"/>
+              <a:t>entropy</a:t>
+            </a:r>
+            <a:r>
+              <a:rPr lang="zh-CN" altLang="en-US" sz="1600" dirty="0"/>
+              <a:t> </a:t>
+            </a:r>
+            <a:r>
+              <a:rPr lang="en-US" altLang="zh-CN" sz="1600" dirty="0"/>
+              <a:t>loss</a:t>
+            </a:r>
+            <a:r>
+              <a:rPr lang="zh-CN" altLang="en-US" sz="1600" dirty="0"/>
+              <a:t> </a:t>
+            </a:r>
+            <a:r>
+              <a:rPr lang="en-US" altLang="zh-CN" sz="1600" dirty="0"/>
+              <a:t>for</a:t>
+            </a:r>
+            <a:r>
+              <a:rPr lang="zh-CN" altLang="en-US" sz="1600" dirty="0"/>
+              <a:t> </a:t>
+            </a:r>
+            <a:r>
+              <a:rPr lang="en-US" altLang="zh-CN" sz="1600" dirty="0"/>
+              <a:t>binary</a:t>
+            </a:r>
+            <a:r>
+              <a:rPr lang="zh-CN" altLang="en-US" sz="1600" dirty="0"/>
+              <a:t> </a:t>
+            </a:r>
+            <a:r>
+              <a:rPr lang="en-US" altLang="zh-CN" sz="1600" dirty="0"/>
+              <a:t>label</a:t>
+            </a:r>
+            <a:r>
+              <a:rPr lang="zh-CN" altLang="en-US" sz="1600" dirty="0"/>
+              <a:t> </a:t>
+            </a:r>
+            <a:r>
+              <a:rPr lang="en-US" altLang="zh-CN" sz="1600" dirty="0"/>
+              <a:t>sequence</a:t>
+            </a:r>
+            <a:r>
+              <a:rPr lang="zh-CN" altLang="en-US" sz="1600" dirty="0"/>
+              <a:t> </a:t>
+            </a:r>
+            <a:r>
+              <a:rPr lang="en-US" altLang="zh-CN" sz="1600" dirty="0"/>
+              <a:t>prediction.</a:t>
+            </a:r>
+          </a:p>
+          <a:p>
+            <a:r>
               <a:rPr lang="en-US" altLang="zh-CN" sz="2000" dirty="0"/>
+              <a:t>Training</a:t>
+            </a:r>
+            <a:r>
+              <a:rPr lang="zh-CN" altLang="en-US" sz="2000" dirty="0"/>
+              <a:t> </a:t>
+            </a:r>
+            <a:r>
+              <a:rPr lang="en-US" altLang="zh-CN" sz="2000" dirty="0"/>
+              <a:t>Strategy</a:t>
+            </a:r>
+          </a:p>
+          <a:p>
+            <a:pPr lvl="1"/>
+            <a:r>
+              <a:rPr lang="en-US" altLang="zh-CN" sz="1600" dirty="0"/>
+              <a:t>Incremental</a:t>
+            </a:r>
+            <a:r>
+              <a:rPr lang="zh-CN" altLang="en-US" sz="1600" dirty="0"/>
+              <a:t> </a:t>
+            </a:r>
+            <a:r>
+              <a:rPr lang="en-US" altLang="zh-CN" sz="1600" dirty="0"/>
+              <a:t>training</a:t>
+            </a:r>
+            <a:r>
+              <a:rPr lang="zh-CN" altLang="en-US" sz="1600" dirty="0"/>
+              <a:t> </a:t>
+            </a:r>
+            <a:r>
+              <a:rPr lang="en-US" altLang="zh-CN" sz="1600" dirty="0"/>
+              <a:t>among</a:t>
+            </a:r>
+            <a:r>
+              <a:rPr lang="zh-CN" altLang="en-US" sz="1600" dirty="0"/>
+              <a:t> </a:t>
+            </a:r>
+            <a:r>
+              <a:rPr lang="en-US" altLang="zh-CN" sz="1600" dirty="0"/>
+              <a:t>data</a:t>
+            </a:r>
+            <a:r>
+              <a:rPr lang="zh-CN" altLang="en-US" sz="1600" dirty="0"/>
+              <a:t> </a:t>
+            </a:r>
+            <a:r>
+              <a:rPr lang="en-US" altLang="zh-CN" sz="1600" dirty="0"/>
+              <a:t>shards</a:t>
+            </a:r>
+          </a:p>
+          <a:p>
+            <a:pPr lvl="1"/>
+            <a:r>
+              <a:rPr lang="en-US" altLang="zh-CN" sz="1600" dirty="0"/>
+              <a:t>Pretrained</a:t>
+            </a:r>
+            <a:r>
+              <a:rPr lang="zh-CN" altLang="en-US" sz="1600" dirty="0"/>
+              <a:t> </a:t>
+            </a:r>
+            <a:r>
+              <a:rPr lang="en-US" altLang="zh-CN" sz="1600" dirty="0"/>
+              <a:t>Bert</a:t>
+            </a:r>
+            <a:r>
+              <a:rPr lang="zh-CN" altLang="en-US" sz="1600" dirty="0"/>
+              <a:t> </a:t>
+            </a:r>
+            <a:r>
+              <a:rPr lang="en-US" altLang="zh-CN" sz="1600" dirty="0"/>
+              <a:t>model</a:t>
+            </a:r>
+            <a:r>
+              <a:rPr lang="zh-CN" altLang="en-US" sz="1600" dirty="0"/>
+              <a:t> </a:t>
+            </a:r>
+            <a:r>
+              <a:rPr lang="en-US" altLang="zh-CN" sz="1600" dirty="0"/>
+              <a:t>initialization</a:t>
+            </a:r>
+            <a:r>
+              <a:rPr lang="zh-CN" altLang="en-US" sz="1600" dirty="0"/>
+              <a:t> </a:t>
+            </a:r>
+            <a:r>
+              <a:rPr lang="en-US" altLang="zh-CN" sz="1600" dirty="0"/>
+              <a:t>and</a:t>
+            </a:r>
+            <a:r>
+              <a:rPr lang="zh-CN" altLang="en-US" sz="1600" dirty="0"/>
+              <a:t> </a:t>
+            </a:r>
+            <a:r>
+              <a:rPr lang="en-US" altLang="zh-CN" sz="1600" dirty="0"/>
+              <a:t>parameter</a:t>
+            </a:r>
+            <a:r>
+              <a:rPr lang="zh-CN" altLang="en-US" sz="1600" dirty="0"/>
+              <a:t> </a:t>
+            </a:r>
+            <a:r>
+              <a:rPr lang="en-US" altLang="zh-CN" sz="1600" dirty="0"/>
+              <a:t>freezing</a:t>
+            </a:r>
+          </a:p>
+          <a:p>
+            <a:pPr lvl="1"/>
+            <a:r>
+              <a:rPr lang="en-US" altLang="zh-CN" sz="1600" dirty="0"/>
+              <a:t>Early</a:t>
+            </a:r>
+            <a:r>
+              <a:rPr lang="zh-CN" altLang="en-US" sz="1600" dirty="0"/>
+              <a:t> </a:t>
+            </a:r>
+            <a:r>
+              <a:rPr lang="en-US" altLang="zh-CN" sz="1600" dirty="0"/>
+              <a:t>stopper</a:t>
+            </a:r>
+            <a:r>
+              <a:rPr lang="zh-CN" altLang="en-US" sz="1600" dirty="0"/>
+              <a:t> </a:t>
+            </a:r>
+            <a:r>
+              <a:rPr lang="en-US" altLang="zh-CN" sz="1600" dirty="0"/>
+              <a:t>to</a:t>
+            </a:r>
+            <a:r>
+              <a:rPr lang="zh-CN" altLang="en-US" sz="1600" dirty="0"/>
+              <a:t> </a:t>
+            </a:r>
+            <a:r>
+              <a:rPr lang="en-US" altLang="zh-CN" sz="1600" dirty="0"/>
+              <a:t>avoid</a:t>
+            </a:r>
+            <a:r>
+              <a:rPr lang="zh-CN" altLang="en-US" sz="1600" dirty="0"/>
+              <a:t> </a:t>
+            </a:r>
+            <a:r>
+              <a:rPr lang="en-US" altLang="zh-CN" sz="1600" dirty="0"/>
+              <a:t>overfitting</a:t>
+            </a:r>
+            <a:endParaRPr lang="en-US" sz="1600" dirty="0"/>
+          </a:p>
+        </p:txBody>
+      </p:sp>
+    </p:spTree>
+    <p:extLst>
+      <p:ext uri="{BB962C8B-B14F-4D97-AF65-F5344CB8AC3E}">
+        <p14:creationId xmlns:p14="http://schemas.microsoft.com/office/powerpoint/2010/main" val="2492354654"/>
+      </p:ext>
+    </p:extLst>
+  </p:cSld>
+  <p:clrMapOvr>
+    <a:masterClrMapping/>
+  </p:clrMapOvr>
+</p:sld>
+</file>
+
+<file path=ppt/slides/slide12.xml><?xml version="1.0" encoding="utf-8"?>
+<p:sld xmlns:a="http://schemas.openxmlformats.org/drawingml/2006/main" xmlns:r="http://schemas.openxmlformats.org/officeDocument/2006/relationships" xmlns:p="http://schemas.openxmlformats.org/presentationml/2006/main">
+  <p:cSld>
+    <p:spTree>
+      <p:nvGrpSpPr>
+        <p:cNvPr id="1" name=""/>
+        <p:cNvGrpSpPr/>
+        <p:nvPr/>
+      </p:nvGrpSpPr>
+      <p:grpSpPr>
+        <a:xfrm>
+          <a:off x="0" y="0"/>
+          <a:ext cx="0" cy="0"/>
+          <a:chOff x="0" y="0"/>
+          <a:chExt cx="0" cy="0"/>
+        </a:xfrm>
+      </p:grpSpPr>
+      <p:sp>
+        <p:nvSpPr>
+          <p:cNvPr id="2" name="Title 1">
+            <a:extLst>
+              <a:ext uri="{FF2B5EF4-FFF2-40B4-BE49-F238E27FC236}">
+                <a16:creationId xmlns:a16="http://schemas.microsoft.com/office/drawing/2014/main" id="{BAB9AA12-0137-2B49-B00B-5DCCDBAF31F0}"/>
+              </a:ext>
+            </a:extLst>
+          </p:cNvPr>
+          <p:cNvSpPr>
+            <a:spLocks noGrp="1"/>
+          </p:cNvSpPr>
+          <p:nvPr>
+            <p:ph type="title"/>
+          </p:nvPr>
+        </p:nvSpPr>
+        <p:spPr/>
+        <p:txBody>
+          <a:bodyPr/>
+          <a:lstStyle/>
+          <a:p>
+            <a:r>
+              <a:rPr lang="en-US" altLang="zh-CN" dirty="0"/>
+              <a:t>Experiments</a:t>
+            </a:r>
+            <a:endParaRPr lang="en-US" dirty="0"/>
+          </a:p>
+        </p:txBody>
+      </p:sp>
+      <p:sp>
+        <p:nvSpPr>
+          <p:cNvPr id="3" name="Content Placeholder 2">
+            <a:extLst>
+              <a:ext uri="{FF2B5EF4-FFF2-40B4-BE49-F238E27FC236}">
+                <a16:creationId xmlns:a16="http://schemas.microsoft.com/office/drawing/2014/main" id="{27FEC3C0-5696-2E4A-A49B-E7E1B00DFE38}"/>
+              </a:ext>
+            </a:extLst>
+          </p:cNvPr>
+          <p:cNvSpPr>
+            <a:spLocks noGrp="1"/>
+          </p:cNvSpPr>
+          <p:nvPr>
+            <p:ph idx="1"/>
+          </p:nvPr>
+        </p:nvSpPr>
+        <p:spPr>
+          <a:xfrm>
+            <a:off x="838200" y="1690688"/>
+            <a:ext cx="10370906" cy="4165581"/>
+          </a:xfrm>
+        </p:spPr>
+        <p:txBody>
+          <a:bodyPr>
+            <a:normAutofit/>
+          </a:bodyPr>
+          <a:lstStyle/>
+          <a:p>
+            <a:r>
+              <a:rPr lang="en-US" altLang="zh-CN" sz="2000" dirty="0"/>
+              <a:t>Datasets:</a:t>
+            </a:r>
+            <a:r>
+              <a:rPr lang="zh-CN" altLang="en-US" sz="2000" dirty="0"/>
+              <a:t> </a:t>
+            </a:r>
+            <a:r>
+              <a:rPr lang="en-US" altLang="zh-CN" sz="2000" dirty="0"/>
+              <a:t>Two real-world cross-locale datasets from Alexa are constructed for model evaluation.</a:t>
+            </a:r>
+          </a:p>
+          <a:p>
+            <a:pPr lvl="1"/>
+            <a:r>
+              <a:rPr lang="en-US" altLang="zh-CN" sz="1600" dirty="0"/>
+              <a:t>Dataset US-CA takes the United States for source locale (SL) and Canada for target locale (TL). </a:t>
+            </a:r>
+          </a:p>
+          <a:p>
+            <a:pPr lvl="1"/>
+            <a:r>
+              <a:rPr lang="en-US" altLang="zh-CN" sz="1600" dirty="0"/>
+              <a:t>Dataset US-GB takes the United States for source locale and Great Britain for target locale. </a:t>
+            </a:r>
+          </a:p>
+          <a:p>
+            <a:pPr lvl="1"/>
+            <a:r>
+              <a:rPr lang="en-US" altLang="zh-CN" sz="1600" dirty="0"/>
+              <a:t>Both datasets are sampled English utterances from Alexa devices during October 2020</a:t>
+            </a:r>
+          </a:p>
+          <a:p>
+            <a:pPr lvl="1"/>
+            <a:endParaRPr lang="en-US" sz="1600" dirty="0"/>
+          </a:p>
+        </p:txBody>
+      </p:sp>
+      <p:sp>
+        <p:nvSpPr>
+          <p:cNvPr id="4" name="Date Placeholder 3">
+            <a:extLst>
+              <a:ext uri="{FF2B5EF4-FFF2-40B4-BE49-F238E27FC236}">
+                <a16:creationId xmlns:a16="http://schemas.microsoft.com/office/drawing/2014/main" id="{5C290958-4AA7-BD4F-B0F5-F9F00E116196}"/>
+              </a:ext>
+            </a:extLst>
+          </p:cNvPr>
+          <p:cNvSpPr>
+            <a:spLocks noGrp="1"/>
+          </p:cNvSpPr>
+          <p:nvPr>
+            <p:ph type="dt" sz="half" idx="10"/>
+          </p:nvPr>
+        </p:nvSpPr>
+        <p:spPr/>
+        <p:txBody>
+          <a:bodyPr/>
+          <a:lstStyle/>
+          <a:p>
+            <a:r>
+              <a:rPr lang="en-US" altLang="zh-CN" dirty="0"/>
+              <a:t>07/22/2021</a:t>
+            </a:r>
+            <a:endParaRPr lang="en-US" dirty="0"/>
+          </a:p>
+        </p:txBody>
+      </p:sp>
+      <p:sp>
+        <p:nvSpPr>
+          <p:cNvPr id="6" name="Footer Placeholder 5">
+            <a:extLst>
+              <a:ext uri="{FF2B5EF4-FFF2-40B4-BE49-F238E27FC236}">
+                <a16:creationId xmlns:a16="http://schemas.microsoft.com/office/drawing/2014/main" id="{9813C23F-EDB9-274D-835A-81DC64BC6409}"/>
+              </a:ext>
+            </a:extLst>
+          </p:cNvPr>
+          <p:cNvSpPr>
+            <a:spLocks noGrp="1"/>
+          </p:cNvSpPr>
+          <p:nvPr>
+            <p:ph type="ftr" sz="quarter" idx="11"/>
+          </p:nvPr>
+        </p:nvSpPr>
+        <p:spPr/>
+        <p:txBody>
+          <a:bodyPr/>
+          <a:lstStyle/>
+          <a:p>
+            <a:r>
+              <a:rPr lang="en-US" dirty="0"/>
+              <a:t>Confidential, do not distribute</a:t>
+            </a:r>
+          </a:p>
+        </p:txBody>
+      </p:sp>
+      <p:sp>
+        <p:nvSpPr>
+          <p:cNvPr id="7" name="Slide Number Placeholder 6">
+            <a:extLst>
+              <a:ext uri="{FF2B5EF4-FFF2-40B4-BE49-F238E27FC236}">
+                <a16:creationId xmlns:a16="http://schemas.microsoft.com/office/drawing/2014/main" id="{F513CB1F-06BD-7A47-ADFF-652B3ED321F0}"/>
+              </a:ext>
+            </a:extLst>
+          </p:cNvPr>
+          <p:cNvSpPr>
+            <a:spLocks noGrp="1"/>
+          </p:cNvSpPr>
+          <p:nvPr>
+            <p:ph type="sldNum" sz="quarter" idx="12"/>
+          </p:nvPr>
+        </p:nvSpPr>
+        <p:spPr/>
+        <p:txBody>
+          <a:bodyPr/>
+          <a:lstStyle/>
+          <a:p>
+            <a:fld id="{6615785A-6CC9-604F-A350-0F2C666BA50C}" type="slidenum">
+              <a:rPr lang="en-US" smtClean="0"/>
+              <a:t>12</a:t>
+            </a:fld>
+            <a:endParaRPr lang="en-US"/>
+          </a:p>
+        </p:txBody>
+      </p:sp>
+      <p:pic>
+        <p:nvPicPr>
+          <p:cNvPr id="10" name="Picture 9">
+            <a:extLst>
+              <a:ext uri="{FF2B5EF4-FFF2-40B4-BE49-F238E27FC236}">
+                <a16:creationId xmlns:a16="http://schemas.microsoft.com/office/drawing/2014/main" id="{81A1782B-2D75-664D-B9D2-2AA7D39E4348}"/>
+              </a:ext>
+            </a:extLst>
+          </p:cNvPr>
+          <p:cNvPicPr>
+            <a:picLocks noChangeAspect="1"/>
+          </p:cNvPicPr>
+          <p:nvPr/>
+        </p:nvPicPr>
+        <p:blipFill>
+          <a:blip r:embed="rId3"/>
+          <a:stretch>
+            <a:fillRect/>
+          </a:stretch>
+        </p:blipFill>
+        <p:spPr>
+          <a:xfrm>
+            <a:off x="2937553" y="2935269"/>
+            <a:ext cx="6172200" cy="2921000"/>
+          </a:xfrm>
+          <a:prstGeom prst="rect">
+            <a:avLst/>
+          </a:prstGeom>
+        </p:spPr>
+      </p:pic>
+    </p:spTree>
+    <p:extLst>
+      <p:ext uri="{BB962C8B-B14F-4D97-AF65-F5344CB8AC3E}">
+        <p14:creationId xmlns:p14="http://schemas.microsoft.com/office/powerpoint/2010/main" val="3950340479"/>
+      </p:ext>
+    </p:extLst>
+  </p:cSld>
+  <p:clrMapOvr>
+    <a:masterClrMapping/>
+  </p:clrMapOvr>
+</p:sld>
+</file>
+
+<file path=ppt/slides/slide13.xml><?xml version="1.0" encoding="utf-8"?>
+<p:sld xmlns:a="http://schemas.openxmlformats.org/drawingml/2006/main" xmlns:r="http://schemas.openxmlformats.org/officeDocument/2006/relationships" xmlns:p="http://schemas.openxmlformats.org/presentationml/2006/main">
+  <p:cSld>
+    <p:spTree>
+      <p:nvGrpSpPr>
+        <p:cNvPr id="1" name=""/>
+        <p:cNvGrpSpPr/>
+        <p:nvPr/>
+      </p:nvGrpSpPr>
+      <p:grpSpPr>
+        <a:xfrm>
+          <a:off x="0" y="0"/>
+          <a:ext cx="0" cy="0"/>
+          <a:chOff x="0" y="0"/>
+          <a:chExt cx="0" cy="0"/>
+        </a:xfrm>
+      </p:grpSpPr>
+      <p:sp>
+        <p:nvSpPr>
+          <p:cNvPr id="2" name="Title 1">
+            <a:extLst>
+              <a:ext uri="{FF2B5EF4-FFF2-40B4-BE49-F238E27FC236}">
+                <a16:creationId xmlns:a16="http://schemas.microsoft.com/office/drawing/2014/main" id="{BAB9AA12-0137-2B49-B00B-5DCCDBAF31F0}"/>
+              </a:ext>
+            </a:extLst>
+          </p:cNvPr>
+          <p:cNvSpPr>
+            <a:spLocks noGrp="1"/>
+          </p:cNvSpPr>
+          <p:nvPr>
+            <p:ph type="title"/>
+          </p:nvPr>
+        </p:nvSpPr>
+        <p:spPr/>
+        <p:txBody>
+          <a:bodyPr/>
+          <a:lstStyle/>
+          <a:p>
+            <a:r>
+              <a:rPr lang="en-US" altLang="zh-CN" dirty="0"/>
+              <a:t>Settings</a:t>
+            </a:r>
+            <a:endParaRPr lang="en-US" dirty="0"/>
+          </a:p>
+        </p:txBody>
+      </p:sp>
+      <p:sp>
+        <p:nvSpPr>
+          <p:cNvPr id="3" name="Content Placeholder 2">
+            <a:extLst>
+              <a:ext uri="{FF2B5EF4-FFF2-40B4-BE49-F238E27FC236}">
+                <a16:creationId xmlns:a16="http://schemas.microsoft.com/office/drawing/2014/main" id="{27FEC3C0-5696-2E4A-A49B-E7E1B00DFE38}"/>
+              </a:ext>
+            </a:extLst>
+          </p:cNvPr>
+          <p:cNvSpPr>
+            <a:spLocks noGrp="1"/>
+          </p:cNvSpPr>
+          <p:nvPr>
+            <p:ph idx="1"/>
+          </p:nvPr>
+        </p:nvSpPr>
+        <p:spPr>
+          <a:xfrm>
+            <a:off x="838200" y="1690688"/>
+            <a:ext cx="10370906" cy="4165581"/>
+          </a:xfrm>
+        </p:spPr>
+        <p:txBody>
+          <a:bodyPr>
+            <a:normAutofit/>
+          </a:bodyPr>
+          <a:lstStyle/>
+          <a:p>
+            <a:r>
+              <a:rPr lang="en-US" altLang="zh-CN" sz="2000" dirty="0"/>
+              <a:t>Baselines:</a:t>
+            </a:r>
+          </a:p>
+          <a:p>
+            <a:pPr lvl="1"/>
+            <a:r>
+              <a:rPr lang="en-US" sz="1600" dirty="0"/>
+              <a:t>Elasticsearch</a:t>
+            </a:r>
+          </a:p>
+          <a:p>
+            <a:pPr lvl="1"/>
+            <a:r>
+              <a:rPr lang="en-US" sz="1600" dirty="0"/>
+              <a:t>Pointwise</a:t>
+            </a:r>
+          </a:p>
+          <a:p>
+            <a:pPr lvl="1"/>
+            <a:r>
+              <a:rPr lang="en-US" sz="1600" dirty="0"/>
+              <a:t>Listwise</a:t>
+            </a:r>
+          </a:p>
+          <a:p>
+            <a:pPr lvl="1"/>
+            <a:r>
+              <a:rPr lang="en-US" sz="1600" dirty="0" err="1"/>
+              <a:t>Upsampling</a:t>
+            </a:r>
+            <a:endParaRPr lang="en-US" sz="1600" dirty="0"/>
+          </a:p>
+          <a:p>
+            <a:pPr lvl="1"/>
+            <a:r>
+              <a:rPr lang="en-US" altLang="zh-CN" sz="1600" dirty="0"/>
+              <a:t>Positive-Unlabeled</a:t>
+            </a:r>
+            <a:r>
+              <a:rPr lang="zh-CN" altLang="en-US" sz="1600" dirty="0"/>
+              <a:t> </a:t>
+            </a:r>
+            <a:r>
+              <a:rPr lang="en-US" altLang="zh-CN" sz="1600" dirty="0"/>
+              <a:t>(PU)</a:t>
+            </a:r>
+            <a:r>
+              <a:rPr lang="en-US" sz="1600" dirty="0"/>
+              <a:t> learning</a:t>
+            </a:r>
+          </a:p>
+          <a:p>
+            <a:pPr lvl="1"/>
+            <a:r>
+              <a:rPr lang="en-US" altLang="zh-CN" sz="1600" dirty="0"/>
+              <a:t>Relabeling</a:t>
+            </a:r>
+            <a:r>
+              <a:rPr lang="zh-CN" altLang="en-US" sz="1600" dirty="0"/>
+              <a:t> </a:t>
+            </a:r>
+            <a:r>
+              <a:rPr lang="en-US" altLang="zh-CN" sz="1600" dirty="0"/>
+              <a:t>(FAISS</a:t>
+            </a:r>
+            <a:r>
+              <a:rPr lang="zh-CN" altLang="en-US" sz="1600" dirty="0"/>
+              <a:t> </a:t>
+            </a:r>
+            <a:r>
+              <a:rPr lang="en-US" altLang="zh-CN" sz="1600" dirty="0"/>
+              <a:t>+</a:t>
+            </a:r>
+            <a:r>
+              <a:rPr lang="zh-CN" altLang="en-US" sz="1600" dirty="0"/>
+              <a:t> </a:t>
+            </a:r>
+            <a:r>
+              <a:rPr lang="en-US" altLang="zh-CN" sz="1600" dirty="0"/>
+              <a:t>Cosine</a:t>
+            </a:r>
+            <a:r>
+              <a:rPr lang="zh-CN" altLang="en-US" sz="1600" dirty="0"/>
+              <a:t> </a:t>
+            </a:r>
+            <a:r>
+              <a:rPr lang="en-US" altLang="zh-CN" sz="1600"/>
+              <a:t>Similarity)</a:t>
+            </a:r>
+            <a:endParaRPr lang="en-US" altLang="zh-CN" sz="1600" dirty="0"/>
+          </a:p>
+          <a:p>
+            <a:r>
+              <a:rPr lang="en-US" altLang="zh-CN" sz="2000" dirty="0"/>
+              <a:t>Evaluation</a:t>
+            </a:r>
+            <a:r>
+              <a:rPr lang="zh-CN" altLang="en-US" sz="2000" dirty="0"/>
+              <a:t> </a:t>
+            </a:r>
+            <a:r>
+              <a:rPr lang="en-US" altLang="zh-CN" sz="2000" dirty="0"/>
+              <a:t>Metrics:</a:t>
+            </a:r>
+          </a:p>
+          <a:p>
+            <a:pPr lvl="1"/>
+            <a:r>
+              <a:rPr lang="en-US" sz="1600" dirty="0"/>
+              <a:t>Classification metrics</a:t>
+            </a:r>
+            <a:r>
+              <a:rPr lang="en-US" altLang="zh-CN" sz="1600" dirty="0"/>
               <a:t>:</a:t>
             </a:r>
             <a:r>
-              <a:rPr lang="zh-CN" altLang="en-US" sz="2000" dirty="0"/>
-              <a:t> </a:t>
-            </a:r>
-            <a:r>
-              <a:rPr lang="en-US" altLang="zh-CN" sz="2000" dirty="0"/>
-              <a:t>Elasticsearch to perform keyword-based matching</a:t>
+              <a:rPr lang="zh-CN" altLang="en-US" sz="1600" dirty="0"/>
+              <a:t> </a:t>
+            </a:r>
+            <a:r>
+              <a:rPr lang="en-US" altLang="zh-CN" sz="1600" dirty="0"/>
+              <a:t>precision,</a:t>
+            </a:r>
+            <a:r>
+              <a:rPr lang="zh-CN" altLang="en-US" sz="1600" dirty="0"/>
+              <a:t> </a:t>
+            </a:r>
+            <a:r>
+              <a:rPr lang="en-US" altLang="zh-CN" sz="1600" dirty="0"/>
+              <a:t>recall,</a:t>
+            </a:r>
+            <a:r>
+              <a:rPr lang="zh-CN" altLang="en-US" sz="1600" dirty="0"/>
+              <a:t> </a:t>
+            </a:r>
+            <a:r>
+              <a:rPr lang="en-US" altLang="zh-CN" sz="1600" dirty="0"/>
+              <a:t>F1</a:t>
             </a:r>
           </a:p>
           <a:p>
             <a:pPr lvl="1"/>
             <a:r>
-              <a:rPr lang="en-US" altLang="zh-CN" sz="2000" b="1" dirty="0"/>
-              <a:t>Reranking</a:t>
-            </a:r>
-            <a:r>
-              <a:rPr lang="en-US" altLang="zh-CN" sz="2000" dirty="0"/>
-              <a:t>:</a:t>
-            </a:r>
-            <a:r>
-              <a:rPr lang="zh-CN" altLang="en-US" sz="2000" dirty="0"/>
-              <a:t> </a:t>
-            </a:r>
-            <a:r>
-              <a:rPr lang="en-US" altLang="zh-CN" sz="2000" dirty="0"/>
-              <a:t>train</a:t>
-            </a:r>
-            <a:r>
-              <a:rPr lang="zh-CN" altLang="en-US" sz="2000" dirty="0"/>
-              <a:t> </a:t>
-            </a:r>
-            <a:r>
-              <a:rPr lang="en-US" altLang="zh-CN" sz="2000" dirty="0"/>
-              <a:t>two</a:t>
-            </a:r>
-            <a:r>
-              <a:rPr lang="zh-CN" altLang="en-US" sz="2000" dirty="0"/>
-              <a:t> </a:t>
-            </a:r>
-            <a:r>
-              <a:rPr lang="en-US" altLang="zh-CN" sz="2000" dirty="0"/>
-              <a:t>locale</a:t>
-            </a:r>
-            <a:r>
-              <a:rPr lang="zh-CN" altLang="en-US" sz="2000" dirty="0"/>
-              <a:t> </a:t>
-            </a:r>
-            <a:r>
-              <a:rPr lang="en-US" altLang="zh-CN" sz="2000" dirty="0" err="1"/>
-              <a:t>Reranker</a:t>
-            </a:r>
-            <a:r>
-              <a:rPr lang="zh-CN" altLang="en-US" sz="2000" dirty="0"/>
-              <a:t> </a:t>
-            </a:r>
-            <a:r>
-              <a:rPr lang="en-US" altLang="zh-CN" sz="2000" dirty="0"/>
-              <a:t>models</a:t>
-            </a:r>
-            <a:r>
-              <a:rPr lang="zh-CN" altLang="en-US" sz="2000" dirty="0"/>
-              <a:t> </a:t>
-            </a:r>
-            <a:r>
-              <a:rPr lang="en-US" altLang="zh-CN" sz="2000" dirty="0"/>
-              <a:t>in</a:t>
-            </a:r>
-            <a:r>
-              <a:rPr lang="zh-CN" altLang="en-US" sz="2000" dirty="0"/>
-              <a:t> </a:t>
-            </a:r>
-            <a:r>
-              <a:rPr lang="en-US" altLang="zh-CN" sz="2000" dirty="0"/>
-              <a:t>a</a:t>
-            </a:r>
-            <a:r>
-              <a:rPr lang="zh-CN" altLang="en-US" sz="2000" dirty="0"/>
-              <a:t> </a:t>
-            </a:r>
-            <a:r>
-              <a:rPr lang="en-US" altLang="zh-CN" sz="2000" dirty="0"/>
-              <a:t>shard-based</a:t>
-            </a:r>
-            <a:r>
-              <a:rPr lang="zh-CN" altLang="en-US" sz="2000" dirty="0"/>
-              <a:t> </a:t>
-            </a:r>
-            <a:r>
-              <a:rPr lang="en-US" altLang="zh-CN" sz="2000" dirty="0"/>
-              <a:t>manner</a:t>
-            </a:r>
-          </a:p>
-        </p:txBody>
-      </p:sp>
-      <p:sp>
-        <p:nvSpPr>
-          <p:cNvPr id="14" name="TextBox 13">
-            <a:extLst>
-              <a:ext uri="{FF2B5EF4-FFF2-40B4-BE49-F238E27FC236}">
-                <a16:creationId xmlns:a16="http://schemas.microsoft.com/office/drawing/2014/main" id="{33F532C4-799A-D743-AF80-574DAC22C4DB}"/>
+              <a:rPr lang="en-US" altLang="zh-CN" sz="1600" dirty="0"/>
+              <a:t>Ranking</a:t>
+            </a:r>
+            <a:r>
+              <a:rPr lang="zh-CN" altLang="en-US" sz="1600" dirty="0"/>
+              <a:t> </a:t>
+            </a:r>
+            <a:r>
+              <a:rPr lang="en-US" altLang="zh-CN" sz="1600" dirty="0"/>
+              <a:t>metrics:</a:t>
+            </a:r>
+            <a:r>
+              <a:rPr lang="zh-CN" altLang="en-US" sz="1600" dirty="0"/>
+              <a:t> </a:t>
+            </a:r>
+            <a:r>
+              <a:rPr lang="en-US" altLang="zh-CN" sz="1600" dirty="0" err="1"/>
+              <a:t>precision@p</a:t>
+            </a:r>
+            <a:r>
+              <a:rPr lang="en-US" altLang="zh-CN" sz="1600" dirty="0"/>
+              <a:t>,</a:t>
+            </a:r>
+            <a:r>
+              <a:rPr lang="zh-CN" altLang="en-US" sz="1600" dirty="0"/>
+              <a:t> </a:t>
+            </a:r>
+            <a:r>
+              <a:rPr lang="en-US" altLang="zh-CN" sz="1600" dirty="0" err="1"/>
+              <a:t>recall@p</a:t>
+            </a:r>
+            <a:r>
+              <a:rPr lang="en-US" altLang="zh-CN" sz="1600" dirty="0"/>
+              <a:t>,</a:t>
+            </a:r>
+            <a:r>
+              <a:rPr lang="zh-CN" altLang="en-US" sz="1600" dirty="0"/>
+              <a:t> </a:t>
+            </a:r>
+            <a:r>
+              <a:rPr lang="en-US" altLang="zh-CN" sz="1600" dirty="0"/>
+              <a:t>F1@p,</a:t>
+            </a:r>
+            <a:r>
+              <a:rPr lang="zh-CN" altLang="en-US" sz="1600" dirty="0"/>
+              <a:t> </a:t>
+            </a:r>
+            <a:r>
+              <a:rPr lang="en-US" altLang="zh-CN" sz="1600" dirty="0" err="1"/>
+              <a:t>NDCG@p</a:t>
+            </a:r>
+            <a:r>
+              <a:rPr lang="en-US" altLang="zh-CN" sz="1600" dirty="0"/>
+              <a:t>,</a:t>
+            </a:r>
+            <a:r>
+              <a:rPr lang="zh-CN" altLang="en-US" sz="1600" dirty="0"/>
+              <a:t> </a:t>
+            </a:r>
+            <a:r>
+              <a:rPr lang="en-US" altLang="zh-CN" sz="1600" dirty="0"/>
+              <a:t>MAP</a:t>
+            </a:r>
+          </a:p>
+          <a:p>
+            <a:pPr lvl="1"/>
+            <a:r>
+              <a:rPr lang="en-US" altLang="zh-CN" sz="1600" dirty="0"/>
+              <a:t>Human</a:t>
+            </a:r>
+            <a:r>
+              <a:rPr lang="zh-CN" altLang="en-US" sz="1600" dirty="0"/>
+              <a:t> </a:t>
+            </a:r>
+            <a:r>
+              <a:rPr lang="en-US" altLang="zh-CN" sz="1600" dirty="0"/>
+              <a:t>metrics:</a:t>
+            </a:r>
+            <a:r>
+              <a:rPr lang="zh-CN" altLang="en-US" sz="1600" dirty="0"/>
+              <a:t> </a:t>
+            </a:r>
+            <a:r>
+              <a:rPr lang="en-US" altLang="zh-CN" sz="1600" dirty="0"/>
+              <a:t>precision,</a:t>
+            </a:r>
+            <a:r>
+              <a:rPr lang="zh-CN" altLang="en-US" sz="1600" dirty="0"/>
+              <a:t> </a:t>
+            </a:r>
+            <a:r>
+              <a:rPr lang="en-US" altLang="zh-CN" sz="1600" dirty="0"/>
+              <a:t>recall,</a:t>
+            </a:r>
+            <a:r>
+              <a:rPr lang="zh-CN" altLang="en-US" sz="1600" dirty="0"/>
+              <a:t> </a:t>
+            </a:r>
+            <a:r>
+              <a:rPr lang="en-US" altLang="zh-CN" sz="1600" dirty="0"/>
+              <a:t>F1</a:t>
+            </a:r>
+            <a:endParaRPr lang="en-US" sz="1600" dirty="0"/>
+          </a:p>
+        </p:txBody>
+      </p:sp>
+      <p:sp>
+        <p:nvSpPr>
+          <p:cNvPr id="4" name="Date Placeholder 3">
+            <a:extLst>
+              <a:ext uri="{FF2B5EF4-FFF2-40B4-BE49-F238E27FC236}">
+                <a16:creationId xmlns:a16="http://schemas.microsoft.com/office/drawing/2014/main" id="{5C290958-4AA7-BD4F-B0F5-F9F00E116196}"/>
+              </a:ext>
+            </a:extLst>
+          </p:cNvPr>
+          <p:cNvSpPr>
+            <a:spLocks noGrp="1"/>
+          </p:cNvSpPr>
+          <p:nvPr>
+            <p:ph type="dt" sz="half" idx="10"/>
+          </p:nvPr>
+        </p:nvSpPr>
+        <p:spPr/>
+        <p:txBody>
+          <a:bodyPr/>
+          <a:lstStyle/>
+          <a:p>
+            <a:r>
+              <a:rPr lang="en-US" altLang="zh-CN" dirty="0"/>
+              <a:t>07/22/2021</a:t>
+            </a:r>
+            <a:endParaRPr lang="en-US" dirty="0"/>
+          </a:p>
+        </p:txBody>
+      </p:sp>
+      <p:sp>
+        <p:nvSpPr>
+          <p:cNvPr id="6" name="Footer Placeholder 5">
+            <a:extLst>
+              <a:ext uri="{FF2B5EF4-FFF2-40B4-BE49-F238E27FC236}">
+                <a16:creationId xmlns:a16="http://schemas.microsoft.com/office/drawing/2014/main" id="{9813C23F-EDB9-274D-835A-81DC64BC6409}"/>
+              </a:ext>
+            </a:extLst>
+          </p:cNvPr>
+          <p:cNvSpPr>
+            <a:spLocks noGrp="1"/>
+          </p:cNvSpPr>
+          <p:nvPr>
+            <p:ph type="ftr" sz="quarter" idx="11"/>
+          </p:nvPr>
+        </p:nvSpPr>
+        <p:spPr/>
+        <p:txBody>
+          <a:bodyPr/>
+          <a:lstStyle/>
+          <a:p>
+            <a:r>
+              <a:rPr lang="en-US" dirty="0"/>
+              <a:t>Confidential, do not distribute</a:t>
+            </a:r>
+          </a:p>
+        </p:txBody>
+      </p:sp>
+      <p:sp>
+        <p:nvSpPr>
+          <p:cNvPr id="7" name="Slide Number Placeholder 6">
+            <a:extLst>
+              <a:ext uri="{FF2B5EF4-FFF2-40B4-BE49-F238E27FC236}">
+                <a16:creationId xmlns:a16="http://schemas.microsoft.com/office/drawing/2014/main" id="{F513CB1F-06BD-7A47-ADFF-652B3ED321F0}"/>
+              </a:ext>
+            </a:extLst>
+          </p:cNvPr>
+          <p:cNvSpPr>
+            <a:spLocks noGrp="1"/>
+          </p:cNvSpPr>
+          <p:nvPr>
+            <p:ph type="sldNum" sz="quarter" idx="12"/>
+          </p:nvPr>
+        </p:nvSpPr>
+        <p:spPr/>
+        <p:txBody>
+          <a:bodyPr/>
+          <a:lstStyle/>
+          <a:p>
+            <a:fld id="{6615785A-6CC9-604F-A350-0F2C666BA50C}" type="slidenum">
+              <a:rPr lang="en-US" smtClean="0"/>
+              <a:t>13</a:t>
+            </a:fld>
+            <a:endParaRPr lang="en-US"/>
+          </a:p>
+        </p:txBody>
+      </p:sp>
+    </p:spTree>
+    <p:extLst>
+      <p:ext uri="{BB962C8B-B14F-4D97-AF65-F5344CB8AC3E}">
+        <p14:creationId xmlns:p14="http://schemas.microsoft.com/office/powerpoint/2010/main" val="56208832"/>
+      </p:ext>
+    </p:extLst>
+  </p:cSld>
+  <p:clrMapOvr>
+    <a:masterClrMapping/>
+  </p:clrMapOvr>
+</p:sld>
+</file>
+
+<file path=ppt/slides/slide14.xml><?xml version="1.0" encoding="utf-8"?>
+<p:sld xmlns:a="http://schemas.openxmlformats.org/drawingml/2006/main" xmlns:r="http://schemas.openxmlformats.org/officeDocument/2006/relationships" xmlns:p="http://schemas.openxmlformats.org/presentationml/2006/main">
+  <p:cSld>
+    <p:spTree>
+      <p:nvGrpSpPr>
+        <p:cNvPr id="1" name=""/>
+        <p:cNvGrpSpPr/>
+        <p:nvPr/>
+      </p:nvGrpSpPr>
+      <p:grpSpPr>
+        <a:xfrm>
+          <a:off x="0" y="0"/>
+          <a:ext cx="0" cy="0"/>
+          <a:chOff x="0" y="0"/>
+          <a:chExt cx="0" cy="0"/>
+        </a:xfrm>
+      </p:grpSpPr>
+      <p:sp>
+        <p:nvSpPr>
+          <p:cNvPr id="2" name="Title 1">
+            <a:extLst>
+              <a:ext uri="{FF2B5EF4-FFF2-40B4-BE49-F238E27FC236}">
+                <a16:creationId xmlns:a16="http://schemas.microsoft.com/office/drawing/2014/main" id="{BAB9AA12-0137-2B49-B00B-5DCCDBAF31F0}"/>
+              </a:ext>
+            </a:extLst>
+          </p:cNvPr>
+          <p:cNvSpPr>
+            <a:spLocks noGrp="1"/>
+          </p:cNvSpPr>
+          <p:nvPr>
+            <p:ph type="title"/>
+          </p:nvPr>
+        </p:nvSpPr>
+        <p:spPr/>
+        <p:txBody>
+          <a:bodyPr/>
+          <a:lstStyle/>
+          <a:p>
+            <a:r>
+              <a:rPr lang="en-US" altLang="zh-CN" dirty="0"/>
+              <a:t>Model</a:t>
+            </a:r>
+            <a:r>
+              <a:rPr lang="zh-CN" altLang="en-US" dirty="0"/>
+              <a:t> </a:t>
+            </a:r>
+            <a:r>
+              <a:rPr lang="en-US" altLang="zh-CN" dirty="0"/>
+              <a:t>Comparison</a:t>
+            </a:r>
+            <a:endParaRPr lang="en-US" dirty="0"/>
+          </a:p>
+        </p:txBody>
+      </p:sp>
+      <p:pic>
+        <p:nvPicPr>
+          <p:cNvPr id="8" name="Content Placeholder 7">
+            <a:extLst>
+              <a:ext uri="{FF2B5EF4-FFF2-40B4-BE49-F238E27FC236}">
+                <a16:creationId xmlns:a16="http://schemas.microsoft.com/office/drawing/2014/main" id="{2602819D-FE83-CC46-860F-A85BE081DB6A}"/>
+              </a:ext>
+            </a:extLst>
+          </p:cNvPr>
+          <p:cNvPicPr>
+            <a:picLocks noGrp="1" noChangeAspect="1"/>
+          </p:cNvPicPr>
+          <p:nvPr>
+            <p:ph idx="1"/>
+          </p:nvPr>
+        </p:nvPicPr>
+        <p:blipFill>
+          <a:blip r:embed="rId3"/>
+          <a:stretch>
+            <a:fillRect/>
+          </a:stretch>
+        </p:blipFill>
+        <p:spPr>
+          <a:xfrm>
+            <a:off x="752139" y="2761241"/>
+            <a:ext cx="10371138" cy="3013657"/>
+          </a:xfrm>
+        </p:spPr>
+      </p:pic>
+      <p:sp>
+        <p:nvSpPr>
+          <p:cNvPr id="4" name="Date Placeholder 3">
+            <a:extLst>
+              <a:ext uri="{FF2B5EF4-FFF2-40B4-BE49-F238E27FC236}">
+                <a16:creationId xmlns:a16="http://schemas.microsoft.com/office/drawing/2014/main" id="{5C290958-4AA7-BD4F-B0F5-F9F00E116196}"/>
+              </a:ext>
+            </a:extLst>
+          </p:cNvPr>
+          <p:cNvSpPr>
+            <a:spLocks noGrp="1"/>
+          </p:cNvSpPr>
+          <p:nvPr>
+            <p:ph type="dt" sz="half" idx="10"/>
+          </p:nvPr>
+        </p:nvSpPr>
+        <p:spPr/>
+        <p:txBody>
+          <a:bodyPr/>
+          <a:lstStyle/>
+          <a:p>
+            <a:r>
+              <a:rPr lang="en-US" altLang="zh-CN" dirty="0"/>
+              <a:t>07/22/2021</a:t>
+            </a:r>
+            <a:endParaRPr lang="en-US" dirty="0"/>
+          </a:p>
+        </p:txBody>
+      </p:sp>
+      <p:sp>
+        <p:nvSpPr>
+          <p:cNvPr id="6" name="Footer Placeholder 5">
+            <a:extLst>
+              <a:ext uri="{FF2B5EF4-FFF2-40B4-BE49-F238E27FC236}">
+                <a16:creationId xmlns:a16="http://schemas.microsoft.com/office/drawing/2014/main" id="{9813C23F-EDB9-274D-835A-81DC64BC6409}"/>
+              </a:ext>
+            </a:extLst>
+          </p:cNvPr>
+          <p:cNvSpPr>
+            <a:spLocks noGrp="1"/>
+          </p:cNvSpPr>
+          <p:nvPr>
+            <p:ph type="ftr" sz="quarter" idx="11"/>
+          </p:nvPr>
+        </p:nvSpPr>
+        <p:spPr/>
+        <p:txBody>
+          <a:bodyPr/>
+          <a:lstStyle/>
+          <a:p>
+            <a:r>
+              <a:rPr lang="en-US" dirty="0"/>
+              <a:t>Confidential, do not distribute</a:t>
+            </a:r>
+          </a:p>
+        </p:txBody>
+      </p:sp>
+      <p:sp>
+        <p:nvSpPr>
+          <p:cNvPr id="7" name="Slide Number Placeholder 6">
+            <a:extLst>
+              <a:ext uri="{FF2B5EF4-FFF2-40B4-BE49-F238E27FC236}">
+                <a16:creationId xmlns:a16="http://schemas.microsoft.com/office/drawing/2014/main" id="{F513CB1F-06BD-7A47-ADFF-652B3ED321F0}"/>
+              </a:ext>
+            </a:extLst>
+          </p:cNvPr>
+          <p:cNvSpPr>
+            <a:spLocks noGrp="1"/>
+          </p:cNvSpPr>
+          <p:nvPr>
+            <p:ph type="sldNum" sz="quarter" idx="12"/>
+          </p:nvPr>
+        </p:nvSpPr>
+        <p:spPr/>
+        <p:txBody>
+          <a:bodyPr/>
+          <a:lstStyle/>
+          <a:p>
+            <a:fld id="{6615785A-6CC9-604F-A350-0F2C666BA50C}" type="slidenum">
+              <a:rPr lang="en-US" smtClean="0"/>
+              <a:t>14</a:t>
+            </a:fld>
+            <a:endParaRPr lang="en-US"/>
+          </a:p>
+        </p:txBody>
+      </p:sp>
+      <p:sp>
+        <p:nvSpPr>
+          <p:cNvPr id="9" name="TextBox 8">
+            <a:extLst>
+              <a:ext uri="{FF2B5EF4-FFF2-40B4-BE49-F238E27FC236}">
+                <a16:creationId xmlns:a16="http://schemas.microsoft.com/office/drawing/2014/main" id="{7B8CA038-A9DB-8E46-90F1-9CF408EBCE8E}"/>
               </a:ext>
             </a:extLst>
           </p:cNvPr>
@@ -7519,8 +6795,8 @@
         </p:nvSpPr>
         <p:spPr>
           <a:xfrm>
-            <a:off x="5009258" y="3453123"/>
-            <a:ext cx="1244893" cy="369332"/>
+            <a:off x="752139" y="1610420"/>
+            <a:ext cx="10048538" cy="1323439"/>
           </a:xfrm>
           <a:prstGeom prst="rect">
             <a:avLst/>
@@ -7528,33 +6804,728 @@
           <a:noFill/>
         </p:spPr>
         <p:txBody>
-          <a:bodyPr wrap="none" rtlCol="0">
+          <a:bodyPr wrap="square" rtlCol="0">
             <a:spAutoFit/>
           </a:bodyPr>
           <a:lstStyle/>
           <a:p>
             <a:r>
-              <a:rPr lang="en-US" altLang="zh-CN" dirty="0">
-                <a:solidFill>
-                  <a:srgbClr val="FF0000"/>
-                </a:solidFill>
-              </a:rPr>
-              <a:t>Shortlisting</a:t>
-            </a:r>
-            <a:endParaRPr lang="en-US" dirty="0">
-              <a:solidFill>
-                <a:srgbClr val="FF0000"/>
-              </a:solidFill>
-            </a:endParaRPr>
-          </a:p>
-        </p:txBody>
-      </p:sp>
-      <p:sp>
-        <p:nvSpPr>
-          <p:cNvPr id="15" name="TextBox 14">
-            <a:extLst>
-              <a:ext uri="{FF2B5EF4-FFF2-40B4-BE49-F238E27FC236}">
-                <a16:creationId xmlns:a16="http://schemas.microsoft.com/office/drawing/2014/main" id="{59BC066C-589D-CA43-8165-D37E4FCA5CC7}"/>
+              <a:rPr lang="en-US" altLang="zh-CN" sz="2000" dirty="0"/>
+              <a:t>S</a:t>
+            </a:r>
+            <a:r>
+              <a:rPr lang="en-US" sz="2000" dirty="0"/>
+              <a:t>ummarization of all baseline comparative performances. It reports all baseline normalized performance difference</a:t>
+            </a:r>
+            <a:r>
+              <a:rPr lang="zh-CN" altLang="en-US" sz="2000" dirty="0"/>
+              <a:t> </a:t>
+            </a:r>
+            <a:r>
+              <a:rPr lang="en-US" sz="2000" dirty="0"/>
+              <a:t>with the X-SHOT model. Bold positive values (+) mean related baselines outperform the X-SHOT model.</a:t>
+            </a:r>
+          </a:p>
+          <a:p>
+            <a:endParaRPr lang="en-US" sz="2000" dirty="0"/>
+          </a:p>
+        </p:txBody>
+      </p:sp>
+    </p:spTree>
+    <p:extLst>
+      <p:ext uri="{BB962C8B-B14F-4D97-AF65-F5344CB8AC3E}">
+        <p14:creationId xmlns:p14="http://schemas.microsoft.com/office/powerpoint/2010/main" val="1115281082"/>
+      </p:ext>
+    </p:extLst>
+  </p:cSld>
+  <p:clrMapOvr>
+    <a:masterClrMapping/>
+  </p:clrMapOvr>
+</p:sld>
+</file>
+
+<file path=ppt/slides/slide15.xml><?xml version="1.0" encoding="utf-8"?>
+<p:sld xmlns:a="http://schemas.openxmlformats.org/drawingml/2006/main" xmlns:r="http://schemas.openxmlformats.org/officeDocument/2006/relationships" xmlns:p="http://schemas.openxmlformats.org/presentationml/2006/main">
+  <p:cSld>
+    <p:spTree>
+      <p:nvGrpSpPr>
+        <p:cNvPr id="1" name=""/>
+        <p:cNvGrpSpPr/>
+        <p:nvPr/>
+      </p:nvGrpSpPr>
+      <p:grpSpPr>
+        <a:xfrm>
+          <a:off x="0" y="0"/>
+          <a:ext cx="0" cy="0"/>
+          <a:chOff x="0" y="0"/>
+          <a:chExt cx="0" cy="0"/>
+        </a:xfrm>
+      </p:grpSpPr>
+      <p:sp>
+        <p:nvSpPr>
+          <p:cNvPr id="2" name="Title 1">
+            <a:extLst>
+              <a:ext uri="{FF2B5EF4-FFF2-40B4-BE49-F238E27FC236}">
+                <a16:creationId xmlns:a16="http://schemas.microsoft.com/office/drawing/2014/main" id="{BAB9AA12-0137-2B49-B00B-5DCCDBAF31F0}"/>
+              </a:ext>
+            </a:extLst>
+          </p:cNvPr>
+          <p:cNvSpPr>
+            <a:spLocks noGrp="1"/>
+          </p:cNvSpPr>
+          <p:nvPr>
+            <p:ph type="title"/>
+          </p:nvPr>
+        </p:nvSpPr>
+        <p:spPr/>
+        <p:txBody>
+          <a:bodyPr/>
+          <a:lstStyle/>
+          <a:p>
+            <a:r>
+              <a:rPr lang="en-US" altLang="zh-CN" dirty="0"/>
+              <a:t>Model</a:t>
+            </a:r>
+            <a:r>
+              <a:rPr lang="zh-CN" altLang="en-US" dirty="0"/>
+              <a:t> </a:t>
+            </a:r>
+            <a:r>
+              <a:rPr lang="en-US" altLang="zh-CN" dirty="0"/>
+              <a:t>Prediction</a:t>
+            </a:r>
+            <a:r>
+              <a:rPr lang="zh-CN" altLang="en-US" dirty="0"/>
+              <a:t> </a:t>
+            </a:r>
+            <a:r>
+              <a:rPr lang="en-US" altLang="zh-CN" dirty="0"/>
+              <a:t>Statistics</a:t>
+            </a:r>
+            <a:endParaRPr lang="en-US" dirty="0"/>
+          </a:p>
+        </p:txBody>
+      </p:sp>
+      <p:sp>
+        <p:nvSpPr>
+          <p:cNvPr id="3" name="Content Placeholder 2">
+            <a:extLst>
+              <a:ext uri="{FF2B5EF4-FFF2-40B4-BE49-F238E27FC236}">
+                <a16:creationId xmlns:a16="http://schemas.microsoft.com/office/drawing/2014/main" id="{27FEC3C0-5696-2E4A-A49B-E7E1B00DFE38}"/>
+              </a:ext>
+            </a:extLst>
+          </p:cNvPr>
+          <p:cNvSpPr>
+            <a:spLocks noGrp="1"/>
+          </p:cNvSpPr>
+          <p:nvPr>
+            <p:ph idx="1"/>
+          </p:nvPr>
+        </p:nvSpPr>
+        <p:spPr>
+          <a:xfrm>
+            <a:off x="838200" y="1690688"/>
+            <a:ext cx="10370906" cy="4165581"/>
+          </a:xfrm>
+        </p:spPr>
+        <p:txBody>
+          <a:bodyPr>
+            <a:normAutofit/>
+          </a:bodyPr>
+          <a:lstStyle/>
+          <a:p>
+            <a:r>
+              <a:rPr lang="en-US" altLang="zh-CN" sz="2000" dirty="0"/>
+              <a:t>We</a:t>
+            </a:r>
+            <a:r>
+              <a:rPr lang="zh-CN" altLang="en-US" sz="2000" dirty="0"/>
+              <a:t> </a:t>
+            </a:r>
+            <a:r>
+              <a:rPr lang="en-US" altLang="zh-CN" sz="2000" dirty="0"/>
+              <a:t>summarize</a:t>
+            </a:r>
+            <a:r>
+              <a:rPr lang="zh-CN" altLang="en-US" sz="2000" dirty="0"/>
+              <a:t> </a:t>
+            </a:r>
+            <a:r>
+              <a:rPr lang="en-US" altLang="zh-CN" sz="2000" dirty="0"/>
+              <a:t>the</a:t>
+            </a:r>
+            <a:r>
+              <a:rPr lang="zh-CN" altLang="en-US" sz="2000" dirty="0"/>
+              <a:t> </a:t>
+            </a:r>
+            <a:r>
+              <a:rPr lang="en-US" altLang="zh-CN" sz="2000" dirty="0"/>
+              <a:t>prediction</a:t>
+            </a:r>
+            <a:r>
+              <a:rPr lang="zh-CN" altLang="en-US" sz="2000" dirty="0"/>
+              <a:t> </a:t>
+            </a:r>
+            <a:r>
+              <a:rPr lang="en-US" altLang="zh-CN" sz="2000" dirty="0"/>
+              <a:t>results</a:t>
+            </a:r>
+            <a:r>
+              <a:rPr lang="zh-CN" altLang="en-US" sz="2000" dirty="0"/>
+              <a:t> </a:t>
+            </a:r>
+            <a:r>
+              <a:rPr lang="en-US" altLang="zh-CN" sz="2000" dirty="0"/>
+              <a:t>in</a:t>
+            </a:r>
+            <a:r>
+              <a:rPr lang="zh-CN" altLang="en-US" sz="2000" dirty="0"/>
+              <a:t> </a:t>
+            </a:r>
+            <a:r>
+              <a:rPr lang="en-US" altLang="zh-CN" sz="2000" dirty="0"/>
+              <a:t>both</a:t>
+            </a:r>
+            <a:r>
+              <a:rPr lang="zh-CN" altLang="en-US" sz="2000" dirty="0"/>
+              <a:t> </a:t>
+            </a:r>
+            <a:r>
+              <a:rPr lang="en-US" altLang="zh-CN" sz="2000" dirty="0"/>
+              <a:t>datasets</a:t>
+            </a:r>
+            <a:r>
+              <a:rPr lang="zh-CN" altLang="en-US" sz="2000" dirty="0"/>
+              <a:t> </a:t>
+            </a:r>
+            <a:r>
+              <a:rPr lang="en-US" altLang="zh-CN" sz="2000" dirty="0"/>
+              <a:t>US-CA</a:t>
+            </a:r>
+            <a:r>
+              <a:rPr lang="zh-CN" altLang="en-US" sz="2000" dirty="0"/>
+              <a:t> </a:t>
+            </a:r>
+            <a:r>
+              <a:rPr lang="en-US" altLang="zh-CN" sz="2000" dirty="0"/>
+              <a:t>and</a:t>
+            </a:r>
+            <a:r>
+              <a:rPr lang="zh-CN" altLang="en-US" sz="2000" dirty="0"/>
+              <a:t> </a:t>
+            </a:r>
+            <a:r>
+              <a:rPr lang="en-US" altLang="zh-CN" sz="2000" dirty="0"/>
+              <a:t>US-GB</a:t>
+            </a:r>
+            <a:r>
+              <a:rPr lang="zh-CN" altLang="en-US" sz="2000" dirty="0"/>
+              <a:t> </a:t>
+            </a:r>
+            <a:r>
+              <a:rPr lang="en-US" altLang="zh-CN" sz="2000" dirty="0"/>
+              <a:t>to</a:t>
+            </a:r>
+            <a:r>
+              <a:rPr lang="zh-CN" altLang="en-US" sz="2000" dirty="0"/>
+              <a:t> </a:t>
+            </a:r>
+            <a:r>
+              <a:rPr lang="en-US" altLang="zh-CN" sz="2000" dirty="0"/>
+              <a:t>explore</a:t>
+            </a:r>
+            <a:r>
+              <a:rPr lang="zh-CN" altLang="en-US" sz="2000" dirty="0"/>
+              <a:t> </a:t>
+            </a:r>
+            <a:r>
+              <a:rPr lang="en-US" altLang="zh-CN" sz="2000" dirty="0"/>
+              <a:t>the</a:t>
+            </a:r>
+            <a:r>
+              <a:rPr lang="zh-CN" altLang="en-US" sz="2000" dirty="0"/>
+              <a:t> </a:t>
+            </a:r>
+            <a:r>
+              <a:rPr lang="en-US" altLang="zh-CN" sz="2000" dirty="0"/>
+              <a:t>positive</a:t>
+            </a:r>
+            <a:r>
+              <a:rPr lang="zh-CN" altLang="en-US" sz="2000" dirty="0"/>
+              <a:t> </a:t>
+            </a:r>
+            <a:r>
+              <a:rPr lang="en-US" altLang="zh-CN" sz="2000" dirty="0"/>
+              <a:t>predicted</a:t>
+            </a:r>
+            <a:r>
+              <a:rPr lang="zh-CN" altLang="en-US" sz="2000" dirty="0"/>
+              <a:t> </a:t>
+            </a:r>
+            <a:r>
+              <a:rPr lang="en-US" altLang="zh-CN" sz="2000" dirty="0"/>
+              <a:t>skills.</a:t>
+            </a:r>
+            <a:r>
+              <a:rPr lang="zh-CN" altLang="en-US" sz="2000" dirty="0"/>
+              <a:t> </a:t>
+            </a:r>
+            <a:r>
+              <a:rPr lang="en-US" altLang="zh-CN" sz="2000" dirty="0"/>
+              <a:t>Meanwhile</a:t>
+            </a:r>
+            <a:r>
+              <a:rPr lang="zh-CN" altLang="en-US" sz="2000" dirty="0"/>
+              <a:t> </a:t>
+            </a:r>
+            <a:r>
+              <a:rPr lang="en-US" altLang="zh-CN" sz="2000" dirty="0"/>
+              <a:t>we</a:t>
+            </a:r>
+            <a:r>
+              <a:rPr lang="zh-CN" altLang="en-US" sz="2000" dirty="0"/>
+              <a:t> </a:t>
+            </a:r>
+            <a:r>
+              <a:rPr lang="en-US" altLang="zh-CN" sz="2000" dirty="0"/>
+              <a:t>also</a:t>
+            </a:r>
+            <a:r>
+              <a:rPr lang="zh-CN" altLang="en-US" sz="2000" dirty="0"/>
+              <a:t> </a:t>
+            </a:r>
+            <a:r>
+              <a:rPr lang="en-US" altLang="zh-CN" sz="2000" dirty="0"/>
+              <a:t>check</a:t>
+            </a:r>
+            <a:r>
+              <a:rPr lang="zh-CN" altLang="en-US" sz="2000" dirty="0"/>
+              <a:t> </a:t>
+            </a:r>
+            <a:r>
+              <a:rPr lang="en-US" altLang="zh-CN" sz="2000" dirty="0"/>
+              <a:t>the</a:t>
+            </a:r>
+            <a:r>
+              <a:rPr lang="zh-CN" altLang="en-US" sz="2000" dirty="0"/>
+              <a:t> </a:t>
+            </a:r>
+            <a:r>
+              <a:rPr lang="en-US" altLang="zh-CN" sz="2000" dirty="0"/>
+              <a:t>model</a:t>
+            </a:r>
+            <a:r>
+              <a:rPr lang="zh-CN" altLang="en-US" sz="2000" dirty="0"/>
+              <a:t> </a:t>
+            </a:r>
+            <a:r>
+              <a:rPr lang="en-US" altLang="zh-CN" sz="2000" dirty="0"/>
+              <a:t>prediction</a:t>
+            </a:r>
+            <a:r>
+              <a:rPr lang="zh-CN" altLang="en-US" sz="2000" dirty="0"/>
+              <a:t> </a:t>
+            </a:r>
+            <a:r>
+              <a:rPr lang="en-US" altLang="zh-CN" sz="2000" dirty="0"/>
+              <a:t>capability</a:t>
+            </a:r>
+            <a:r>
+              <a:rPr lang="zh-CN" altLang="en-US" sz="2000" dirty="0"/>
+              <a:t> </a:t>
+            </a:r>
+            <a:r>
+              <a:rPr lang="en-US" altLang="zh-CN" sz="2000" dirty="0"/>
+              <a:t>by</a:t>
+            </a:r>
+            <a:r>
+              <a:rPr lang="zh-CN" altLang="en-US" sz="2000" dirty="0"/>
+              <a:t> </a:t>
+            </a:r>
+            <a:r>
+              <a:rPr lang="en-US" altLang="zh-CN" sz="2000" dirty="0"/>
+              <a:t>reporting</a:t>
+            </a:r>
+            <a:r>
+              <a:rPr lang="zh-CN" altLang="en-US" sz="2000" dirty="0"/>
+              <a:t> </a:t>
+            </a:r>
+            <a:r>
+              <a:rPr lang="en-US" altLang="zh-CN" sz="2000" dirty="0"/>
+              <a:t>the</a:t>
+            </a:r>
+            <a:r>
+              <a:rPr lang="zh-CN" altLang="en-US" sz="2000" dirty="0"/>
+              <a:t> </a:t>
+            </a:r>
+            <a:r>
+              <a:rPr lang="en-US" altLang="zh-CN" sz="2000" dirty="0"/>
+              <a:t>ratio</a:t>
+            </a:r>
+            <a:r>
+              <a:rPr lang="zh-CN" altLang="en-US" sz="2000" dirty="0"/>
+              <a:t> </a:t>
+            </a:r>
+            <a:r>
+              <a:rPr lang="en-US" altLang="zh-CN" sz="2000" dirty="0"/>
+              <a:t>of</a:t>
+            </a:r>
+            <a:r>
+              <a:rPr lang="zh-CN" altLang="en-US" sz="2000" dirty="0"/>
+              <a:t> </a:t>
+            </a:r>
+            <a:r>
+              <a:rPr lang="en-US" altLang="zh-CN" sz="2000" dirty="0"/>
+              <a:t>utterances</a:t>
+            </a:r>
+            <a:r>
+              <a:rPr lang="zh-CN" altLang="en-US" sz="2000" dirty="0"/>
+              <a:t> </a:t>
+            </a:r>
+            <a:r>
+              <a:rPr lang="en-US" altLang="zh-CN" sz="2000" dirty="0"/>
+              <a:t>are</a:t>
+            </a:r>
+            <a:r>
+              <a:rPr lang="zh-CN" altLang="en-US" sz="2000" dirty="0"/>
+              <a:t> </a:t>
+            </a:r>
+            <a:r>
+              <a:rPr lang="en-US" altLang="zh-CN" sz="2000" dirty="0"/>
+              <a:t>with</a:t>
+            </a:r>
+            <a:r>
+              <a:rPr lang="zh-CN" altLang="en-US" sz="2000" dirty="0"/>
+              <a:t> </a:t>
+            </a:r>
+            <a:r>
+              <a:rPr lang="en-US" altLang="zh-CN" sz="2000" dirty="0"/>
+              <a:t>positive</a:t>
+            </a:r>
+            <a:r>
+              <a:rPr lang="zh-CN" altLang="en-US" sz="2000" dirty="0"/>
+              <a:t> </a:t>
+            </a:r>
+            <a:r>
+              <a:rPr lang="en-US" altLang="zh-CN" sz="2000" dirty="0"/>
+              <a:t>predicted</a:t>
+            </a:r>
+            <a:r>
+              <a:rPr lang="zh-CN" altLang="en-US" sz="2000" dirty="0"/>
+              <a:t> </a:t>
+            </a:r>
+            <a:r>
+              <a:rPr lang="en-US" altLang="zh-CN" sz="2000" dirty="0"/>
+              <a:t>skills.</a:t>
+            </a:r>
+            <a:endParaRPr lang="en-US" sz="2000" dirty="0"/>
+          </a:p>
+        </p:txBody>
+      </p:sp>
+      <p:sp>
+        <p:nvSpPr>
+          <p:cNvPr id="4" name="Date Placeholder 3">
+            <a:extLst>
+              <a:ext uri="{FF2B5EF4-FFF2-40B4-BE49-F238E27FC236}">
+                <a16:creationId xmlns:a16="http://schemas.microsoft.com/office/drawing/2014/main" id="{5C290958-4AA7-BD4F-B0F5-F9F00E116196}"/>
+              </a:ext>
+            </a:extLst>
+          </p:cNvPr>
+          <p:cNvSpPr>
+            <a:spLocks noGrp="1"/>
+          </p:cNvSpPr>
+          <p:nvPr>
+            <p:ph type="dt" sz="half" idx="10"/>
+          </p:nvPr>
+        </p:nvSpPr>
+        <p:spPr/>
+        <p:txBody>
+          <a:bodyPr/>
+          <a:lstStyle/>
+          <a:p>
+            <a:r>
+              <a:rPr lang="en-US" altLang="zh-CN" dirty="0"/>
+              <a:t>07/22/2021</a:t>
+            </a:r>
+            <a:endParaRPr lang="en-US" dirty="0"/>
+          </a:p>
+        </p:txBody>
+      </p:sp>
+      <p:sp>
+        <p:nvSpPr>
+          <p:cNvPr id="6" name="Footer Placeholder 5">
+            <a:extLst>
+              <a:ext uri="{FF2B5EF4-FFF2-40B4-BE49-F238E27FC236}">
+                <a16:creationId xmlns:a16="http://schemas.microsoft.com/office/drawing/2014/main" id="{9813C23F-EDB9-274D-835A-81DC64BC6409}"/>
+              </a:ext>
+            </a:extLst>
+          </p:cNvPr>
+          <p:cNvSpPr>
+            <a:spLocks noGrp="1"/>
+          </p:cNvSpPr>
+          <p:nvPr>
+            <p:ph type="ftr" sz="quarter" idx="11"/>
+          </p:nvPr>
+        </p:nvSpPr>
+        <p:spPr/>
+        <p:txBody>
+          <a:bodyPr/>
+          <a:lstStyle/>
+          <a:p>
+            <a:r>
+              <a:rPr lang="en-US" dirty="0"/>
+              <a:t>Confidential, do not distribute</a:t>
+            </a:r>
+          </a:p>
+        </p:txBody>
+      </p:sp>
+      <p:sp>
+        <p:nvSpPr>
+          <p:cNvPr id="7" name="Slide Number Placeholder 6">
+            <a:extLst>
+              <a:ext uri="{FF2B5EF4-FFF2-40B4-BE49-F238E27FC236}">
+                <a16:creationId xmlns:a16="http://schemas.microsoft.com/office/drawing/2014/main" id="{F513CB1F-06BD-7A47-ADFF-652B3ED321F0}"/>
+              </a:ext>
+            </a:extLst>
+          </p:cNvPr>
+          <p:cNvSpPr>
+            <a:spLocks noGrp="1"/>
+          </p:cNvSpPr>
+          <p:nvPr>
+            <p:ph type="sldNum" sz="quarter" idx="12"/>
+          </p:nvPr>
+        </p:nvSpPr>
+        <p:spPr/>
+        <p:txBody>
+          <a:bodyPr/>
+          <a:lstStyle/>
+          <a:p>
+            <a:fld id="{6615785A-6CC9-604F-A350-0F2C666BA50C}" type="slidenum">
+              <a:rPr lang="en-US" smtClean="0"/>
+              <a:t>15</a:t>
+            </a:fld>
+            <a:endParaRPr lang="en-US"/>
+          </a:p>
+        </p:txBody>
+      </p:sp>
+      <p:pic>
+        <p:nvPicPr>
+          <p:cNvPr id="10" name="Picture 9">
+            <a:extLst>
+              <a:ext uri="{FF2B5EF4-FFF2-40B4-BE49-F238E27FC236}">
+                <a16:creationId xmlns:a16="http://schemas.microsoft.com/office/drawing/2014/main" id="{2713FAFE-38B3-984E-9C57-5CFF36A39C67}"/>
+              </a:ext>
+            </a:extLst>
+          </p:cNvPr>
+          <p:cNvPicPr>
+            <a:picLocks noChangeAspect="1"/>
+          </p:cNvPicPr>
+          <p:nvPr/>
+        </p:nvPicPr>
+        <p:blipFill>
+          <a:blip r:embed="rId3"/>
+          <a:stretch>
+            <a:fillRect/>
+          </a:stretch>
+        </p:blipFill>
+        <p:spPr>
+          <a:xfrm>
+            <a:off x="3070903" y="3152513"/>
+            <a:ext cx="5905500" cy="1435100"/>
+          </a:xfrm>
+          <a:prstGeom prst="rect">
+            <a:avLst/>
+          </a:prstGeom>
+        </p:spPr>
+      </p:pic>
+    </p:spTree>
+    <p:extLst>
+      <p:ext uri="{BB962C8B-B14F-4D97-AF65-F5344CB8AC3E}">
+        <p14:creationId xmlns:p14="http://schemas.microsoft.com/office/powerpoint/2010/main" val="1336465263"/>
+      </p:ext>
+    </p:extLst>
+  </p:cSld>
+  <p:clrMapOvr>
+    <a:masterClrMapping/>
+  </p:clrMapOvr>
+</p:sld>
+</file>
+
+<file path=ppt/slides/slide16.xml><?xml version="1.0" encoding="utf-8"?>
+<p:sld xmlns:a="http://schemas.openxmlformats.org/drawingml/2006/main" xmlns:r="http://schemas.openxmlformats.org/officeDocument/2006/relationships" xmlns:p="http://schemas.openxmlformats.org/presentationml/2006/main">
+  <p:cSld>
+    <p:spTree>
+      <p:nvGrpSpPr>
+        <p:cNvPr id="1" name=""/>
+        <p:cNvGrpSpPr/>
+        <p:nvPr/>
+      </p:nvGrpSpPr>
+      <p:grpSpPr>
+        <a:xfrm>
+          <a:off x="0" y="0"/>
+          <a:ext cx="0" cy="0"/>
+          <a:chOff x="0" y="0"/>
+          <a:chExt cx="0" cy="0"/>
+        </a:xfrm>
+      </p:grpSpPr>
+      <p:sp>
+        <p:nvSpPr>
+          <p:cNvPr id="2" name="Title 1">
+            <a:extLst>
+              <a:ext uri="{FF2B5EF4-FFF2-40B4-BE49-F238E27FC236}">
+                <a16:creationId xmlns:a16="http://schemas.microsoft.com/office/drawing/2014/main" id="{BAB9AA12-0137-2B49-B00B-5DCCDBAF31F0}"/>
+              </a:ext>
+            </a:extLst>
+          </p:cNvPr>
+          <p:cNvSpPr>
+            <a:spLocks noGrp="1"/>
+          </p:cNvSpPr>
+          <p:nvPr>
+            <p:ph type="title"/>
+          </p:nvPr>
+        </p:nvSpPr>
+        <p:spPr/>
+        <p:txBody>
+          <a:bodyPr/>
+          <a:lstStyle/>
+          <a:p>
+            <a:r>
+              <a:rPr lang="en-US" altLang="zh-CN" dirty="0"/>
+              <a:t>Ablation</a:t>
+            </a:r>
+            <a:r>
+              <a:rPr lang="zh-CN" altLang="en-US" dirty="0"/>
+              <a:t> </a:t>
+            </a:r>
+            <a:r>
+              <a:rPr lang="en-US" altLang="zh-CN" dirty="0"/>
+              <a:t>Study</a:t>
+            </a:r>
+            <a:endParaRPr lang="en-US" dirty="0"/>
+          </a:p>
+        </p:txBody>
+      </p:sp>
+      <p:pic>
+        <p:nvPicPr>
+          <p:cNvPr id="8" name="Content Placeholder 7">
+            <a:extLst>
+              <a:ext uri="{FF2B5EF4-FFF2-40B4-BE49-F238E27FC236}">
+                <a16:creationId xmlns:a16="http://schemas.microsoft.com/office/drawing/2014/main" id="{CD51084F-97AC-F543-B2FA-6D1C007234B1}"/>
+              </a:ext>
+            </a:extLst>
+          </p:cNvPr>
+          <p:cNvPicPr>
+            <a:picLocks noGrp="1" noChangeAspect="1"/>
+          </p:cNvPicPr>
+          <p:nvPr>
+            <p:ph idx="1"/>
+          </p:nvPr>
+        </p:nvPicPr>
+        <p:blipFill>
+          <a:blip r:embed="rId3"/>
+          <a:stretch>
+            <a:fillRect/>
+          </a:stretch>
+        </p:blipFill>
+        <p:spPr>
+          <a:xfrm>
+            <a:off x="838200" y="2532231"/>
+            <a:ext cx="10371138" cy="2704131"/>
+          </a:xfrm>
+        </p:spPr>
+      </p:pic>
+      <p:sp>
+        <p:nvSpPr>
+          <p:cNvPr id="4" name="Date Placeholder 3">
+            <a:extLst>
+              <a:ext uri="{FF2B5EF4-FFF2-40B4-BE49-F238E27FC236}">
+                <a16:creationId xmlns:a16="http://schemas.microsoft.com/office/drawing/2014/main" id="{5C290958-4AA7-BD4F-B0F5-F9F00E116196}"/>
+              </a:ext>
+            </a:extLst>
+          </p:cNvPr>
+          <p:cNvSpPr>
+            <a:spLocks noGrp="1"/>
+          </p:cNvSpPr>
+          <p:nvPr>
+            <p:ph type="dt" sz="half" idx="10"/>
+          </p:nvPr>
+        </p:nvSpPr>
+        <p:spPr/>
+        <p:txBody>
+          <a:bodyPr/>
+          <a:lstStyle/>
+          <a:p>
+            <a:r>
+              <a:rPr lang="en-US" altLang="zh-CN" dirty="0"/>
+              <a:t>07/22/2021</a:t>
+            </a:r>
+            <a:endParaRPr lang="en-US" dirty="0"/>
+          </a:p>
+        </p:txBody>
+      </p:sp>
+      <p:sp>
+        <p:nvSpPr>
+          <p:cNvPr id="6" name="Footer Placeholder 5">
+            <a:extLst>
+              <a:ext uri="{FF2B5EF4-FFF2-40B4-BE49-F238E27FC236}">
+                <a16:creationId xmlns:a16="http://schemas.microsoft.com/office/drawing/2014/main" id="{9813C23F-EDB9-274D-835A-81DC64BC6409}"/>
+              </a:ext>
+            </a:extLst>
+          </p:cNvPr>
+          <p:cNvSpPr>
+            <a:spLocks noGrp="1"/>
+          </p:cNvSpPr>
+          <p:nvPr>
+            <p:ph type="ftr" sz="quarter" idx="11"/>
+          </p:nvPr>
+        </p:nvSpPr>
+        <p:spPr/>
+        <p:txBody>
+          <a:bodyPr/>
+          <a:lstStyle/>
+          <a:p>
+            <a:r>
+              <a:rPr lang="en-US" dirty="0"/>
+              <a:t>Confidential, do not distribute</a:t>
+            </a:r>
+          </a:p>
+        </p:txBody>
+      </p:sp>
+      <p:sp>
+        <p:nvSpPr>
+          <p:cNvPr id="7" name="Slide Number Placeholder 6">
+            <a:extLst>
+              <a:ext uri="{FF2B5EF4-FFF2-40B4-BE49-F238E27FC236}">
+                <a16:creationId xmlns:a16="http://schemas.microsoft.com/office/drawing/2014/main" id="{F513CB1F-06BD-7A47-ADFF-652B3ED321F0}"/>
+              </a:ext>
+            </a:extLst>
+          </p:cNvPr>
+          <p:cNvSpPr>
+            <a:spLocks noGrp="1"/>
+          </p:cNvSpPr>
+          <p:nvPr>
+            <p:ph type="sldNum" sz="quarter" idx="12"/>
+          </p:nvPr>
+        </p:nvSpPr>
+        <p:spPr/>
+        <p:txBody>
+          <a:bodyPr/>
+          <a:lstStyle/>
+          <a:p>
+            <a:fld id="{6615785A-6CC9-604F-A350-0F2C666BA50C}" type="slidenum">
+              <a:rPr lang="en-US" smtClean="0"/>
+              <a:t>16</a:t>
+            </a:fld>
+            <a:endParaRPr lang="en-US"/>
+          </a:p>
+        </p:txBody>
+      </p:sp>
+      <p:sp>
+        <p:nvSpPr>
+          <p:cNvPr id="9" name="TextBox 8">
+            <a:extLst>
+              <a:ext uri="{FF2B5EF4-FFF2-40B4-BE49-F238E27FC236}">
+                <a16:creationId xmlns:a16="http://schemas.microsoft.com/office/drawing/2014/main" id="{2623A60F-7A54-9240-A9B3-73DC72289F6A}"/>
               </a:ext>
             </a:extLst>
           </p:cNvPr>
@@ -7563,8 +7534,8 @@
         </p:nvSpPr>
         <p:spPr>
           <a:xfrm>
-            <a:off x="5177781" y="3985357"/>
-            <a:ext cx="1050993" cy="307777"/>
+            <a:off x="1054249" y="1621638"/>
+            <a:ext cx="9025665" cy="646331"/>
           </a:xfrm>
           <a:prstGeom prst="rect">
             <a:avLst/>
@@ -7572,314 +7543,1293 @@
           <a:noFill/>
         </p:spPr>
         <p:txBody>
-          <a:bodyPr wrap="none" rtlCol="0">
+          <a:bodyPr wrap="square" rtlCol="0">
             <a:spAutoFit/>
           </a:bodyPr>
           <a:lstStyle/>
           <a:p>
             <a:r>
-              <a:rPr lang="en-US" altLang="zh-CN" sz="1400" dirty="0" err="1"/>
-              <a:t>Upsampling</a:t>
+              <a:rPr lang="en-US" dirty="0"/>
+              <a:t>Summarization for ablation studies. ``-'' refers to the removed model component and metric scores are the ablative model's normalized performance differences with the full model</a:t>
+            </a:r>
+            <a:r>
+              <a:rPr lang="en-US" altLang="zh-CN" dirty="0"/>
+              <a:t>.</a:t>
             </a:r>
             <a:endParaRPr lang="en-US" dirty="0"/>
           </a:p>
         </p:txBody>
       </p:sp>
-      <p:sp>
-        <p:nvSpPr>
-          <p:cNvPr id="16" name="TextBox 15">
-            <a:extLst>
-              <a:ext uri="{FF2B5EF4-FFF2-40B4-BE49-F238E27FC236}">
-                <a16:creationId xmlns:a16="http://schemas.microsoft.com/office/drawing/2014/main" id="{1BD6088B-66C1-B540-9CFA-C408BE87A651}"/>
-              </a:ext>
-            </a:extLst>
-          </p:cNvPr>
-          <p:cNvSpPr txBox="1"/>
-          <p:nvPr/>
-        </p:nvSpPr>
+    </p:spTree>
+    <p:extLst>
+      <p:ext uri="{BB962C8B-B14F-4D97-AF65-F5344CB8AC3E}">
+        <p14:creationId xmlns:p14="http://schemas.microsoft.com/office/powerpoint/2010/main" val="2213854733"/>
+      </p:ext>
+    </p:extLst>
+  </p:cSld>
+  <p:clrMapOvr>
+    <a:masterClrMapping/>
+  </p:clrMapOvr>
+</p:sld>
+</file>
+
+<file path=ppt/slides/slide17.xml><?xml version="1.0" encoding="utf-8"?>
+<p:sld xmlns:a="http://schemas.openxmlformats.org/drawingml/2006/main" xmlns:r="http://schemas.openxmlformats.org/officeDocument/2006/relationships" xmlns:p="http://schemas.openxmlformats.org/presentationml/2006/main">
+  <p:cSld>
+    <p:spTree>
+      <p:nvGrpSpPr>
+        <p:cNvPr id="1" name=""/>
+        <p:cNvGrpSpPr/>
+        <p:nvPr/>
+      </p:nvGrpSpPr>
+      <p:grpSpPr>
+        <a:xfrm>
+          <a:off x="0" y="0"/>
+          <a:ext cx="0" cy="0"/>
+          <a:chOff x="0" y="0"/>
+          <a:chExt cx="0" cy="0"/>
+        </a:xfrm>
+      </p:grpSpPr>
+      <p:sp>
+        <p:nvSpPr>
+          <p:cNvPr id="2" name="Title 1">
+            <a:extLst>
+              <a:ext uri="{FF2B5EF4-FFF2-40B4-BE49-F238E27FC236}">
+                <a16:creationId xmlns:a16="http://schemas.microsoft.com/office/drawing/2014/main" id="{BAB9AA12-0137-2B49-B00B-5DCCDBAF31F0}"/>
+              </a:ext>
+            </a:extLst>
+          </p:cNvPr>
+          <p:cNvSpPr>
+            <a:spLocks noGrp="1"/>
+          </p:cNvSpPr>
+          <p:nvPr>
+            <p:ph type="title"/>
+          </p:nvPr>
+        </p:nvSpPr>
+        <p:spPr/>
+        <p:txBody>
+          <a:bodyPr/>
+          <a:lstStyle/>
+          <a:p>
+            <a:r>
+              <a:rPr lang="en-US" altLang="zh-CN" dirty="0"/>
+              <a:t>Parameter</a:t>
+            </a:r>
+            <a:r>
+              <a:rPr lang="zh-CN" altLang="en-US" dirty="0"/>
+              <a:t> </a:t>
+            </a:r>
+            <a:r>
+              <a:rPr lang="en-US" altLang="zh-CN" dirty="0"/>
+              <a:t>Tuning</a:t>
+            </a:r>
+            <a:endParaRPr lang="en-US" dirty="0"/>
+          </a:p>
+        </p:txBody>
+      </p:sp>
+      <p:pic>
+        <p:nvPicPr>
+          <p:cNvPr id="8" name="Content Placeholder 7">
+            <a:extLst>
+              <a:ext uri="{FF2B5EF4-FFF2-40B4-BE49-F238E27FC236}">
+                <a16:creationId xmlns:a16="http://schemas.microsoft.com/office/drawing/2014/main" id="{EEAA5DC8-0607-ED44-839E-0256A679C61F}"/>
+              </a:ext>
+            </a:extLst>
+          </p:cNvPr>
+          <p:cNvPicPr>
+            <a:picLocks noGrp="1" noChangeAspect="1"/>
+          </p:cNvPicPr>
+          <p:nvPr>
+            <p:ph idx="1"/>
+          </p:nvPr>
+        </p:nvPicPr>
+        <p:blipFill>
+          <a:blip r:embed="rId3"/>
+          <a:stretch>
+            <a:fillRect/>
+          </a:stretch>
+        </p:blipFill>
         <p:spPr>
           <a:xfrm>
-            <a:off x="5025589" y="4777744"/>
-            <a:ext cx="1368067" cy="307777"/>
+            <a:off x="838201" y="1772881"/>
+            <a:ext cx="4809726" cy="4001195"/>
+          </a:xfrm>
+        </p:spPr>
+      </p:pic>
+      <p:sp>
+        <p:nvSpPr>
+          <p:cNvPr id="4" name="Date Placeholder 3">
+            <a:extLst>
+              <a:ext uri="{FF2B5EF4-FFF2-40B4-BE49-F238E27FC236}">
+                <a16:creationId xmlns:a16="http://schemas.microsoft.com/office/drawing/2014/main" id="{5C290958-4AA7-BD4F-B0F5-F9F00E116196}"/>
+              </a:ext>
+            </a:extLst>
+          </p:cNvPr>
+          <p:cNvSpPr>
+            <a:spLocks noGrp="1"/>
+          </p:cNvSpPr>
+          <p:nvPr>
+            <p:ph type="dt" sz="half" idx="10"/>
+          </p:nvPr>
+        </p:nvSpPr>
+        <p:spPr/>
+        <p:txBody>
+          <a:bodyPr/>
+          <a:lstStyle/>
+          <a:p>
+            <a:r>
+              <a:rPr lang="en-US" altLang="zh-CN" dirty="0"/>
+              <a:t>07/22/2021</a:t>
+            </a:r>
+            <a:endParaRPr lang="en-US" dirty="0"/>
+          </a:p>
+        </p:txBody>
+      </p:sp>
+      <p:sp>
+        <p:nvSpPr>
+          <p:cNvPr id="6" name="Footer Placeholder 5">
+            <a:extLst>
+              <a:ext uri="{FF2B5EF4-FFF2-40B4-BE49-F238E27FC236}">
+                <a16:creationId xmlns:a16="http://schemas.microsoft.com/office/drawing/2014/main" id="{9813C23F-EDB9-274D-835A-81DC64BC6409}"/>
+              </a:ext>
+            </a:extLst>
+          </p:cNvPr>
+          <p:cNvSpPr>
+            <a:spLocks noGrp="1"/>
+          </p:cNvSpPr>
+          <p:nvPr>
+            <p:ph type="ftr" sz="quarter" idx="11"/>
+          </p:nvPr>
+        </p:nvSpPr>
+        <p:spPr/>
+        <p:txBody>
+          <a:bodyPr/>
+          <a:lstStyle/>
+          <a:p>
+            <a:r>
+              <a:rPr lang="en-US" dirty="0"/>
+              <a:t>Confidential, do not distribute</a:t>
+            </a:r>
+          </a:p>
+        </p:txBody>
+      </p:sp>
+      <p:sp>
+        <p:nvSpPr>
+          <p:cNvPr id="7" name="Slide Number Placeholder 6">
+            <a:extLst>
+              <a:ext uri="{FF2B5EF4-FFF2-40B4-BE49-F238E27FC236}">
+                <a16:creationId xmlns:a16="http://schemas.microsoft.com/office/drawing/2014/main" id="{F513CB1F-06BD-7A47-ADFF-652B3ED321F0}"/>
+              </a:ext>
+            </a:extLst>
+          </p:cNvPr>
+          <p:cNvSpPr>
+            <a:spLocks noGrp="1"/>
+          </p:cNvSpPr>
+          <p:nvPr>
+            <p:ph type="sldNum" sz="quarter" idx="12"/>
+          </p:nvPr>
+        </p:nvSpPr>
+        <p:spPr/>
+        <p:txBody>
+          <a:bodyPr/>
+          <a:lstStyle/>
+          <a:p>
+            <a:fld id="{6615785A-6CC9-604F-A350-0F2C666BA50C}" type="slidenum">
+              <a:rPr lang="en-US" smtClean="0"/>
+              <a:t>17</a:t>
+            </a:fld>
+            <a:endParaRPr lang="en-US"/>
+          </a:p>
+        </p:txBody>
+      </p:sp>
+      <p:pic>
+        <p:nvPicPr>
+          <p:cNvPr id="9" name="Content Placeholder 7">
+            <a:extLst>
+              <a:ext uri="{FF2B5EF4-FFF2-40B4-BE49-F238E27FC236}">
+                <a16:creationId xmlns:a16="http://schemas.microsoft.com/office/drawing/2014/main" id="{2D090FBF-CB02-CA40-9D8D-4B5A093647AA}"/>
+              </a:ext>
+            </a:extLst>
+          </p:cNvPr>
+          <p:cNvPicPr>
+            <a:picLocks noChangeAspect="1"/>
+          </p:cNvPicPr>
+          <p:nvPr/>
+        </p:nvPicPr>
+        <p:blipFill>
+          <a:blip r:embed="rId4"/>
+          <a:stretch>
+            <a:fillRect/>
+          </a:stretch>
+        </p:blipFill>
+        <p:spPr>
+          <a:xfrm>
+            <a:off x="6055760" y="1772881"/>
+            <a:ext cx="5610871" cy="4001195"/>
           </a:xfrm>
           <a:prstGeom prst="rect">
             <a:avLst/>
           </a:prstGeom>
-          <a:noFill/>
         </p:spPr>
-        <p:txBody>
-          <a:bodyPr wrap="none" rtlCol="0">
-            <a:spAutoFit/>
-          </a:bodyPr>
-          <a:lstStyle/>
-          <a:p>
-            <a:r>
-              <a:rPr lang="en-US" altLang="zh-CN" sz="1400" dirty="0"/>
-              <a:t>Pseudo</a:t>
-            </a:r>
-            <a:r>
-              <a:rPr lang="zh-CN" altLang="en-US" sz="1400" dirty="0"/>
-              <a:t> </a:t>
-            </a:r>
-            <a:r>
-              <a:rPr lang="en-US" altLang="zh-CN" sz="1400" dirty="0"/>
-              <a:t>Labeling</a:t>
-            </a:r>
-            <a:endParaRPr lang="en-US" sz="1400" dirty="0"/>
-          </a:p>
-        </p:txBody>
-      </p:sp>
-      <p:sp>
-        <p:nvSpPr>
-          <p:cNvPr id="17" name="TextBox 16">
-            <a:extLst>
-              <a:ext uri="{FF2B5EF4-FFF2-40B4-BE49-F238E27FC236}">
-                <a16:creationId xmlns:a16="http://schemas.microsoft.com/office/drawing/2014/main" id="{248FFCD7-F681-814B-93EB-0FD237065ABF}"/>
-              </a:ext>
-            </a:extLst>
-          </p:cNvPr>
-          <p:cNvSpPr txBox="1"/>
+      </p:pic>
+      <p:sp>
+        <p:nvSpPr>
+          <p:cNvPr id="10" name="Title 1">
+            <a:extLst>
+              <a:ext uri="{FF2B5EF4-FFF2-40B4-BE49-F238E27FC236}">
+                <a16:creationId xmlns:a16="http://schemas.microsoft.com/office/drawing/2014/main" id="{8EE69DA6-997E-0B48-A971-E21BDE497AB0}"/>
+              </a:ext>
+            </a:extLst>
+          </p:cNvPr>
+          <p:cNvSpPr txBox="1">
+            <a:spLocks/>
+          </p:cNvSpPr>
           <p:nvPr/>
         </p:nvSpPr>
         <p:spPr>
           <a:xfrm>
-            <a:off x="4924470" y="5720081"/>
-            <a:ext cx="1681679" cy="307777"/>
+            <a:off x="5921202" y="365125"/>
+            <a:ext cx="5841415" cy="1325563"/>
           </a:xfrm>
           <a:prstGeom prst="rect">
             <a:avLst/>
           </a:prstGeom>
-          <a:noFill/>
         </p:spPr>
         <p:txBody>
-          <a:bodyPr wrap="none" rtlCol="0">
-            <a:spAutoFit/>
+          <a:bodyPr vert="horz" lIns="91440" tIns="45720" rIns="91440" bIns="45720" rtlCol="0" anchor="ctr">
+            <a:normAutofit/>
           </a:bodyPr>
-          <a:lstStyle/>
-          <a:p>
-            <a:r>
-              <a:rPr lang="en-US" altLang="zh-CN" sz="1400" dirty="0"/>
-              <a:t>Incremental</a:t>
-            </a:r>
-            <a:r>
-              <a:rPr lang="zh-CN" altLang="en-US" sz="1400" dirty="0"/>
-              <a:t> </a:t>
-            </a:r>
-            <a:r>
-              <a:rPr lang="en-US" altLang="zh-CN" sz="1400" dirty="0"/>
-              <a:t>Training</a:t>
-            </a:r>
-            <a:endParaRPr lang="en-US" sz="1400" dirty="0"/>
-          </a:p>
-        </p:txBody>
-      </p:sp>
-      <p:sp>
-        <p:nvSpPr>
-          <p:cNvPr id="19" name="Left Brace 18">
-            <a:extLst>
-              <a:ext uri="{FF2B5EF4-FFF2-40B4-BE49-F238E27FC236}">
-                <a16:creationId xmlns:a16="http://schemas.microsoft.com/office/drawing/2014/main" id="{2FEEF58C-191D-8F4F-9E43-D23A6F0BC3EA}"/>
-              </a:ext>
-            </a:extLst>
-          </p:cNvPr>
-          <p:cNvSpPr/>
-          <p:nvPr/>
+          <a:lstStyle>
+            <a:lvl1pPr algn="l" defTabSz="914400" rtl="0" eaLnBrk="1" latinLnBrk="0" hangingPunct="1">
+              <a:lnSpc>
+                <a:spcPct val="90000"/>
+              </a:lnSpc>
+              <a:spcBef>
+                <a:spcPct val="0"/>
+              </a:spcBef>
+              <a:buNone/>
+              <a:defRPr sz="4400" kern="1200">
+                <a:solidFill>
+                  <a:schemeClr val="tx1"/>
+                </a:solidFill>
+                <a:latin typeface="+mj-lt"/>
+                <a:ea typeface="+mj-ea"/>
+                <a:cs typeface="+mj-cs"/>
+              </a:defRPr>
+            </a:lvl1pPr>
+          </a:lstStyle>
+          <a:p>
+            <a:r>
+              <a:rPr lang="en-US" altLang="zh-CN"/>
+              <a:t>Dynamic</a:t>
+            </a:r>
+            <a:r>
+              <a:rPr lang="zh-CN" altLang="en-US"/>
+              <a:t> </a:t>
+            </a:r>
+            <a:r>
+              <a:rPr lang="en-US" altLang="zh-CN"/>
+              <a:t>Label</a:t>
+            </a:r>
+            <a:r>
+              <a:rPr lang="zh-CN" altLang="en-US"/>
+              <a:t> </a:t>
+            </a:r>
+            <a:r>
+              <a:rPr lang="en-US" altLang="zh-CN"/>
+              <a:t>Change</a:t>
+            </a:r>
+            <a:endParaRPr lang="en-US" dirty="0"/>
+          </a:p>
+        </p:txBody>
+      </p:sp>
+    </p:spTree>
+    <p:extLst>
+      <p:ext uri="{BB962C8B-B14F-4D97-AF65-F5344CB8AC3E}">
+        <p14:creationId xmlns:p14="http://schemas.microsoft.com/office/powerpoint/2010/main" val="3786470170"/>
+      </p:ext>
+    </p:extLst>
+  </p:cSld>
+  <p:clrMapOvr>
+    <a:masterClrMapping/>
+  </p:clrMapOvr>
+</p:sld>
+</file>
+
+<file path=ppt/slides/slide18.xml><?xml version="1.0" encoding="utf-8"?>
+<p:sld xmlns:a="http://schemas.openxmlformats.org/drawingml/2006/main" xmlns:r="http://schemas.openxmlformats.org/officeDocument/2006/relationships" xmlns:p="http://schemas.openxmlformats.org/presentationml/2006/main">
+  <p:cSld>
+    <p:spTree>
+      <p:nvGrpSpPr>
+        <p:cNvPr id="1" name=""/>
+        <p:cNvGrpSpPr/>
+        <p:nvPr/>
+      </p:nvGrpSpPr>
+      <p:grpSpPr>
+        <a:xfrm>
+          <a:off x="0" y="0"/>
+          <a:ext cx="0" cy="0"/>
+          <a:chOff x="0" y="0"/>
+          <a:chExt cx="0" cy="0"/>
+        </a:xfrm>
+      </p:grpSpPr>
+      <p:sp>
+        <p:nvSpPr>
+          <p:cNvPr id="2" name="Title 1">
+            <a:extLst>
+              <a:ext uri="{FF2B5EF4-FFF2-40B4-BE49-F238E27FC236}">
+                <a16:creationId xmlns:a16="http://schemas.microsoft.com/office/drawing/2014/main" id="{BBF64A85-8ECD-8641-8EE5-387795DF10B8}"/>
+              </a:ext>
+            </a:extLst>
+          </p:cNvPr>
+          <p:cNvSpPr>
+            <a:spLocks noGrp="1"/>
+          </p:cNvSpPr>
+          <p:nvPr>
+            <p:ph type="ctrTitle"/>
+          </p:nvPr>
+        </p:nvSpPr>
+        <p:spPr/>
+        <p:txBody>
+          <a:bodyPr>
+            <a:noAutofit/>
+          </a:bodyPr>
+          <a:lstStyle/>
+          <a:p>
+            <a:r>
+              <a:rPr lang="en-US" altLang="zh-CN" sz="4400" b="1" dirty="0"/>
+              <a:t>Thanks!</a:t>
+            </a:r>
+            <a:endParaRPr lang="en-US" sz="4400" b="1" dirty="0"/>
+          </a:p>
+        </p:txBody>
+      </p:sp>
+    </p:spTree>
+    <p:extLst>
+      <p:ext uri="{BB962C8B-B14F-4D97-AF65-F5344CB8AC3E}">
+        <p14:creationId xmlns:p14="http://schemas.microsoft.com/office/powerpoint/2010/main" val="894602333"/>
+      </p:ext>
+    </p:extLst>
+  </p:cSld>
+  <p:clrMapOvr>
+    <a:masterClrMapping/>
+  </p:clrMapOvr>
+</p:sld>
+</file>
+
+<file path=ppt/slides/slide2.xml><?xml version="1.0" encoding="utf-8"?>
+<p:sld xmlns:a="http://schemas.openxmlformats.org/drawingml/2006/main" xmlns:r="http://schemas.openxmlformats.org/officeDocument/2006/relationships" xmlns:p="http://schemas.openxmlformats.org/presentationml/2006/main">
+  <p:cSld>
+    <p:spTree>
+      <p:nvGrpSpPr>
+        <p:cNvPr id="1" name=""/>
+        <p:cNvGrpSpPr/>
+        <p:nvPr/>
+      </p:nvGrpSpPr>
+      <p:grpSpPr>
+        <a:xfrm>
+          <a:off x="0" y="0"/>
+          <a:ext cx="0" cy="0"/>
+          <a:chOff x="0" y="0"/>
+          <a:chExt cx="0" cy="0"/>
+        </a:xfrm>
+      </p:grpSpPr>
+      <p:sp>
+        <p:nvSpPr>
+          <p:cNvPr id="2" name="Title 1">
+            <a:extLst>
+              <a:ext uri="{FF2B5EF4-FFF2-40B4-BE49-F238E27FC236}">
+                <a16:creationId xmlns:a16="http://schemas.microsoft.com/office/drawing/2014/main" id="{BAB9AA12-0137-2B49-B00B-5DCCDBAF31F0}"/>
+              </a:ext>
+            </a:extLst>
+          </p:cNvPr>
+          <p:cNvSpPr>
+            <a:spLocks noGrp="1"/>
+          </p:cNvSpPr>
+          <p:nvPr>
+            <p:ph type="title"/>
+          </p:nvPr>
+        </p:nvSpPr>
+        <p:spPr/>
+        <p:txBody>
+          <a:bodyPr/>
+          <a:lstStyle/>
+          <a:p>
+            <a:r>
+              <a:rPr lang="en-US" altLang="zh-CN" dirty="0"/>
+              <a:t>Research</a:t>
+            </a:r>
+            <a:r>
+              <a:rPr lang="zh-CN" altLang="en-US" dirty="0"/>
+              <a:t> </a:t>
+            </a:r>
+            <a:r>
+              <a:rPr lang="en-US" altLang="zh-CN" dirty="0"/>
+              <a:t>Question</a:t>
+            </a:r>
+            <a:endParaRPr lang="en-US" dirty="0"/>
+          </a:p>
+        </p:txBody>
+      </p:sp>
+      <p:sp>
+        <p:nvSpPr>
+          <p:cNvPr id="3" name="Content Placeholder 2">
+            <a:extLst>
+              <a:ext uri="{FF2B5EF4-FFF2-40B4-BE49-F238E27FC236}">
+                <a16:creationId xmlns:a16="http://schemas.microsoft.com/office/drawing/2014/main" id="{27FEC3C0-5696-2E4A-A49B-E7E1B00DFE38}"/>
+              </a:ext>
+            </a:extLst>
+          </p:cNvPr>
+          <p:cNvSpPr>
+            <a:spLocks noGrp="1"/>
+          </p:cNvSpPr>
+          <p:nvPr>
+            <p:ph idx="1"/>
+          </p:nvPr>
         </p:nvSpPr>
         <p:spPr>
           <a:xfrm>
-            <a:off x="6109371" y="3250766"/>
-            <a:ext cx="289560" cy="847447"/>
+            <a:off x="838200" y="1690688"/>
+            <a:ext cx="10370906" cy="4165581"/>
           </a:xfrm>
-          <a:prstGeom prst="leftBrace">
-            <a:avLst/>
-          </a:prstGeom>
-          <a:noFill/>
-          <a:ln>
-            <a:solidFill>
-              <a:srgbClr val="FF0000"/>
-            </a:solidFill>
-          </a:ln>
         </p:spPr>
-        <p:style>
-          <a:lnRef idx="1">
-            <a:schemeClr val="accent1"/>
-          </a:lnRef>
-          <a:fillRef idx="0">
-            <a:schemeClr val="accent1"/>
-          </a:fillRef>
-          <a:effectRef idx="0">
-            <a:schemeClr val="accent1"/>
-          </a:effectRef>
-          <a:fontRef idx="minor">
-            <a:schemeClr val="tx1"/>
-          </a:fontRef>
-        </p:style>
-        <p:txBody>
-          <a:bodyPr rtlCol="0" anchor="ctr"/>
-          <a:lstStyle/>
-          <a:p>
-            <a:pPr algn="ctr"/>
+        <p:txBody>
+          <a:bodyPr>
+            <a:normAutofit/>
+          </a:bodyPr>
+          <a:lstStyle/>
+          <a:p>
+            <a:r>
+              <a:rPr lang="en-US" altLang="zh-CN" b="1" dirty="0"/>
+              <a:t>Challenges</a:t>
+            </a:r>
+            <a:r>
+              <a:rPr lang="en-US" altLang="zh-CN" dirty="0"/>
+              <a:t>:</a:t>
+            </a:r>
+            <a:r>
+              <a:rPr lang="zh-CN" altLang="en-US" dirty="0"/>
+              <a:t> </a:t>
+            </a:r>
+            <a:endParaRPr lang="en-US" altLang="zh-CN" dirty="0"/>
+          </a:p>
+          <a:p>
+            <a:pPr lvl="1"/>
+            <a:r>
+              <a:rPr lang="en-US" sz="2000" dirty="0"/>
+              <a:t>customer utterances handled in a popular locale </a:t>
+            </a:r>
+            <a:r>
+              <a:rPr lang="en-US" altLang="zh-CN" sz="2000" dirty="0"/>
+              <a:t>(i.e.</a:t>
+            </a:r>
+            <a:r>
+              <a:rPr lang="zh-CN" altLang="en-US" sz="2000" dirty="0"/>
+              <a:t> </a:t>
+            </a:r>
+            <a:r>
+              <a:rPr lang="en-US" altLang="zh-CN" sz="2000" dirty="0" err="1"/>
+              <a:t>en</a:t>
+            </a:r>
+            <a:r>
+              <a:rPr lang="en-US" altLang="zh-CN" sz="2000" dirty="0"/>
+              <a:t>-US)</a:t>
+            </a:r>
+            <a:r>
+              <a:rPr lang="zh-CN" altLang="en-US" sz="2000" dirty="0"/>
+              <a:t> </a:t>
+            </a:r>
+            <a:r>
+              <a:rPr lang="en-US" sz="2000" dirty="0"/>
+              <a:t>may be going unclaimed in another locale</a:t>
+            </a:r>
+            <a:r>
+              <a:rPr lang="zh-CN" altLang="en-US" sz="2000" dirty="0"/>
+              <a:t> </a:t>
+            </a:r>
+            <a:r>
+              <a:rPr lang="en-US" altLang="zh-CN" sz="2000" dirty="0"/>
+              <a:t>(i.e.</a:t>
+            </a:r>
+            <a:r>
+              <a:rPr lang="zh-CN" altLang="en-US" sz="2000" dirty="0"/>
+              <a:t> </a:t>
+            </a:r>
+            <a:r>
+              <a:rPr lang="en-US" altLang="zh-CN" sz="2000" dirty="0" err="1"/>
+              <a:t>en</a:t>
+            </a:r>
+            <a:r>
+              <a:rPr lang="en-US" altLang="zh-CN" sz="2000" dirty="0"/>
+              <a:t>-IN)</a:t>
+            </a:r>
+            <a:r>
+              <a:rPr lang="zh-CN" altLang="en-US" sz="2000" dirty="0"/>
+              <a:t> </a:t>
+            </a:r>
+            <a:r>
+              <a:rPr lang="en-US" sz="2000" dirty="0"/>
+              <a:t>.</a:t>
+            </a:r>
+          </a:p>
+          <a:p>
+            <a:pPr lvl="1"/>
+            <a:r>
+              <a:rPr lang="en-US" sz="2000" dirty="0"/>
+              <a:t>locales with smaller skill ecosystems also suffer from limited labeled data for training systems to route utterances to skills</a:t>
+            </a:r>
+            <a:r>
+              <a:rPr lang="en-US" altLang="zh-CN" sz="2000" dirty="0"/>
+              <a:t>.</a:t>
+            </a:r>
+            <a:r>
+              <a:rPr lang="zh-CN" altLang="en-US" sz="2000" dirty="0"/>
+              <a:t> </a:t>
+            </a:r>
+            <a:r>
+              <a:rPr lang="en-US" altLang="zh-CN" sz="2000" dirty="0"/>
+              <a:t>i.e.</a:t>
+            </a:r>
+            <a:r>
+              <a:rPr lang="zh-CN" altLang="en-US" sz="2000" dirty="0"/>
+              <a:t> </a:t>
+            </a:r>
+            <a:r>
+              <a:rPr lang="en-US" altLang="zh-CN" sz="2000" dirty="0"/>
+              <a:t>customers</a:t>
+            </a:r>
+            <a:r>
+              <a:rPr lang="zh-CN" altLang="en-US" sz="2000" dirty="0"/>
+              <a:t> </a:t>
+            </a:r>
+            <a:r>
+              <a:rPr lang="en-US" altLang="zh-CN" sz="2000" dirty="0"/>
+              <a:t>only</a:t>
+            </a:r>
+            <a:r>
+              <a:rPr lang="zh-CN" altLang="en-US" sz="2000" dirty="0"/>
+              <a:t> </a:t>
+            </a:r>
+            <a:r>
+              <a:rPr lang="en-US" altLang="zh-CN" sz="2000" dirty="0"/>
+              <a:t>provide</a:t>
+            </a:r>
+            <a:r>
+              <a:rPr lang="zh-CN" altLang="en-US" sz="2000" dirty="0"/>
+              <a:t> </a:t>
+            </a:r>
+            <a:r>
+              <a:rPr lang="en-US" altLang="zh-CN" sz="2000" dirty="0"/>
+              <a:t>feedbacks</a:t>
+            </a:r>
+            <a:r>
+              <a:rPr lang="zh-CN" altLang="en-US" sz="2000" dirty="0"/>
+              <a:t> </a:t>
+            </a:r>
+            <a:r>
+              <a:rPr lang="en-US" altLang="zh-CN" sz="2000" dirty="0"/>
+              <a:t>for</a:t>
+            </a:r>
+            <a:r>
+              <a:rPr lang="zh-CN" altLang="en-US" sz="2000" dirty="0"/>
+              <a:t> </a:t>
+            </a:r>
+            <a:r>
+              <a:rPr lang="en-US" altLang="zh-CN" sz="2000" dirty="0"/>
+              <a:t>the</a:t>
+            </a:r>
+            <a:r>
+              <a:rPr lang="zh-CN" altLang="en-US" sz="2000" dirty="0"/>
+              <a:t> </a:t>
+            </a:r>
+            <a:r>
+              <a:rPr lang="en-US" altLang="zh-CN" sz="2000" dirty="0"/>
+              <a:t>suggested</a:t>
+            </a:r>
+            <a:r>
+              <a:rPr lang="zh-CN" altLang="en-US" sz="2000" dirty="0"/>
+              <a:t> </a:t>
+            </a:r>
+            <a:r>
+              <a:rPr lang="en-US" altLang="zh-CN" sz="2000" dirty="0"/>
+              <a:t>skill,</a:t>
+            </a:r>
+            <a:r>
+              <a:rPr lang="zh-CN" altLang="en-US" sz="2000" dirty="0"/>
+              <a:t>  </a:t>
+            </a:r>
+            <a:r>
+              <a:rPr lang="en-US" altLang="zh-CN" sz="2000" dirty="0"/>
+              <a:t>without</a:t>
+            </a:r>
+            <a:r>
+              <a:rPr lang="zh-CN" altLang="en-US" sz="2000" dirty="0"/>
+              <a:t> </a:t>
+            </a:r>
+            <a:r>
+              <a:rPr lang="en-US" altLang="zh-CN" sz="2000" dirty="0"/>
+              <a:t>seeing</a:t>
+            </a:r>
+            <a:r>
+              <a:rPr lang="zh-CN" altLang="en-US" sz="2000" dirty="0"/>
+              <a:t> </a:t>
+            </a:r>
+            <a:r>
+              <a:rPr lang="en-US" altLang="zh-CN" sz="2000" dirty="0"/>
+              <a:t>the</a:t>
+            </a:r>
+            <a:r>
+              <a:rPr lang="zh-CN" altLang="en-US" sz="2000" dirty="0"/>
+              <a:t> </a:t>
+            </a:r>
+            <a:r>
+              <a:rPr lang="en-US" altLang="zh-CN" sz="2000" dirty="0"/>
+              <a:t>rest</a:t>
+            </a:r>
+            <a:r>
+              <a:rPr lang="zh-CN" altLang="en-US" sz="2000" dirty="0"/>
+              <a:t> </a:t>
+            </a:r>
+            <a:r>
+              <a:rPr lang="en-US" altLang="zh-CN" sz="2000" dirty="0"/>
+              <a:t>skills.</a:t>
+            </a:r>
+            <a:endParaRPr lang="en-US" sz="2000" dirty="0"/>
+          </a:p>
+          <a:p>
+            <a:r>
+              <a:rPr lang="en-US" b="1" dirty="0"/>
+              <a:t>Goal</a:t>
+            </a:r>
+            <a:r>
+              <a:rPr lang="en-US" altLang="zh-CN" dirty="0"/>
+              <a:t>:</a:t>
+            </a:r>
+            <a:r>
+              <a:rPr lang="zh-CN" altLang="en-US" dirty="0"/>
+              <a:t> </a:t>
+            </a:r>
+            <a:r>
+              <a:rPr lang="en-US" altLang="zh-CN" dirty="0"/>
+              <a:t>retrieve relevant skills in a source locale for unclaimed utterances in a target locale</a:t>
+            </a:r>
+          </a:p>
+          <a:p>
+            <a:r>
+              <a:rPr lang="en-US" altLang="zh-CN" b="1" dirty="0"/>
+              <a:t>Keywords</a:t>
+            </a:r>
+            <a:r>
+              <a:rPr lang="en-US" altLang="zh-CN" dirty="0"/>
+              <a:t>: co-training, transfer learning, pseudo labeling, semi-supervised learning</a:t>
+            </a:r>
+          </a:p>
+        </p:txBody>
+      </p:sp>
+      <p:sp>
+        <p:nvSpPr>
+          <p:cNvPr id="4" name="Date Placeholder 3">
+            <a:extLst>
+              <a:ext uri="{FF2B5EF4-FFF2-40B4-BE49-F238E27FC236}">
+                <a16:creationId xmlns:a16="http://schemas.microsoft.com/office/drawing/2014/main" id="{5C290958-4AA7-BD4F-B0F5-F9F00E116196}"/>
+              </a:ext>
+            </a:extLst>
+          </p:cNvPr>
+          <p:cNvSpPr>
+            <a:spLocks noGrp="1"/>
+          </p:cNvSpPr>
+          <p:nvPr>
+            <p:ph type="dt" sz="half" idx="10"/>
+          </p:nvPr>
+        </p:nvSpPr>
+        <p:spPr/>
+        <p:txBody>
+          <a:bodyPr/>
+          <a:lstStyle/>
+          <a:p>
+            <a:r>
+              <a:rPr lang="en-US" altLang="zh-CN" dirty="0"/>
+              <a:t>07/22/2021</a:t>
+            </a:r>
+            <a:endParaRPr lang="en-US" dirty="0"/>
+          </a:p>
+        </p:txBody>
+      </p:sp>
+      <p:sp>
+        <p:nvSpPr>
+          <p:cNvPr id="6" name="Footer Placeholder 5">
+            <a:extLst>
+              <a:ext uri="{FF2B5EF4-FFF2-40B4-BE49-F238E27FC236}">
+                <a16:creationId xmlns:a16="http://schemas.microsoft.com/office/drawing/2014/main" id="{9813C23F-EDB9-274D-835A-81DC64BC6409}"/>
+              </a:ext>
+            </a:extLst>
+          </p:cNvPr>
+          <p:cNvSpPr>
+            <a:spLocks noGrp="1"/>
+          </p:cNvSpPr>
+          <p:nvPr>
+            <p:ph type="ftr" sz="quarter" idx="11"/>
+          </p:nvPr>
+        </p:nvSpPr>
+        <p:spPr/>
+        <p:txBody>
+          <a:bodyPr/>
+          <a:lstStyle/>
+          <a:p>
+            <a:r>
+              <a:rPr lang="en-US" dirty="0"/>
+              <a:t>Confidential, do not distribute</a:t>
+            </a:r>
+          </a:p>
+        </p:txBody>
+      </p:sp>
+      <p:sp>
+        <p:nvSpPr>
+          <p:cNvPr id="7" name="Slide Number Placeholder 6">
+            <a:extLst>
+              <a:ext uri="{FF2B5EF4-FFF2-40B4-BE49-F238E27FC236}">
+                <a16:creationId xmlns:a16="http://schemas.microsoft.com/office/drawing/2014/main" id="{F513CB1F-06BD-7A47-ADFF-652B3ED321F0}"/>
+              </a:ext>
+            </a:extLst>
+          </p:cNvPr>
+          <p:cNvSpPr>
+            <a:spLocks noGrp="1"/>
+          </p:cNvSpPr>
+          <p:nvPr>
+            <p:ph type="sldNum" sz="quarter" idx="12"/>
+          </p:nvPr>
+        </p:nvSpPr>
+        <p:spPr/>
+        <p:txBody>
+          <a:bodyPr/>
+          <a:lstStyle/>
+          <a:p>
+            <a:fld id="{6615785A-6CC9-604F-A350-0F2C666BA50C}" type="slidenum">
+              <a:rPr lang="en-US" smtClean="0"/>
+              <a:t>2</a:t>
+            </a:fld>
             <a:endParaRPr lang="en-US"/>
           </a:p>
         </p:txBody>
       </p:sp>
-      <p:sp>
-        <p:nvSpPr>
-          <p:cNvPr id="20" name="TextBox 19">
-            <a:extLst>
-              <a:ext uri="{FF2B5EF4-FFF2-40B4-BE49-F238E27FC236}">
-                <a16:creationId xmlns:a16="http://schemas.microsoft.com/office/drawing/2014/main" id="{84BD7C0F-1687-1C4B-BE45-78B856EF2D83}"/>
-              </a:ext>
-            </a:extLst>
-          </p:cNvPr>
-          <p:cNvSpPr txBox="1"/>
-          <p:nvPr/>
+    </p:spTree>
+    <p:extLst>
+      <p:ext uri="{BB962C8B-B14F-4D97-AF65-F5344CB8AC3E}">
+        <p14:creationId xmlns:p14="http://schemas.microsoft.com/office/powerpoint/2010/main" val="566241297"/>
+      </p:ext>
+    </p:extLst>
+  </p:cSld>
+  <p:clrMapOvr>
+    <a:masterClrMapping/>
+  </p:clrMapOvr>
+</p:sld>
+</file>
+
+<file path=ppt/slides/slide3.xml><?xml version="1.0" encoding="utf-8"?>
+<p:sld xmlns:a="http://schemas.openxmlformats.org/drawingml/2006/main" xmlns:r="http://schemas.openxmlformats.org/officeDocument/2006/relationships" xmlns:p="http://schemas.openxmlformats.org/presentationml/2006/main">
+  <p:cSld>
+    <p:spTree>
+      <p:nvGrpSpPr>
+        <p:cNvPr id="1" name=""/>
+        <p:cNvGrpSpPr/>
+        <p:nvPr/>
+      </p:nvGrpSpPr>
+      <p:grpSpPr>
+        <a:xfrm>
+          <a:off x="0" y="0"/>
+          <a:ext cx="0" cy="0"/>
+          <a:chOff x="0" y="0"/>
+          <a:chExt cx="0" cy="0"/>
+        </a:xfrm>
+      </p:grpSpPr>
+      <p:sp>
+        <p:nvSpPr>
+          <p:cNvPr id="2" name="Title 1">
+            <a:extLst>
+              <a:ext uri="{FF2B5EF4-FFF2-40B4-BE49-F238E27FC236}">
+                <a16:creationId xmlns:a16="http://schemas.microsoft.com/office/drawing/2014/main" id="{BAB9AA12-0137-2B49-B00B-5DCCDBAF31F0}"/>
+              </a:ext>
+            </a:extLst>
+          </p:cNvPr>
+          <p:cNvSpPr>
+            <a:spLocks noGrp="1"/>
+          </p:cNvSpPr>
+          <p:nvPr>
+            <p:ph type="title"/>
+          </p:nvPr>
+        </p:nvSpPr>
+        <p:spPr/>
+        <p:txBody>
+          <a:bodyPr/>
+          <a:lstStyle/>
+          <a:p>
+            <a:r>
+              <a:rPr lang="en-US" dirty="0"/>
+              <a:t>Method</a:t>
+            </a:r>
+          </a:p>
+        </p:txBody>
+      </p:sp>
+      <p:sp>
+        <p:nvSpPr>
+          <p:cNvPr id="3" name="Content Placeholder 2">
+            <a:extLst>
+              <a:ext uri="{FF2B5EF4-FFF2-40B4-BE49-F238E27FC236}">
+                <a16:creationId xmlns:a16="http://schemas.microsoft.com/office/drawing/2014/main" id="{27FEC3C0-5696-2E4A-A49B-E7E1B00DFE38}"/>
+              </a:ext>
+            </a:extLst>
+          </p:cNvPr>
+          <p:cNvSpPr>
+            <a:spLocks noGrp="1"/>
+          </p:cNvSpPr>
+          <p:nvPr>
+            <p:ph idx="1"/>
+          </p:nvPr>
         </p:nvSpPr>
         <p:spPr>
           <a:xfrm>
-            <a:off x="3559811" y="4982646"/>
-            <a:ext cx="1116844" cy="369332"/>
+            <a:off x="838200" y="1690688"/>
+            <a:ext cx="10370906" cy="4165581"/>
+          </a:xfrm>
+        </p:spPr>
+        <p:txBody>
+          <a:bodyPr>
+            <a:normAutofit/>
+          </a:bodyPr>
+          <a:lstStyle/>
+          <a:p>
+            <a:r>
+              <a:rPr lang="en-US" sz="2000" dirty="0"/>
+              <a:t>XSHOT model is a two-step approach with Shortlisting and Reranking.</a:t>
+            </a:r>
+          </a:p>
+          <a:p>
+            <a:r>
+              <a:rPr lang="en-US" sz="2000" dirty="0"/>
+              <a:t>Input: source/target locale utterances with labeled skills</a:t>
+            </a:r>
+          </a:p>
+          <a:p>
+            <a:r>
+              <a:rPr lang="en-US" sz="2000" dirty="0"/>
+              <a:t>Output: predicted positive source locales skills for target locale utterances.</a:t>
+            </a:r>
+          </a:p>
+          <a:p>
+            <a:r>
+              <a:rPr lang="en-US" altLang="zh-CN" sz="2000" dirty="0"/>
+              <a:t>Model</a:t>
+            </a:r>
+            <a:r>
+              <a:rPr lang="zh-CN" altLang="en-US" sz="2000" dirty="0"/>
+              <a:t> </a:t>
+            </a:r>
+            <a:r>
+              <a:rPr lang="en-US" altLang="zh-CN" sz="2000" dirty="0"/>
+              <a:t>Formulation:</a:t>
+            </a:r>
+          </a:p>
+          <a:p>
+            <a:pPr lvl="1"/>
+            <a:r>
+              <a:rPr lang="en-US" altLang="zh-CN" sz="1600" dirty="0"/>
+              <a:t>A</a:t>
+            </a:r>
+            <a:r>
+              <a:rPr lang="zh-CN" altLang="en-US" sz="1600" dirty="0"/>
+              <a:t> </a:t>
+            </a:r>
+            <a:r>
+              <a:rPr lang="en-US" altLang="zh-CN" sz="1600" dirty="0"/>
+              <a:t>two-step listwise approach to firstly apply Shortlisting to retrieve the top K</a:t>
+            </a:r>
+            <a:r>
+              <a:rPr lang="zh-CN" altLang="en-US" sz="1600" dirty="0"/>
+              <a:t> </a:t>
+            </a:r>
+            <a:r>
+              <a:rPr lang="en-US" altLang="zh-CN" sz="1600" dirty="0"/>
+              <a:t>most relevant skills, then leverage Reranking to rank the filtered skills.</a:t>
+            </a:r>
+            <a:r>
+              <a:rPr lang="zh-CN" altLang="en-US" sz="1600" dirty="0"/>
+              <a:t> </a:t>
+            </a:r>
+            <a:r>
+              <a:rPr lang="en-US" altLang="zh-CN" sz="1600" dirty="0"/>
+              <a:t>We only need to minimize the prediction discrepancy for each utterance u</a:t>
+            </a:r>
+            <a:r>
+              <a:rPr lang="zh-CN" altLang="en-US" sz="1600" dirty="0"/>
+              <a:t> </a:t>
+            </a:r>
+            <a:r>
+              <a:rPr lang="en-US" altLang="zh-CN" sz="1600" dirty="0"/>
+              <a:t>and its filtered Shortlisting skill sequence V:</a:t>
+            </a:r>
+          </a:p>
+          <a:p>
+            <a:pPr lvl="1"/>
+            <a:endParaRPr lang="en-US" altLang="zh-CN" sz="1600" dirty="0"/>
+          </a:p>
+        </p:txBody>
+      </p:sp>
+      <p:sp>
+        <p:nvSpPr>
+          <p:cNvPr id="4" name="Date Placeholder 3">
+            <a:extLst>
+              <a:ext uri="{FF2B5EF4-FFF2-40B4-BE49-F238E27FC236}">
+                <a16:creationId xmlns:a16="http://schemas.microsoft.com/office/drawing/2014/main" id="{5C290958-4AA7-BD4F-B0F5-F9F00E116196}"/>
+              </a:ext>
+            </a:extLst>
+          </p:cNvPr>
+          <p:cNvSpPr>
+            <a:spLocks noGrp="1"/>
+          </p:cNvSpPr>
+          <p:nvPr>
+            <p:ph type="dt" sz="half" idx="10"/>
+          </p:nvPr>
+        </p:nvSpPr>
+        <p:spPr/>
+        <p:txBody>
+          <a:bodyPr/>
+          <a:lstStyle/>
+          <a:p>
+            <a:r>
+              <a:rPr lang="en-US" altLang="zh-CN" dirty="0"/>
+              <a:t>07/22/2021</a:t>
+            </a:r>
+            <a:endParaRPr lang="en-US" dirty="0"/>
+          </a:p>
+        </p:txBody>
+      </p:sp>
+      <p:sp>
+        <p:nvSpPr>
+          <p:cNvPr id="6" name="Footer Placeholder 5">
+            <a:extLst>
+              <a:ext uri="{FF2B5EF4-FFF2-40B4-BE49-F238E27FC236}">
+                <a16:creationId xmlns:a16="http://schemas.microsoft.com/office/drawing/2014/main" id="{9813C23F-EDB9-274D-835A-81DC64BC6409}"/>
+              </a:ext>
+            </a:extLst>
+          </p:cNvPr>
+          <p:cNvSpPr>
+            <a:spLocks noGrp="1"/>
+          </p:cNvSpPr>
+          <p:nvPr>
+            <p:ph type="ftr" sz="quarter" idx="11"/>
+          </p:nvPr>
+        </p:nvSpPr>
+        <p:spPr/>
+        <p:txBody>
+          <a:bodyPr/>
+          <a:lstStyle/>
+          <a:p>
+            <a:r>
+              <a:rPr lang="en-US" dirty="0"/>
+              <a:t>Confidential, do not distribute</a:t>
+            </a:r>
+          </a:p>
+        </p:txBody>
+      </p:sp>
+      <p:sp>
+        <p:nvSpPr>
+          <p:cNvPr id="7" name="Slide Number Placeholder 6">
+            <a:extLst>
+              <a:ext uri="{FF2B5EF4-FFF2-40B4-BE49-F238E27FC236}">
+                <a16:creationId xmlns:a16="http://schemas.microsoft.com/office/drawing/2014/main" id="{F513CB1F-06BD-7A47-ADFF-652B3ED321F0}"/>
+              </a:ext>
+            </a:extLst>
+          </p:cNvPr>
+          <p:cNvSpPr>
+            <a:spLocks noGrp="1"/>
+          </p:cNvSpPr>
+          <p:nvPr>
+            <p:ph type="sldNum" sz="quarter" idx="12"/>
+          </p:nvPr>
+        </p:nvSpPr>
+        <p:spPr/>
+        <p:txBody>
+          <a:bodyPr/>
+          <a:lstStyle/>
+          <a:p>
+            <a:fld id="{6615785A-6CC9-604F-A350-0F2C666BA50C}" type="slidenum">
+              <a:rPr lang="en-US" smtClean="0"/>
+              <a:t>3</a:t>
+            </a:fld>
+            <a:endParaRPr lang="en-US"/>
+          </a:p>
+        </p:txBody>
+      </p:sp>
+      <p:pic>
+        <p:nvPicPr>
+          <p:cNvPr id="9" name="Picture 8">
+            <a:extLst>
+              <a:ext uri="{FF2B5EF4-FFF2-40B4-BE49-F238E27FC236}">
+                <a16:creationId xmlns:a16="http://schemas.microsoft.com/office/drawing/2014/main" id="{F3B6552F-62E4-BA47-B3BB-4B3F1DA75039}"/>
+              </a:ext>
+            </a:extLst>
+          </p:cNvPr>
+          <p:cNvPicPr>
+            <a:picLocks noChangeAspect="1"/>
+          </p:cNvPicPr>
+          <p:nvPr/>
+        </p:nvPicPr>
+        <p:blipFill>
+          <a:blip r:embed="rId3"/>
+          <a:stretch>
+            <a:fillRect/>
+          </a:stretch>
+        </p:blipFill>
+        <p:spPr>
+          <a:xfrm>
+            <a:off x="2005387" y="4469579"/>
+            <a:ext cx="7277100" cy="876300"/>
           </a:xfrm>
           <a:prstGeom prst="rect">
             <a:avLst/>
           </a:prstGeom>
-          <a:noFill/>
         </p:spPr>
-        <p:txBody>
-          <a:bodyPr wrap="none" rtlCol="0">
-            <a:spAutoFit/>
-          </a:bodyPr>
-          <a:lstStyle/>
-          <a:p>
-            <a:r>
-              <a:rPr lang="en-US" altLang="zh-CN" dirty="0">
-                <a:solidFill>
-                  <a:srgbClr val="FF0000"/>
-                </a:solidFill>
-              </a:rPr>
-              <a:t>Reranking</a:t>
-            </a:r>
-            <a:endParaRPr lang="en-US" dirty="0">
-              <a:solidFill>
-                <a:srgbClr val="FF0000"/>
-              </a:solidFill>
-            </a:endParaRPr>
-          </a:p>
-        </p:txBody>
-      </p:sp>
-      <p:sp>
-        <p:nvSpPr>
-          <p:cNvPr id="21" name="Left Brace 20">
-            <a:extLst>
-              <a:ext uri="{FF2B5EF4-FFF2-40B4-BE49-F238E27FC236}">
-                <a16:creationId xmlns:a16="http://schemas.microsoft.com/office/drawing/2014/main" id="{BE969A9A-5EB3-8D44-B9F1-53A3F084685B}"/>
-              </a:ext>
-            </a:extLst>
-          </p:cNvPr>
-          <p:cNvSpPr/>
+      </p:pic>
+    </p:spTree>
+    <p:extLst>
+      <p:ext uri="{BB962C8B-B14F-4D97-AF65-F5344CB8AC3E}">
+        <p14:creationId xmlns:p14="http://schemas.microsoft.com/office/powerpoint/2010/main" val="1114792415"/>
+      </p:ext>
+    </p:extLst>
+  </p:cSld>
+  <p:clrMapOvr>
+    <a:masterClrMapping/>
+  </p:clrMapOvr>
+</p:sld>
+</file>
+
+<file path=ppt/slides/slide4.xml><?xml version="1.0" encoding="utf-8"?>
+<p:sld xmlns:a="http://schemas.openxmlformats.org/drawingml/2006/main" xmlns:r="http://schemas.openxmlformats.org/officeDocument/2006/relationships" xmlns:p="http://schemas.openxmlformats.org/presentationml/2006/main">
+  <p:cSld>
+    <p:spTree>
+      <p:nvGrpSpPr>
+        <p:cNvPr id="1" name=""/>
+        <p:cNvGrpSpPr/>
+        <p:nvPr/>
+      </p:nvGrpSpPr>
+      <p:grpSpPr>
+        <a:xfrm>
+          <a:off x="0" y="0"/>
+          <a:ext cx="0" cy="0"/>
+          <a:chOff x="0" y="0"/>
+          <a:chExt cx="0" cy="0"/>
+        </a:xfrm>
+      </p:grpSpPr>
+      <p:sp>
+        <p:nvSpPr>
+          <p:cNvPr id="2" name="Title 1">
+            <a:extLst>
+              <a:ext uri="{FF2B5EF4-FFF2-40B4-BE49-F238E27FC236}">
+                <a16:creationId xmlns:a16="http://schemas.microsoft.com/office/drawing/2014/main" id="{5B1477C2-FD27-2B4C-8D83-A235F981A9C9}"/>
+              </a:ext>
+            </a:extLst>
+          </p:cNvPr>
+          <p:cNvSpPr>
+            <a:spLocks noGrp="1"/>
+          </p:cNvSpPr>
+          <p:nvPr>
+            <p:ph type="title"/>
+          </p:nvPr>
+        </p:nvSpPr>
+        <p:spPr/>
+        <p:txBody>
+          <a:bodyPr/>
+          <a:lstStyle/>
+          <a:p>
+            <a:r>
+              <a:rPr lang="en-US" dirty="0"/>
+              <a:t>Fram</a:t>
+            </a:r>
+            <a:r>
+              <a:rPr lang="en-US" altLang="zh-CN" dirty="0"/>
+              <a:t>ework</a:t>
+            </a:r>
+            <a:r>
+              <a:rPr lang="zh-CN" altLang="en-US" dirty="0"/>
+              <a:t> </a:t>
+            </a:r>
+            <a:r>
+              <a:rPr lang="en-US" altLang="zh-CN" dirty="0"/>
+              <a:t>Diagram</a:t>
+            </a:r>
+            <a:endParaRPr lang="en-US" dirty="0"/>
+          </a:p>
+        </p:txBody>
+      </p:sp>
+      <p:sp>
+        <p:nvSpPr>
+          <p:cNvPr id="3" name="Content Placeholder 2">
+            <a:extLst>
+              <a:ext uri="{FF2B5EF4-FFF2-40B4-BE49-F238E27FC236}">
+                <a16:creationId xmlns:a16="http://schemas.microsoft.com/office/drawing/2014/main" id="{7C48D5A3-D9F3-7343-A4BC-455488137DEE}"/>
+              </a:ext>
+            </a:extLst>
+          </p:cNvPr>
+          <p:cNvSpPr>
+            <a:spLocks noGrp="1"/>
+          </p:cNvSpPr>
+          <p:nvPr>
+            <p:ph idx="1"/>
+          </p:nvPr>
+        </p:nvSpPr>
+        <p:spPr/>
+        <p:txBody>
+          <a:bodyPr/>
+          <a:lstStyle/>
+          <a:p>
+            <a:r>
+              <a:rPr lang="en-US" altLang="zh-CN" dirty="0"/>
+              <a:t>The</a:t>
+            </a:r>
+            <a:r>
+              <a:rPr lang="zh-CN" altLang="en-US" dirty="0"/>
+              <a:t> </a:t>
+            </a:r>
+            <a:r>
+              <a:rPr lang="en-US" altLang="zh-CN" dirty="0"/>
+              <a:t>diagram</a:t>
+            </a:r>
+            <a:r>
+              <a:rPr lang="zh-CN" altLang="en-US" dirty="0"/>
+              <a:t> </a:t>
+            </a:r>
+            <a:r>
+              <a:rPr lang="en-US" altLang="zh-CN" dirty="0"/>
+              <a:t>shows</a:t>
+            </a:r>
+            <a:r>
+              <a:rPr lang="zh-CN" altLang="en-US" dirty="0"/>
+              <a:t> </a:t>
+            </a:r>
+            <a:r>
+              <a:rPr lang="en-US" altLang="zh-CN" dirty="0"/>
+              <a:t>the</a:t>
+            </a:r>
+            <a:r>
+              <a:rPr lang="zh-CN" altLang="en-US" dirty="0"/>
+              <a:t> </a:t>
+            </a:r>
+            <a:r>
+              <a:rPr lang="en-US" altLang="zh-CN" dirty="0"/>
+              <a:t>model</a:t>
+            </a:r>
+            <a:r>
+              <a:rPr lang="zh-CN" altLang="en-US" dirty="0"/>
+              <a:t> </a:t>
+            </a:r>
+            <a:r>
+              <a:rPr lang="en-US" altLang="zh-CN" dirty="0"/>
+              <a:t>training</a:t>
+            </a:r>
+            <a:r>
+              <a:rPr lang="zh-CN" altLang="en-US" dirty="0"/>
+              <a:t> </a:t>
+            </a:r>
+            <a:r>
+              <a:rPr lang="en-US" altLang="zh-CN" dirty="0"/>
+              <a:t>in</a:t>
+            </a:r>
+            <a:r>
+              <a:rPr lang="zh-CN" altLang="en-US" dirty="0"/>
+              <a:t> </a:t>
+            </a:r>
+            <a:r>
+              <a:rPr lang="en-US" altLang="zh-CN" dirty="0"/>
+              <a:t>one</a:t>
+            </a:r>
+            <a:r>
+              <a:rPr lang="zh-CN" altLang="en-US" dirty="0"/>
+              <a:t> </a:t>
+            </a:r>
+            <a:r>
+              <a:rPr lang="en-US" altLang="zh-CN" dirty="0"/>
+              <a:t>data</a:t>
+            </a:r>
+            <a:r>
+              <a:rPr lang="zh-CN" altLang="en-US" dirty="0"/>
+              <a:t> </a:t>
+            </a:r>
+            <a:r>
+              <a:rPr lang="en-US" altLang="zh-CN" dirty="0"/>
+              <a:t>shard</a:t>
+            </a:r>
+            <a:r>
+              <a:rPr lang="zh-CN" altLang="en-US" dirty="0"/>
+              <a:t> </a:t>
+            </a:r>
+            <a:r>
+              <a:rPr lang="en-US" altLang="zh-CN" dirty="0"/>
+              <a:t>in</a:t>
+            </a:r>
+            <a:r>
+              <a:rPr lang="zh-CN" altLang="en-US" dirty="0"/>
+              <a:t> </a:t>
+            </a:r>
+            <a:r>
+              <a:rPr lang="en-US" altLang="zh-CN" dirty="0"/>
+              <a:t>the</a:t>
+            </a:r>
+            <a:r>
+              <a:rPr lang="zh-CN" altLang="en-US" dirty="0"/>
+              <a:t> </a:t>
+            </a:r>
+            <a:r>
+              <a:rPr lang="en-US" altLang="zh-CN" dirty="0"/>
+              <a:t>target</a:t>
+            </a:r>
+            <a:r>
+              <a:rPr lang="zh-CN" altLang="en-US" dirty="0"/>
+              <a:t> </a:t>
+            </a:r>
+            <a:r>
+              <a:rPr lang="en-US" altLang="zh-CN" dirty="0"/>
+              <a:t>locale.</a:t>
+            </a:r>
+          </a:p>
+          <a:p>
+            <a:endParaRPr lang="en-US" dirty="0"/>
+          </a:p>
+        </p:txBody>
+      </p:sp>
+      <p:pic>
+        <p:nvPicPr>
+          <p:cNvPr id="4" name="Content Placeholder 7">
+            <a:extLst>
+              <a:ext uri="{FF2B5EF4-FFF2-40B4-BE49-F238E27FC236}">
+                <a16:creationId xmlns:a16="http://schemas.microsoft.com/office/drawing/2014/main" id="{ACA03F52-4C30-544F-9826-A3C1CD1986C3}"/>
+              </a:ext>
+            </a:extLst>
+          </p:cNvPr>
+          <p:cNvPicPr>
+            <a:picLocks noChangeAspect="1"/>
+          </p:cNvPicPr>
           <p:nvPr/>
-        </p:nvSpPr>
+        </p:nvPicPr>
+        <p:blipFill>
+          <a:blip r:embed="rId2"/>
+          <a:stretch>
+            <a:fillRect/>
+          </a:stretch>
+        </p:blipFill>
         <p:spPr>
           <a:xfrm>
-            <a:off x="4680069" y="4098213"/>
-            <a:ext cx="311972" cy="1961801"/>
-          </a:xfrm>
-          <a:prstGeom prst="leftBrace">
-            <a:avLst/>
-          </a:prstGeom>
-          <a:ln>
-            <a:solidFill>
-              <a:srgbClr val="FF0000"/>
-            </a:solidFill>
-          </a:ln>
-        </p:spPr>
-        <p:style>
-          <a:lnRef idx="1">
-            <a:schemeClr val="accent1"/>
-          </a:lnRef>
-          <a:fillRef idx="0">
-            <a:schemeClr val="accent1"/>
-          </a:fillRef>
-          <a:effectRef idx="0">
-            <a:schemeClr val="accent1"/>
-          </a:effectRef>
-          <a:fontRef idx="minor">
-            <a:schemeClr val="tx1"/>
-          </a:fontRef>
-        </p:style>
-        <p:txBody>
-          <a:bodyPr rtlCol="0" anchor="ctr"/>
-          <a:lstStyle/>
-          <a:p>
-            <a:pPr algn="ctr"/>
-            <a:endParaRPr lang="en-US"/>
-          </a:p>
-        </p:txBody>
-      </p:sp>
-      <p:sp>
-        <p:nvSpPr>
-          <p:cNvPr id="22" name="TextBox 21">
-            <a:extLst>
-              <a:ext uri="{FF2B5EF4-FFF2-40B4-BE49-F238E27FC236}">
-                <a16:creationId xmlns:a16="http://schemas.microsoft.com/office/drawing/2014/main" id="{E8E6D1FF-037F-3A4C-A296-DDB34F4E3EAD}"/>
-              </a:ext>
-            </a:extLst>
-          </p:cNvPr>
-          <p:cNvSpPr txBox="1"/>
-          <p:nvPr/>
-        </p:nvSpPr>
-        <p:spPr>
-          <a:xfrm>
-            <a:off x="4924470" y="2529703"/>
-            <a:ext cx="1441228" cy="369332"/>
+            <a:off x="766281" y="2729134"/>
+            <a:ext cx="10371138" cy="3184672"/>
           </a:xfrm>
           <a:prstGeom prst="rect">
             <a:avLst/>
           </a:prstGeom>
-          <a:noFill/>
         </p:spPr>
-        <p:txBody>
-          <a:bodyPr wrap="none" rtlCol="0">
-            <a:spAutoFit/>
-          </a:bodyPr>
-          <a:lstStyle/>
-          <a:p>
-            <a:r>
-              <a:rPr lang="en-US" altLang="zh-CN" dirty="0">
-                <a:solidFill>
-                  <a:srgbClr val="FF0000"/>
-                </a:solidFill>
-              </a:rPr>
-              <a:t>Data</a:t>
-            </a:r>
-            <a:r>
-              <a:rPr lang="zh-CN" altLang="en-US" dirty="0">
-                <a:solidFill>
-                  <a:srgbClr val="FF0000"/>
-                </a:solidFill>
-              </a:rPr>
-              <a:t> </a:t>
-            </a:r>
-            <a:r>
-              <a:rPr lang="en-US" altLang="zh-CN" dirty="0">
-                <a:solidFill>
-                  <a:srgbClr val="FF0000"/>
-                </a:solidFill>
-              </a:rPr>
-              <a:t>Splitting</a:t>
-            </a:r>
-            <a:endParaRPr lang="en-US" dirty="0">
-              <a:solidFill>
-                <a:srgbClr val="FF0000"/>
-              </a:solidFill>
-            </a:endParaRPr>
-          </a:p>
-        </p:txBody>
-      </p:sp>
+      </p:pic>
     </p:spTree>
     <p:extLst>
       <p:ext uri="{BB962C8B-B14F-4D97-AF65-F5344CB8AC3E}">
-        <p14:creationId xmlns:p14="http://schemas.microsoft.com/office/powerpoint/2010/main" val="1683375039"/>
+        <p14:creationId xmlns:p14="http://schemas.microsoft.com/office/powerpoint/2010/main" val="653413767"/>
       </p:ext>
     </p:extLst>
   </p:cSld>
@@ -7929,390 +8879,35 @@
           <a:p>
             <a:r>
               <a:rPr lang="en-US" altLang="zh-CN" dirty="0"/>
-              <a:t>Shortlisting</a:t>
+              <a:t>Framework</a:t>
+            </a:r>
+            <a:r>
+              <a:rPr lang="zh-CN" altLang="en-US" dirty="0"/>
+              <a:t> </a:t>
+            </a:r>
+            <a:r>
+              <a:rPr lang="en-US" altLang="zh-CN" dirty="0"/>
+              <a:t>Overview</a:t>
             </a:r>
             <a:endParaRPr lang="en-US" dirty="0"/>
-          </a:p>
-        </p:txBody>
-      </p:sp>
-      <p:sp>
-        <p:nvSpPr>
-          <p:cNvPr id="3" name="Content Placeholder 2">
-            <a:extLst>
-              <a:ext uri="{FF2B5EF4-FFF2-40B4-BE49-F238E27FC236}">
-                <a16:creationId xmlns:a16="http://schemas.microsoft.com/office/drawing/2014/main" id="{27FEC3C0-5696-2E4A-A49B-E7E1B00DFE38}"/>
-              </a:ext>
-            </a:extLst>
-          </p:cNvPr>
-          <p:cNvSpPr>
-            <a:spLocks noGrp="1"/>
-          </p:cNvSpPr>
-          <p:nvPr>
-            <p:ph idx="1"/>
-          </p:nvPr>
-        </p:nvSpPr>
-        <p:spPr>
-          <a:xfrm>
-            <a:off x="838200" y="1690688"/>
-            <a:ext cx="10370906" cy="4165581"/>
-          </a:xfrm>
-        </p:spPr>
-        <p:txBody>
-          <a:bodyPr>
-            <a:normAutofit/>
-          </a:bodyPr>
-          <a:lstStyle/>
-          <a:p>
-            <a:r>
-              <a:rPr lang="en-US" altLang="zh-CN" sz="2000" dirty="0"/>
-              <a:t>Elasticsearch</a:t>
-            </a:r>
-            <a:r>
-              <a:rPr lang="zh-CN" altLang="en-US" sz="2000" dirty="0"/>
-              <a:t> </a:t>
-            </a:r>
-            <a:r>
-              <a:rPr lang="en-US" altLang="zh-CN" sz="2000" dirty="0"/>
-              <a:t>applies</a:t>
-            </a:r>
-            <a:r>
-              <a:rPr lang="zh-CN" altLang="en-US" sz="2000" dirty="0"/>
-              <a:t> </a:t>
-            </a:r>
-            <a:r>
-              <a:rPr lang="en-US" altLang="zh-CN" sz="2000" dirty="0"/>
-              <a:t>TF-IDF</a:t>
-            </a:r>
-            <a:r>
-              <a:rPr lang="zh-CN" altLang="en-US" sz="2000" dirty="0"/>
-              <a:t> </a:t>
-            </a:r>
-            <a:r>
-              <a:rPr lang="en-US" altLang="zh-CN" sz="2000" dirty="0"/>
-              <a:t>model</a:t>
-            </a:r>
-            <a:r>
-              <a:rPr lang="zh-CN" altLang="en-US" sz="2000" dirty="0"/>
-              <a:t> </a:t>
-            </a:r>
-            <a:r>
-              <a:rPr lang="en-US" altLang="zh-CN" sz="2000" dirty="0"/>
-              <a:t>to</a:t>
-            </a:r>
-            <a:r>
-              <a:rPr lang="zh-CN" altLang="en-US" sz="2000" dirty="0"/>
-              <a:t> </a:t>
-            </a:r>
-            <a:r>
-              <a:rPr lang="en-US" altLang="zh-CN" sz="2000" dirty="0"/>
-              <a:t>search</a:t>
-            </a:r>
-            <a:r>
-              <a:rPr lang="zh-CN" altLang="en-US" sz="2000" dirty="0"/>
-              <a:t> </a:t>
-            </a:r>
-            <a:r>
-              <a:rPr lang="en-US" altLang="zh-CN" sz="2000" dirty="0"/>
-              <a:t>the</a:t>
-            </a:r>
-            <a:r>
-              <a:rPr lang="zh-CN" altLang="en-US" sz="2000" dirty="0"/>
-              <a:t> </a:t>
-            </a:r>
-            <a:r>
-              <a:rPr lang="en-US" altLang="zh-CN" sz="2000" dirty="0"/>
-              <a:t>top</a:t>
-            </a:r>
-            <a:r>
-              <a:rPr lang="zh-CN" altLang="en-US" sz="2000" dirty="0"/>
-              <a:t> </a:t>
-            </a:r>
-            <a:r>
-              <a:rPr lang="en-US" altLang="zh-CN" sz="2000" dirty="0"/>
-              <a:t>K</a:t>
-            </a:r>
-            <a:r>
-              <a:rPr lang="zh-CN" altLang="en-US" sz="2000" dirty="0"/>
-              <a:t> </a:t>
-            </a:r>
-            <a:r>
-              <a:rPr lang="en-US" altLang="zh-CN" sz="2000" dirty="0"/>
-              <a:t>skills</a:t>
-            </a:r>
-            <a:r>
-              <a:rPr lang="zh-CN" altLang="en-US" sz="2000" dirty="0"/>
-              <a:t> </a:t>
-            </a:r>
-            <a:r>
-              <a:rPr lang="en-US" altLang="zh-CN" sz="2000" dirty="0"/>
-              <a:t>for</a:t>
-            </a:r>
-            <a:r>
-              <a:rPr lang="zh-CN" altLang="en-US" sz="2000" dirty="0"/>
-              <a:t> </a:t>
-            </a:r>
-            <a:r>
-              <a:rPr lang="en-US" altLang="zh-CN" sz="2000" dirty="0"/>
-              <a:t>an</a:t>
-            </a:r>
-            <a:r>
-              <a:rPr lang="zh-CN" altLang="en-US" sz="2000" dirty="0"/>
-              <a:t> </a:t>
-            </a:r>
-            <a:r>
-              <a:rPr lang="en-US" altLang="zh-CN" sz="2000" dirty="0"/>
-              <a:t>utterance</a:t>
-            </a:r>
-            <a:r>
-              <a:rPr lang="zh-CN" altLang="en-US" sz="2000" dirty="0"/>
-              <a:t> </a:t>
-            </a:r>
-            <a:r>
-              <a:rPr lang="en-US" altLang="zh-CN" sz="2000" dirty="0"/>
-              <a:t>in</a:t>
-            </a:r>
-            <a:r>
-              <a:rPr lang="zh-CN" altLang="en-US" sz="2000" dirty="0"/>
-              <a:t> </a:t>
-            </a:r>
-            <a:r>
-              <a:rPr lang="en-US" altLang="zh-CN" sz="2000" dirty="0"/>
-              <a:t>both</a:t>
-            </a:r>
-            <a:r>
-              <a:rPr lang="zh-CN" altLang="en-US" sz="2000" dirty="0"/>
-              <a:t> </a:t>
-            </a:r>
-            <a:r>
-              <a:rPr lang="en-US" altLang="zh-CN" sz="2000" dirty="0"/>
-              <a:t>locales.</a:t>
-            </a:r>
-          </a:p>
-          <a:p>
-            <a:endParaRPr lang="en-US" altLang="zh-CN" sz="2000" dirty="0"/>
-          </a:p>
-          <a:p>
-            <a:endParaRPr lang="en-US" altLang="zh-CN" sz="2000" dirty="0"/>
-          </a:p>
-          <a:p>
-            <a:endParaRPr lang="en-US" altLang="zh-CN" sz="2000" dirty="0"/>
-          </a:p>
-          <a:p>
-            <a:r>
-              <a:rPr lang="en-US" altLang="zh-CN" sz="2000" dirty="0"/>
-              <a:t>Based</a:t>
-            </a:r>
-            <a:r>
-              <a:rPr lang="zh-CN" altLang="en-US" sz="2000" dirty="0"/>
-              <a:t> </a:t>
-            </a:r>
-            <a:r>
-              <a:rPr lang="en-US" altLang="zh-CN" sz="2000" dirty="0"/>
-              <a:t>on</a:t>
-            </a:r>
-            <a:r>
-              <a:rPr lang="zh-CN" altLang="en-US" sz="2000" dirty="0"/>
-              <a:t> </a:t>
-            </a:r>
-            <a:r>
-              <a:rPr lang="en-US" altLang="zh-CN" sz="2000" dirty="0"/>
-              <a:t>the</a:t>
-            </a:r>
-            <a:r>
-              <a:rPr lang="zh-CN" altLang="en-US" sz="2000" dirty="0"/>
-              <a:t> </a:t>
-            </a:r>
-            <a:r>
-              <a:rPr lang="en-US" altLang="zh-CN" sz="2000" dirty="0"/>
-              <a:t>rule</a:t>
-            </a:r>
-            <a:r>
-              <a:rPr lang="zh-CN" altLang="en-US" sz="2000" dirty="0"/>
-              <a:t> </a:t>
-            </a:r>
-            <a:r>
-              <a:rPr lang="en-US" altLang="zh-CN" sz="2000" dirty="0"/>
-              <a:t>based</a:t>
-            </a:r>
-            <a:r>
-              <a:rPr lang="zh-CN" altLang="en-US" sz="2000" dirty="0"/>
-              <a:t> </a:t>
-            </a:r>
-            <a:r>
-              <a:rPr lang="en-US" altLang="zh-CN" sz="2000" dirty="0"/>
-              <a:t>matching</a:t>
-            </a:r>
-            <a:r>
-              <a:rPr lang="zh-CN" altLang="en-US" sz="2000" dirty="0"/>
-              <a:t> </a:t>
-            </a:r>
-            <a:r>
-              <a:rPr lang="en-US" altLang="zh-CN" sz="2000" dirty="0"/>
-              <a:t>between</a:t>
-            </a:r>
-            <a:r>
-              <a:rPr lang="zh-CN" altLang="en-US" sz="2000" dirty="0"/>
-              <a:t> </a:t>
-            </a:r>
-            <a:r>
-              <a:rPr lang="en-US" altLang="zh-CN" sz="2000" dirty="0"/>
-              <a:t>utterance</a:t>
-            </a:r>
-            <a:r>
-              <a:rPr lang="zh-CN" altLang="en-US" sz="2000" dirty="0"/>
-              <a:t> </a:t>
-            </a:r>
-            <a:r>
-              <a:rPr lang="en-US" altLang="zh-CN" sz="2000" dirty="0"/>
-              <a:t>text</a:t>
-            </a:r>
-            <a:r>
-              <a:rPr lang="zh-CN" altLang="en-US" sz="2000" dirty="0"/>
-              <a:t> </a:t>
-            </a:r>
-            <a:r>
-              <a:rPr lang="en-US" altLang="zh-CN" sz="2000" dirty="0"/>
-              <a:t>and</a:t>
-            </a:r>
-            <a:r>
-              <a:rPr lang="zh-CN" altLang="en-US" sz="2000" dirty="0"/>
-              <a:t> </a:t>
-            </a:r>
-            <a:r>
-              <a:rPr lang="en-US" altLang="zh-CN" sz="2000" dirty="0"/>
-              <a:t>skill</a:t>
-            </a:r>
-            <a:r>
-              <a:rPr lang="zh-CN" altLang="en-US" sz="2000" dirty="0"/>
-              <a:t> </a:t>
-            </a:r>
-            <a:r>
-              <a:rPr lang="en-US" altLang="zh-CN" sz="2000" dirty="0"/>
-              <a:t>definition</a:t>
-            </a:r>
-            <a:r>
-              <a:rPr lang="zh-CN" altLang="en-US" sz="2000" dirty="0"/>
-              <a:t> </a:t>
-            </a:r>
-            <a:r>
-              <a:rPr lang="en-US" altLang="zh-CN" sz="2000" dirty="0"/>
-              <a:t>and</a:t>
-            </a:r>
-            <a:r>
-              <a:rPr lang="zh-CN" altLang="en-US" sz="2000" dirty="0"/>
-              <a:t> </a:t>
-            </a:r>
-            <a:r>
-              <a:rPr lang="en-US" altLang="zh-CN" sz="2000" dirty="0"/>
-              <a:t>category.</a:t>
-            </a:r>
-            <a:r>
-              <a:rPr lang="zh-CN" altLang="en-US" sz="2000" dirty="0"/>
-              <a:t> </a:t>
-            </a:r>
-            <a:endParaRPr lang="en-US" sz="2000" dirty="0"/>
-          </a:p>
-        </p:txBody>
-      </p:sp>
-      <p:sp>
-        <p:nvSpPr>
-          <p:cNvPr id="4" name="Date Placeholder 3">
-            <a:extLst>
-              <a:ext uri="{FF2B5EF4-FFF2-40B4-BE49-F238E27FC236}">
-                <a16:creationId xmlns:a16="http://schemas.microsoft.com/office/drawing/2014/main" id="{5C290958-4AA7-BD4F-B0F5-F9F00E116196}"/>
-              </a:ext>
-            </a:extLst>
-          </p:cNvPr>
-          <p:cNvSpPr>
-            <a:spLocks noGrp="1"/>
-          </p:cNvSpPr>
-          <p:nvPr>
-            <p:ph type="dt" sz="half" idx="10"/>
-          </p:nvPr>
-        </p:nvSpPr>
-        <p:spPr/>
-        <p:txBody>
-          <a:bodyPr/>
-          <a:lstStyle/>
-          <a:p>
-            <a:r>
-              <a:rPr lang="en-US" altLang="zh-CN" dirty="0"/>
-              <a:t>07/22/2021</a:t>
-            </a:r>
-            <a:endParaRPr lang="en-US" dirty="0"/>
-          </a:p>
-        </p:txBody>
-      </p:sp>
-      <p:sp>
-        <p:nvSpPr>
-          <p:cNvPr id="6" name="Footer Placeholder 5">
-            <a:extLst>
-              <a:ext uri="{FF2B5EF4-FFF2-40B4-BE49-F238E27FC236}">
-                <a16:creationId xmlns:a16="http://schemas.microsoft.com/office/drawing/2014/main" id="{9813C23F-EDB9-274D-835A-81DC64BC6409}"/>
-              </a:ext>
-            </a:extLst>
-          </p:cNvPr>
-          <p:cNvSpPr>
-            <a:spLocks noGrp="1"/>
-          </p:cNvSpPr>
-          <p:nvPr>
-            <p:ph type="ftr" sz="quarter" idx="11"/>
-          </p:nvPr>
-        </p:nvSpPr>
-        <p:spPr/>
-        <p:txBody>
-          <a:bodyPr/>
-          <a:lstStyle/>
-          <a:p>
-            <a:r>
-              <a:rPr lang="en-US" dirty="0"/>
-              <a:t>Confidential, do not distribute</a:t>
-            </a:r>
-          </a:p>
-        </p:txBody>
-      </p:sp>
-      <p:sp>
-        <p:nvSpPr>
-          <p:cNvPr id="7" name="Slide Number Placeholder 6">
-            <a:extLst>
-              <a:ext uri="{FF2B5EF4-FFF2-40B4-BE49-F238E27FC236}">
-                <a16:creationId xmlns:a16="http://schemas.microsoft.com/office/drawing/2014/main" id="{F513CB1F-06BD-7A47-ADFF-652B3ED321F0}"/>
-              </a:ext>
-            </a:extLst>
-          </p:cNvPr>
-          <p:cNvSpPr>
-            <a:spLocks noGrp="1"/>
-          </p:cNvSpPr>
-          <p:nvPr>
-            <p:ph type="sldNum" sz="quarter" idx="12"/>
-          </p:nvPr>
-        </p:nvSpPr>
-        <p:spPr/>
-        <p:txBody>
-          <a:bodyPr/>
-          <a:lstStyle/>
-          <a:p>
-            <a:fld id="{6615785A-6CC9-604F-A350-0F2C666BA50C}" type="slidenum">
-              <a:rPr lang="en-US" smtClean="0"/>
-              <a:t>5</a:t>
-            </a:fld>
-            <a:endParaRPr lang="en-US"/>
           </a:p>
         </p:txBody>
       </p:sp>
       <p:pic>
         <p:nvPicPr>
-          <p:cNvPr id="8" name="Picture 7">
-            <a:extLst>
-              <a:ext uri="{FF2B5EF4-FFF2-40B4-BE49-F238E27FC236}">
-                <a16:creationId xmlns:a16="http://schemas.microsoft.com/office/drawing/2014/main" id="{E3F44811-8B0E-C740-9871-3B001DBC599D}"/>
+          <p:cNvPr id="8" name="Content Placeholder 7">
+            <a:extLst>
+              <a:ext uri="{FF2B5EF4-FFF2-40B4-BE49-F238E27FC236}">
+                <a16:creationId xmlns:a16="http://schemas.microsoft.com/office/drawing/2014/main" id="{270F588D-2C47-C245-AD1F-89DF639DD7ED}"/>
               </a:ext>
             </a:extLst>
           </p:cNvPr>
           <p:cNvPicPr>
-            <a:picLocks noChangeAspect="1"/>
+            <a:picLocks noGrp="1" noChangeAspect="1"/>
           </p:cNvPicPr>
-          <p:nvPr/>
+          <p:nvPr>
+            <p:ph idx="1"/>
+          </p:nvPr>
         </p:nvPicPr>
         <p:blipFill>
           <a:blip r:embed="rId3"/>
@@ -8322,800 +8917,8 @@
         </p:blipFill>
         <p:spPr>
           <a:xfrm>
-            <a:off x="3302000" y="2060762"/>
-            <a:ext cx="4851400" cy="800100"/>
-          </a:xfrm>
-          <a:prstGeom prst="rect">
-            <a:avLst/>
-          </a:prstGeom>
-        </p:spPr>
-      </p:pic>
-    </p:spTree>
-    <p:extLst>
-      <p:ext uri="{BB962C8B-B14F-4D97-AF65-F5344CB8AC3E}">
-        <p14:creationId xmlns:p14="http://schemas.microsoft.com/office/powerpoint/2010/main" val="696828988"/>
-      </p:ext>
-    </p:extLst>
-  </p:cSld>
-  <p:clrMapOvr>
-    <a:masterClrMapping/>
-  </p:clrMapOvr>
-</p:sld>
-</file>
-
-<file path=ppt/slides/slide6.xml><?xml version="1.0" encoding="utf-8"?>
-<p:sld xmlns:a="http://schemas.openxmlformats.org/drawingml/2006/main" xmlns:r="http://schemas.openxmlformats.org/officeDocument/2006/relationships" xmlns:p="http://schemas.openxmlformats.org/presentationml/2006/main">
-  <p:cSld>
-    <p:spTree>
-      <p:nvGrpSpPr>
-        <p:cNvPr id="1" name=""/>
-        <p:cNvGrpSpPr/>
-        <p:nvPr/>
-      </p:nvGrpSpPr>
-      <p:grpSpPr>
-        <a:xfrm>
-          <a:off x="0" y="0"/>
-          <a:ext cx="0" cy="0"/>
-          <a:chOff x="0" y="0"/>
-          <a:chExt cx="0" cy="0"/>
-        </a:xfrm>
-      </p:grpSpPr>
-      <p:sp>
-        <p:nvSpPr>
-          <p:cNvPr id="2" name="Title 1">
-            <a:extLst>
-              <a:ext uri="{FF2B5EF4-FFF2-40B4-BE49-F238E27FC236}">
-                <a16:creationId xmlns:a16="http://schemas.microsoft.com/office/drawing/2014/main" id="{BAB9AA12-0137-2B49-B00B-5DCCDBAF31F0}"/>
-              </a:ext>
-            </a:extLst>
-          </p:cNvPr>
-          <p:cNvSpPr>
-            <a:spLocks noGrp="1"/>
-          </p:cNvSpPr>
-          <p:nvPr>
-            <p:ph type="title"/>
-          </p:nvPr>
-        </p:nvSpPr>
-        <p:spPr/>
-        <p:txBody>
-          <a:bodyPr/>
-          <a:lstStyle/>
-          <a:p>
-            <a:r>
-              <a:rPr lang="en-US" altLang="zh-CN" dirty="0"/>
-              <a:t>Reranking</a:t>
-            </a:r>
-            <a:endParaRPr lang="en-US" dirty="0"/>
-          </a:p>
-        </p:txBody>
-      </p:sp>
-      <p:sp>
-        <p:nvSpPr>
-          <p:cNvPr id="3" name="Content Placeholder 2">
-            <a:extLst>
-              <a:ext uri="{FF2B5EF4-FFF2-40B4-BE49-F238E27FC236}">
-                <a16:creationId xmlns:a16="http://schemas.microsoft.com/office/drawing/2014/main" id="{27FEC3C0-5696-2E4A-A49B-E7E1B00DFE38}"/>
-              </a:ext>
-            </a:extLst>
-          </p:cNvPr>
-          <p:cNvSpPr>
-            <a:spLocks noGrp="1"/>
-          </p:cNvSpPr>
-          <p:nvPr>
-            <p:ph idx="1"/>
-          </p:nvPr>
-        </p:nvSpPr>
-        <p:spPr>
-          <a:xfrm>
-            <a:off x="838200" y="1690688"/>
-            <a:ext cx="10370906" cy="4165581"/>
-          </a:xfrm>
-        </p:spPr>
-        <p:txBody>
-          <a:bodyPr>
-            <a:normAutofit/>
-          </a:bodyPr>
-          <a:lstStyle/>
-          <a:p>
-            <a:r>
-              <a:rPr lang="en-US" altLang="zh-CN" sz="2000" dirty="0"/>
-              <a:t>Data</a:t>
-            </a:r>
-            <a:r>
-              <a:rPr lang="zh-CN" altLang="en-US" sz="2000" dirty="0"/>
-              <a:t> </a:t>
-            </a:r>
-            <a:r>
-              <a:rPr lang="en-US" altLang="zh-CN" sz="2000" dirty="0" err="1"/>
-              <a:t>Augumentation</a:t>
-            </a:r>
-            <a:endParaRPr lang="en-US" altLang="zh-CN" sz="2000" dirty="0"/>
-          </a:p>
-          <a:p>
-            <a:pPr lvl="1"/>
-            <a:r>
-              <a:rPr lang="en-US" sz="1600" dirty="0"/>
-              <a:t>Biased</a:t>
-            </a:r>
-            <a:r>
-              <a:rPr lang="zh-CN" altLang="en-US" sz="1600" dirty="0"/>
-              <a:t> </a:t>
-            </a:r>
-            <a:r>
-              <a:rPr lang="en-US" altLang="zh-CN" sz="1600" dirty="0" err="1"/>
-              <a:t>Upsampling</a:t>
-            </a:r>
-            <a:r>
-              <a:rPr lang="en-US" altLang="zh-CN" sz="1600" dirty="0"/>
-              <a:t>:</a:t>
-            </a:r>
-            <a:r>
-              <a:rPr lang="zh-CN" altLang="en-US" sz="1600" dirty="0"/>
-              <a:t> </a:t>
-            </a:r>
-            <a:r>
-              <a:rPr lang="en-US" altLang="zh-CN" sz="1600" dirty="0" err="1"/>
-              <a:t>upsampling</a:t>
-            </a:r>
-            <a:r>
-              <a:rPr lang="zh-CN" altLang="en-US" sz="1600" dirty="0"/>
-              <a:t> </a:t>
-            </a:r>
-            <a:r>
-              <a:rPr lang="en-US" altLang="zh-CN" sz="1600" dirty="0"/>
-              <a:t>training</a:t>
-            </a:r>
-            <a:r>
-              <a:rPr lang="zh-CN" altLang="en-US" sz="1600" dirty="0"/>
-              <a:t> </a:t>
-            </a:r>
-            <a:r>
-              <a:rPr lang="en-US" altLang="zh-CN" sz="1600" dirty="0"/>
-              <a:t>instances</a:t>
-            </a:r>
-            <a:r>
-              <a:rPr lang="zh-CN" altLang="en-US" sz="1600" dirty="0"/>
-              <a:t> </a:t>
-            </a:r>
-            <a:r>
-              <a:rPr lang="en-US" altLang="zh-CN" sz="1600" dirty="0"/>
-              <a:t>with</a:t>
-            </a:r>
-            <a:r>
-              <a:rPr lang="zh-CN" altLang="en-US" sz="1600" dirty="0"/>
-              <a:t> </a:t>
-            </a:r>
-            <a:r>
-              <a:rPr lang="en-US" altLang="zh-CN" sz="1600" dirty="0"/>
-              <a:t>positive</a:t>
-            </a:r>
-            <a:r>
-              <a:rPr lang="zh-CN" altLang="en-US" sz="1600" dirty="0"/>
-              <a:t> </a:t>
-            </a:r>
-            <a:r>
-              <a:rPr lang="en-US" altLang="zh-CN" sz="1600" dirty="0"/>
-              <a:t>labels</a:t>
-            </a:r>
-          </a:p>
-          <a:p>
-            <a:pPr lvl="1"/>
-            <a:r>
-              <a:rPr lang="en-US" altLang="zh-CN" sz="1600" dirty="0"/>
-              <a:t>Pseudo</a:t>
-            </a:r>
-            <a:r>
-              <a:rPr lang="zh-CN" altLang="en-US" sz="1600" dirty="0"/>
-              <a:t> </a:t>
-            </a:r>
-            <a:r>
-              <a:rPr lang="en-US" altLang="zh-CN" sz="1600" dirty="0"/>
-              <a:t>Labeling:</a:t>
-            </a:r>
-            <a:r>
-              <a:rPr lang="zh-CN" altLang="en-US" sz="1600" dirty="0"/>
-              <a:t> </a:t>
-            </a:r>
-            <a:r>
-              <a:rPr lang="en-US" altLang="zh-CN" sz="1600" dirty="0"/>
-              <a:t>co-training</a:t>
-            </a:r>
-            <a:r>
-              <a:rPr lang="zh-CN" altLang="en-US" sz="1600" dirty="0"/>
-              <a:t> </a:t>
-            </a:r>
-            <a:r>
-              <a:rPr lang="en-US" altLang="zh-CN" sz="1600" dirty="0"/>
-              <a:t>in</a:t>
-            </a:r>
-            <a:r>
-              <a:rPr lang="zh-CN" altLang="en-US" sz="1600" dirty="0"/>
-              <a:t> </a:t>
-            </a:r>
-            <a:r>
-              <a:rPr lang="en-US" altLang="zh-CN" sz="1600" dirty="0"/>
-              <a:t>a</a:t>
-            </a:r>
-            <a:r>
-              <a:rPr lang="zh-CN" altLang="en-US" sz="1600" dirty="0"/>
-              <a:t> </a:t>
-            </a:r>
-            <a:r>
-              <a:rPr lang="en-US" altLang="zh-CN" sz="1600" dirty="0"/>
-              <a:t>shard-based</a:t>
-            </a:r>
-            <a:r>
-              <a:rPr lang="zh-CN" altLang="en-US" sz="1600" dirty="0"/>
-              <a:t> </a:t>
-            </a:r>
-            <a:r>
-              <a:rPr lang="en-US" altLang="zh-CN" sz="1600" dirty="0"/>
-              <a:t>manner</a:t>
-            </a:r>
-          </a:p>
-          <a:p>
-            <a:r>
-              <a:rPr lang="en-US" sz="2000" dirty="0" err="1"/>
-              <a:t>Re</a:t>
-            </a:r>
-            <a:r>
-              <a:rPr lang="en-US" altLang="zh-CN" sz="2000" dirty="0" err="1"/>
-              <a:t>ranker</a:t>
-            </a:r>
-            <a:r>
-              <a:rPr lang="zh-CN" altLang="en-US" sz="2000" dirty="0"/>
-              <a:t> </a:t>
-            </a:r>
-            <a:r>
-              <a:rPr lang="en-US" altLang="zh-CN" sz="2000" dirty="0"/>
-              <a:t>Model</a:t>
-            </a:r>
-          </a:p>
-          <a:p>
-            <a:pPr lvl="1"/>
-            <a:r>
-              <a:rPr lang="en-US" altLang="zh-CN" sz="1600" dirty="0"/>
-              <a:t>Transformer</a:t>
-            </a:r>
-            <a:r>
-              <a:rPr lang="zh-CN" altLang="en-US" sz="1600" dirty="0"/>
-              <a:t> </a:t>
-            </a:r>
-            <a:r>
-              <a:rPr lang="en-US" altLang="zh-CN" sz="1600" dirty="0"/>
-              <a:t>based</a:t>
-            </a:r>
-            <a:r>
-              <a:rPr lang="zh-CN" altLang="en-US" sz="1600" dirty="0"/>
-              <a:t> </a:t>
-            </a:r>
-            <a:r>
-              <a:rPr lang="en-US" altLang="zh-CN" sz="1600" dirty="0"/>
-              <a:t>encoder</a:t>
-            </a:r>
-          </a:p>
-          <a:p>
-            <a:pPr lvl="1"/>
-            <a:r>
-              <a:rPr lang="en-US" altLang="zh-CN" sz="1600" dirty="0"/>
-              <a:t>Fusion</a:t>
-            </a:r>
-            <a:r>
-              <a:rPr lang="zh-CN" altLang="en-US" sz="1600" dirty="0"/>
-              <a:t> </a:t>
-            </a:r>
-            <a:r>
-              <a:rPr lang="en-US" altLang="zh-CN" sz="1600" dirty="0"/>
-              <a:t>layer</a:t>
-            </a:r>
-            <a:r>
-              <a:rPr lang="zh-CN" altLang="en-US" sz="1600" dirty="0"/>
-              <a:t> </a:t>
-            </a:r>
-            <a:r>
-              <a:rPr lang="en-US" altLang="zh-CN" sz="1600" dirty="0"/>
-              <a:t>to</a:t>
-            </a:r>
-            <a:r>
-              <a:rPr lang="zh-CN" altLang="en-US" sz="1600" dirty="0"/>
-              <a:t> </a:t>
-            </a:r>
-            <a:r>
-              <a:rPr lang="en-US" altLang="zh-CN" sz="1600" dirty="0"/>
-              <a:t>capture</a:t>
-            </a:r>
-            <a:r>
-              <a:rPr lang="zh-CN" altLang="en-US" sz="1600" dirty="0"/>
-              <a:t> </a:t>
-            </a:r>
-            <a:r>
-              <a:rPr lang="en-US" altLang="zh-CN" sz="1600" dirty="0"/>
-              <a:t>utterance</a:t>
-            </a:r>
-            <a:r>
-              <a:rPr lang="zh-CN" altLang="en-US" sz="1600" dirty="0"/>
-              <a:t> </a:t>
-            </a:r>
-            <a:r>
-              <a:rPr lang="en-US" altLang="zh-CN" sz="1600" dirty="0"/>
-              <a:t>&amp;</a:t>
-            </a:r>
-            <a:r>
-              <a:rPr lang="zh-CN" altLang="en-US" sz="1600" dirty="0"/>
-              <a:t> </a:t>
-            </a:r>
-            <a:r>
-              <a:rPr lang="en-US" altLang="zh-CN" sz="1600" dirty="0"/>
-              <a:t>skill</a:t>
-            </a:r>
-            <a:r>
-              <a:rPr lang="zh-CN" altLang="en-US" sz="1600" dirty="0"/>
-              <a:t> </a:t>
-            </a:r>
-            <a:r>
-              <a:rPr lang="en-US" altLang="zh-CN" sz="1600" dirty="0"/>
-              <a:t>interactive</a:t>
-            </a:r>
-            <a:r>
-              <a:rPr lang="zh-CN" altLang="en-US" sz="1600" dirty="0"/>
-              <a:t> </a:t>
-            </a:r>
-            <a:r>
-              <a:rPr lang="en-US" altLang="zh-CN" sz="1600" dirty="0"/>
-              <a:t>feature</a:t>
-            </a:r>
-          </a:p>
-          <a:p>
-            <a:pPr lvl="1"/>
-            <a:r>
-              <a:rPr lang="en-US" altLang="zh-CN" sz="1600" dirty="0"/>
-              <a:t>Sequence</a:t>
-            </a:r>
-            <a:r>
-              <a:rPr lang="zh-CN" altLang="en-US" sz="1600" dirty="0"/>
-              <a:t> </a:t>
-            </a:r>
-            <a:r>
-              <a:rPr lang="en-US" altLang="zh-CN" sz="1600" dirty="0"/>
-              <a:t>decoder</a:t>
-            </a:r>
-            <a:r>
-              <a:rPr lang="zh-CN" altLang="en-US" sz="1600" dirty="0"/>
-              <a:t> </a:t>
-            </a:r>
-            <a:r>
-              <a:rPr lang="en-US" altLang="zh-CN" sz="1600" dirty="0"/>
-              <a:t>to</a:t>
-            </a:r>
-            <a:r>
-              <a:rPr lang="zh-CN" altLang="en-US" sz="1600" dirty="0"/>
-              <a:t> </a:t>
-            </a:r>
-            <a:r>
-              <a:rPr lang="en-US" altLang="zh-CN" sz="1600" dirty="0"/>
-              <a:t>consider</a:t>
-            </a:r>
-            <a:r>
-              <a:rPr lang="zh-CN" altLang="en-US" sz="1600" dirty="0"/>
-              <a:t> </a:t>
-            </a:r>
-            <a:r>
-              <a:rPr lang="en-US" altLang="zh-CN" sz="1600" dirty="0"/>
-              <a:t>Shortlisting</a:t>
-            </a:r>
-            <a:r>
-              <a:rPr lang="zh-CN" altLang="en-US" sz="1600" dirty="0"/>
-              <a:t> </a:t>
-            </a:r>
-            <a:r>
-              <a:rPr lang="en-US" altLang="zh-CN" sz="1600" dirty="0"/>
-              <a:t>sequential</a:t>
-            </a:r>
-            <a:r>
-              <a:rPr lang="zh-CN" altLang="en-US" sz="1600" dirty="0"/>
-              <a:t> </a:t>
-            </a:r>
-            <a:r>
-              <a:rPr lang="en-US" altLang="zh-CN" sz="1600" dirty="0"/>
-              <a:t>results</a:t>
-            </a:r>
-          </a:p>
-          <a:p>
-            <a:pPr lvl="1"/>
-            <a:r>
-              <a:rPr lang="en-US" altLang="zh-CN" sz="1600" dirty="0"/>
-              <a:t>Sequential</a:t>
-            </a:r>
-            <a:r>
-              <a:rPr lang="zh-CN" altLang="en-US" sz="1600" dirty="0"/>
-              <a:t> </a:t>
-            </a:r>
-            <a:r>
-              <a:rPr lang="en-US" altLang="zh-CN" sz="1600" dirty="0"/>
-              <a:t>cross</a:t>
-            </a:r>
-            <a:r>
-              <a:rPr lang="zh-CN" altLang="en-US" sz="1600" dirty="0"/>
-              <a:t> </a:t>
-            </a:r>
-            <a:r>
-              <a:rPr lang="en-US" altLang="zh-CN" sz="1600" dirty="0"/>
-              <a:t>entropy</a:t>
-            </a:r>
-            <a:r>
-              <a:rPr lang="zh-CN" altLang="en-US" sz="1600" dirty="0"/>
-              <a:t> </a:t>
-            </a:r>
-            <a:r>
-              <a:rPr lang="en-US" altLang="zh-CN" sz="1600" dirty="0"/>
-              <a:t>loss</a:t>
-            </a:r>
-            <a:r>
-              <a:rPr lang="zh-CN" altLang="en-US" sz="1600" dirty="0"/>
-              <a:t> </a:t>
-            </a:r>
-            <a:r>
-              <a:rPr lang="en-US" altLang="zh-CN" sz="1600" dirty="0"/>
-              <a:t>for</a:t>
-            </a:r>
-            <a:r>
-              <a:rPr lang="zh-CN" altLang="en-US" sz="1600" dirty="0"/>
-              <a:t> </a:t>
-            </a:r>
-            <a:r>
-              <a:rPr lang="en-US" altLang="zh-CN" sz="1600" dirty="0"/>
-              <a:t>binary</a:t>
-            </a:r>
-            <a:r>
-              <a:rPr lang="zh-CN" altLang="en-US" sz="1600" dirty="0"/>
-              <a:t> </a:t>
-            </a:r>
-            <a:r>
-              <a:rPr lang="en-US" altLang="zh-CN" sz="1600" dirty="0"/>
-              <a:t>label</a:t>
-            </a:r>
-            <a:r>
-              <a:rPr lang="zh-CN" altLang="en-US" sz="1600" dirty="0"/>
-              <a:t> </a:t>
-            </a:r>
-            <a:r>
-              <a:rPr lang="en-US" altLang="zh-CN" sz="1600" dirty="0"/>
-              <a:t>sequence</a:t>
-            </a:r>
-            <a:r>
-              <a:rPr lang="zh-CN" altLang="en-US" sz="1600" dirty="0"/>
-              <a:t> </a:t>
-            </a:r>
-            <a:r>
-              <a:rPr lang="en-US" altLang="zh-CN" sz="1600" dirty="0"/>
-              <a:t>prediction.</a:t>
-            </a:r>
-          </a:p>
-          <a:p>
-            <a:r>
-              <a:rPr lang="en-US" altLang="zh-CN" sz="2000" dirty="0"/>
-              <a:t>Training</a:t>
-            </a:r>
-            <a:r>
-              <a:rPr lang="zh-CN" altLang="en-US" sz="2000" dirty="0"/>
-              <a:t> </a:t>
-            </a:r>
-            <a:r>
-              <a:rPr lang="en-US" altLang="zh-CN" sz="2000" dirty="0"/>
-              <a:t>Strategy</a:t>
-            </a:r>
-          </a:p>
-          <a:p>
-            <a:pPr lvl="1"/>
-            <a:r>
-              <a:rPr lang="en-US" altLang="zh-CN" sz="1600" dirty="0"/>
-              <a:t>Incremental</a:t>
-            </a:r>
-            <a:r>
-              <a:rPr lang="zh-CN" altLang="en-US" sz="1600" dirty="0"/>
-              <a:t> </a:t>
-            </a:r>
-            <a:r>
-              <a:rPr lang="en-US" altLang="zh-CN" sz="1600" dirty="0"/>
-              <a:t>training</a:t>
-            </a:r>
-            <a:r>
-              <a:rPr lang="zh-CN" altLang="en-US" sz="1600" dirty="0"/>
-              <a:t> </a:t>
-            </a:r>
-            <a:r>
-              <a:rPr lang="en-US" altLang="zh-CN" sz="1600" dirty="0"/>
-              <a:t>among</a:t>
-            </a:r>
-            <a:r>
-              <a:rPr lang="zh-CN" altLang="en-US" sz="1600" dirty="0"/>
-              <a:t> </a:t>
-            </a:r>
-            <a:r>
-              <a:rPr lang="en-US" altLang="zh-CN" sz="1600" dirty="0"/>
-              <a:t>data</a:t>
-            </a:r>
-            <a:r>
-              <a:rPr lang="zh-CN" altLang="en-US" sz="1600" dirty="0"/>
-              <a:t> </a:t>
-            </a:r>
-            <a:r>
-              <a:rPr lang="en-US" altLang="zh-CN" sz="1600" dirty="0"/>
-              <a:t>shards</a:t>
-            </a:r>
-          </a:p>
-          <a:p>
-            <a:pPr lvl="1"/>
-            <a:r>
-              <a:rPr lang="en-US" altLang="zh-CN" sz="1600" dirty="0"/>
-              <a:t>Pretrained</a:t>
-            </a:r>
-            <a:r>
-              <a:rPr lang="zh-CN" altLang="en-US" sz="1600" dirty="0"/>
-              <a:t> </a:t>
-            </a:r>
-            <a:r>
-              <a:rPr lang="en-US" altLang="zh-CN" sz="1600" dirty="0"/>
-              <a:t>Bert</a:t>
-            </a:r>
-            <a:r>
-              <a:rPr lang="zh-CN" altLang="en-US" sz="1600" dirty="0"/>
-              <a:t> </a:t>
-            </a:r>
-            <a:r>
-              <a:rPr lang="en-US" altLang="zh-CN" sz="1600" dirty="0"/>
-              <a:t>model</a:t>
-            </a:r>
-            <a:r>
-              <a:rPr lang="zh-CN" altLang="en-US" sz="1600" dirty="0"/>
-              <a:t> </a:t>
-            </a:r>
-            <a:r>
-              <a:rPr lang="en-US" altLang="zh-CN" sz="1600" dirty="0"/>
-              <a:t>initialization</a:t>
-            </a:r>
-            <a:r>
-              <a:rPr lang="zh-CN" altLang="en-US" sz="1600" dirty="0"/>
-              <a:t> </a:t>
-            </a:r>
-            <a:r>
-              <a:rPr lang="en-US" altLang="zh-CN" sz="1600" dirty="0"/>
-              <a:t>and</a:t>
-            </a:r>
-            <a:r>
-              <a:rPr lang="zh-CN" altLang="en-US" sz="1600" dirty="0"/>
-              <a:t> </a:t>
-            </a:r>
-            <a:r>
-              <a:rPr lang="en-US" altLang="zh-CN" sz="1600" dirty="0"/>
-              <a:t>parameter</a:t>
-            </a:r>
-            <a:r>
-              <a:rPr lang="zh-CN" altLang="en-US" sz="1600" dirty="0"/>
-              <a:t> </a:t>
-            </a:r>
-            <a:r>
-              <a:rPr lang="en-US" altLang="zh-CN" sz="1600" dirty="0"/>
-              <a:t>freezing</a:t>
-            </a:r>
-          </a:p>
-          <a:p>
-            <a:pPr lvl="1"/>
-            <a:r>
-              <a:rPr lang="en-US" altLang="zh-CN" sz="1600" dirty="0"/>
-              <a:t>Early</a:t>
-            </a:r>
-            <a:r>
-              <a:rPr lang="zh-CN" altLang="en-US" sz="1600" dirty="0"/>
-              <a:t> </a:t>
-            </a:r>
-            <a:r>
-              <a:rPr lang="en-US" altLang="zh-CN" sz="1600" dirty="0"/>
-              <a:t>stopper</a:t>
-            </a:r>
-            <a:r>
-              <a:rPr lang="zh-CN" altLang="en-US" sz="1600" dirty="0"/>
-              <a:t> </a:t>
-            </a:r>
-            <a:r>
-              <a:rPr lang="en-US" altLang="zh-CN" sz="1600" dirty="0"/>
-              <a:t>to</a:t>
-            </a:r>
-            <a:r>
-              <a:rPr lang="zh-CN" altLang="en-US" sz="1600" dirty="0"/>
-              <a:t> </a:t>
-            </a:r>
-            <a:r>
-              <a:rPr lang="en-US" altLang="zh-CN" sz="1600" dirty="0"/>
-              <a:t>avoid</a:t>
-            </a:r>
-            <a:r>
-              <a:rPr lang="zh-CN" altLang="en-US" sz="1600" dirty="0"/>
-              <a:t> </a:t>
-            </a:r>
-            <a:r>
-              <a:rPr lang="en-US" altLang="zh-CN" sz="1600" dirty="0"/>
-              <a:t>overfitting</a:t>
-            </a:r>
-            <a:endParaRPr lang="en-US" sz="1600" dirty="0"/>
-          </a:p>
-        </p:txBody>
-      </p:sp>
-      <p:sp>
-        <p:nvSpPr>
-          <p:cNvPr id="4" name="Date Placeholder 3">
-            <a:extLst>
-              <a:ext uri="{FF2B5EF4-FFF2-40B4-BE49-F238E27FC236}">
-                <a16:creationId xmlns:a16="http://schemas.microsoft.com/office/drawing/2014/main" id="{5C290958-4AA7-BD4F-B0F5-F9F00E116196}"/>
-              </a:ext>
-            </a:extLst>
-          </p:cNvPr>
-          <p:cNvSpPr>
-            <a:spLocks noGrp="1"/>
-          </p:cNvSpPr>
-          <p:nvPr>
-            <p:ph type="dt" sz="half" idx="10"/>
-          </p:nvPr>
-        </p:nvSpPr>
-        <p:spPr/>
-        <p:txBody>
-          <a:bodyPr/>
-          <a:lstStyle/>
-          <a:p>
-            <a:r>
-              <a:rPr lang="en-US" altLang="zh-CN" dirty="0"/>
-              <a:t>07/22/2021</a:t>
-            </a:r>
-            <a:endParaRPr lang="en-US" dirty="0"/>
-          </a:p>
-        </p:txBody>
-      </p:sp>
-      <p:sp>
-        <p:nvSpPr>
-          <p:cNvPr id="6" name="Footer Placeholder 5">
-            <a:extLst>
-              <a:ext uri="{FF2B5EF4-FFF2-40B4-BE49-F238E27FC236}">
-                <a16:creationId xmlns:a16="http://schemas.microsoft.com/office/drawing/2014/main" id="{9813C23F-EDB9-274D-835A-81DC64BC6409}"/>
-              </a:ext>
-            </a:extLst>
-          </p:cNvPr>
-          <p:cNvSpPr>
-            <a:spLocks noGrp="1"/>
-          </p:cNvSpPr>
-          <p:nvPr>
-            <p:ph type="ftr" sz="quarter" idx="11"/>
-          </p:nvPr>
-        </p:nvSpPr>
-        <p:spPr/>
-        <p:txBody>
-          <a:bodyPr/>
-          <a:lstStyle/>
-          <a:p>
-            <a:r>
-              <a:rPr lang="en-US" dirty="0"/>
-              <a:t>Confidential, do not distribute</a:t>
-            </a:r>
-          </a:p>
-        </p:txBody>
-      </p:sp>
-      <p:sp>
-        <p:nvSpPr>
-          <p:cNvPr id="7" name="Slide Number Placeholder 6">
-            <a:extLst>
-              <a:ext uri="{FF2B5EF4-FFF2-40B4-BE49-F238E27FC236}">
-                <a16:creationId xmlns:a16="http://schemas.microsoft.com/office/drawing/2014/main" id="{F513CB1F-06BD-7A47-ADFF-652B3ED321F0}"/>
-              </a:ext>
-            </a:extLst>
-          </p:cNvPr>
-          <p:cNvSpPr>
-            <a:spLocks noGrp="1"/>
-          </p:cNvSpPr>
-          <p:nvPr>
-            <p:ph type="sldNum" sz="quarter" idx="12"/>
-          </p:nvPr>
-        </p:nvSpPr>
-        <p:spPr/>
-        <p:txBody>
-          <a:bodyPr/>
-          <a:lstStyle/>
-          <a:p>
-            <a:fld id="{6615785A-6CC9-604F-A350-0F2C666BA50C}" type="slidenum">
-              <a:rPr lang="en-US" smtClean="0"/>
-              <a:t>6</a:t>
-            </a:fld>
-            <a:endParaRPr lang="en-US"/>
-          </a:p>
-        </p:txBody>
-      </p:sp>
-    </p:spTree>
-    <p:extLst>
-      <p:ext uri="{BB962C8B-B14F-4D97-AF65-F5344CB8AC3E}">
-        <p14:creationId xmlns:p14="http://schemas.microsoft.com/office/powerpoint/2010/main" val="693090633"/>
-      </p:ext>
-    </p:extLst>
-  </p:cSld>
-  <p:clrMapOvr>
-    <a:masterClrMapping/>
-  </p:clrMapOvr>
-</p:sld>
-</file>
-
-<file path=ppt/slides/slide7.xml><?xml version="1.0" encoding="utf-8"?>
-<p:sld xmlns:a="http://schemas.openxmlformats.org/drawingml/2006/main" xmlns:r="http://schemas.openxmlformats.org/officeDocument/2006/relationships" xmlns:p="http://schemas.openxmlformats.org/presentationml/2006/main">
-  <p:cSld>
-    <p:spTree>
-      <p:nvGrpSpPr>
-        <p:cNvPr id="1" name=""/>
-        <p:cNvGrpSpPr/>
-        <p:nvPr/>
-      </p:nvGrpSpPr>
-      <p:grpSpPr>
-        <a:xfrm>
-          <a:off x="0" y="0"/>
-          <a:ext cx="0" cy="0"/>
-          <a:chOff x="0" y="0"/>
-          <a:chExt cx="0" cy="0"/>
-        </a:xfrm>
-      </p:grpSpPr>
-      <p:sp>
-        <p:nvSpPr>
-          <p:cNvPr id="2" name="Title 1">
-            <a:extLst>
-              <a:ext uri="{FF2B5EF4-FFF2-40B4-BE49-F238E27FC236}">
-                <a16:creationId xmlns:a16="http://schemas.microsoft.com/office/drawing/2014/main" id="{BAB9AA12-0137-2B49-B00B-5DCCDBAF31F0}"/>
-              </a:ext>
-            </a:extLst>
-          </p:cNvPr>
-          <p:cNvSpPr>
-            <a:spLocks noGrp="1"/>
-          </p:cNvSpPr>
-          <p:nvPr>
-            <p:ph type="title"/>
-          </p:nvPr>
-        </p:nvSpPr>
-        <p:spPr/>
-        <p:txBody>
-          <a:bodyPr/>
-          <a:lstStyle/>
-          <a:p>
-            <a:r>
-              <a:rPr lang="en-US" dirty="0"/>
-              <a:t>Re</a:t>
-            </a:r>
-            <a:r>
-              <a:rPr lang="en-US" altLang="zh-CN" dirty="0"/>
-              <a:t>ranking</a:t>
-            </a:r>
-            <a:endParaRPr lang="en-US" dirty="0"/>
-          </a:p>
-        </p:txBody>
-      </p:sp>
-      <p:pic>
-        <p:nvPicPr>
-          <p:cNvPr id="8" name="Content Placeholder 7">
-            <a:extLst>
-              <a:ext uri="{FF2B5EF4-FFF2-40B4-BE49-F238E27FC236}">
-                <a16:creationId xmlns:a16="http://schemas.microsoft.com/office/drawing/2014/main" id="{AC6C32FD-581A-FD49-A681-FE11CD4A1801}"/>
-              </a:ext>
-            </a:extLst>
-          </p:cNvPr>
-          <p:cNvPicPr>
-            <a:picLocks noGrp="1" noChangeAspect="1"/>
-          </p:cNvPicPr>
-          <p:nvPr>
-            <p:ph idx="1"/>
-          </p:nvPr>
-        </p:nvPicPr>
-        <p:blipFill>
-          <a:blip r:embed="rId3"/>
-          <a:stretch>
-            <a:fillRect/>
-          </a:stretch>
-        </p:blipFill>
-        <p:spPr>
-          <a:xfrm>
-            <a:off x="838200" y="2431183"/>
-            <a:ext cx="10371138" cy="3184672"/>
+            <a:off x="6254151" y="1329886"/>
+            <a:ext cx="3970106" cy="5232601"/>
           </a:xfrm>
         </p:spPr>
       </p:pic>
@@ -9199,7 +9002,7 @@
           <a:p>
             <a:fld id="{6615785A-6CC9-604F-A350-0F2C666BA50C}" type="slidenum">
               <a:rPr lang="en-US" smtClean="0"/>
-              <a:t>7</a:t>
+              <a:t>5</a:t>
             </a:fld>
             <a:endParaRPr lang="en-US"/>
           </a:p>
@@ -9207,10 +9010,10 @@
       </p:sp>
       <p:sp>
         <p:nvSpPr>
-          <p:cNvPr id="9" name="Content Placeholder 2">
-            <a:extLst>
-              <a:ext uri="{FF2B5EF4-FFF2-40B4-BE49-F238E27FC236}">
-                <a16:creationId xmlns:a16="http://schemas.microsoft.com/office/drawing/2014/main" id="{919083A5-0114-B44F-AFB2-9A4BCD61CE4E}"/>
+          <p:cNvPr id="12" name="Content Placeholder 2">
+            <a:extLst>
+              <a:ext uri="{FF2B5EF4-FFF2-40B4-BE49-F238E27FC236}">
+                <a16:creationId xmlns:a16="http://schemas.microsoft.com/office/drawing/2014/main" id="{1E38E8B4-9D00-F646-9C0C-84F404555760}"/>
               </a:ext>
             </a:extLst>
           </p:cNvPr>
@@ -9221,8 +9024,8 @@
         </p:nvSpPr>
         <p:spPr>
           <a:xfrm>
-            <a:off x="838200" y="1690688"/>
-            <a:ext cx="10370906" cy="4165581"/>
+            <a:off x="84673" y="1940728"/>
+            <a:ext cx="5080420" cy="4165581"/>
           </a:xfrm>
           <a:prstGeom prst="rect">
             <a:avLst/>
@@ -9397,9 +9200,62 @@
             </a:lvl9pPr>
           </a:lstStyle>
           <a:p>
-            <a:pPr marL="0" indent="0">
-              <a:buNone/>
-            </a:pPr>
+            <a:pPr lvl="1"/>
+            <a:r>
+              <a:rPr lang="en-US" altLang="zh-CN" sz="2000" b="1" dirty="0"/>
+              <a:t>Shortlisting</a:t>
+            </a:r>
+            <a:r>
+              <a:rPr lang="en-US" altLang="zh-CN" sz="2000" dirty="0"/>
+              <a:t>:</a:t>
+            </a:r>
+            <a:r>
+              <a:rPr lang="zh-CN" altLang="en-US" sz="2000" dirty="0"/>
+              <a:t> </a:t>
+            </a:r>
+            <a:r>
+              <a:rPr lang="en-US" altLang="zh-CN" sz="2000" dirty="0"/>
+              <a:t>Elasticsearch to perform keyword-based matching</a:t>
+            </a:r>
+          </a:p>
+          <a:p>
+            <a:pPr lvl="1"/>
+            <a:r>
+              <a:rPr lang="en-US" altLang="zh-CN" sz="2000" b="1" dirty="0"/>
+              <a:t>Reranking</a:t>
+            </a:r>
+            <a:r>
+              <a:rPr lang="en-US" altLang="zh-CN" sz="2000" dirty="0"/>
+              <a:t>:</a:t>
+            </a:r>
+            <a:r>
+              <a:rPr lang="zh-CN" altLang="en-US" sz="2000" dirty="0"/>
+              <a:t> </a:t>
+            </a:r>
+            <a:r>
+              <a:rPr lang="en-US" altLang="zh-CN" sz="2000" dirty="0"/>
+              <a:t>train</a:t>
+            </a:r>
+            <a:r>
+              <a:rPr lang="zh-CN" altLang="en-US" sz="2000" dirty="0"/>
+              <a:t> </a:t>
+            </a:r>
+            <a:r>
+              <a:rPr lang="en-US" altLang="zh-CN" sz="2000" dirty="0"/>
+              <a:t>two</a:t>
+            </a:r>
+            <a:r>
+              <a:rPr lang="zh-CN" altLang="en-US" sz="2000" dirty="0"/>
+              <a:t> </a:t>
+            </a:r>
+            <a:r>
+              <a:rPr lang="en-US" altLang="zh-CN" sz="2000" dirty="0"/>
+              <a:t>locale</a:t>
+            </a:r>
+            <a:r>
+              <a:rPr lang="zh-CN" altLang="en-US" sz="2000" dirty="0"/>
+              <a:t> </a:t>
+            </a:r>
             <a:r>
               <a:rPr lang="en-US" altLang="zh-CN" sz="2000" dirty="0" err="1"/>
               <a:t>Reranker</a:t>
@@ -9410,15 +9266,7 @@
             </a:r>
             <a:r>
               <a:rPr lang="en-US" altLang="zh-CN" sz="2000" dirty="0"/>
-              <a:t>model</a:t>
-            </a:r>
-            <a:r>
-              <a:rPr lang="zh-CN" altLang="en-US" sz="2000" dirty="0"/>
-              <a:t> </a:t>
-            </a:r>
-            <a:r>
-              <a:rPr lang="en-US" altLang="zh-CN" sz="2000" dirty="0"/>
-              <a:t>training</a:t>
+              <a:t>models</a:t>
             </a:r>
             <a:r>
               <a:rPr lang="zh-CN" altLang="en-US" sz="2000" dirty="0"/>
@@ -9434,7 +9282,7 @@
             </a:r>
             <a:r>
               <a:rPr lang="en-US" altLang="zh-CN" sz="2000" dirty="0"/>
-              <a:t>one</a:t>
+              <a:t>a</a:t>
             </a:r>
             <a:r>
               <a:rPr lang="zh-CN" altLang="en-US" sz="2000" dirty="0"/>
@@ -9442,7 +9290,7 @@
             </a:r>
             <a:r>
               <a:rPr lang="en-US" altLang="zh-CN" sz="2000" dirty="0"/>
-              <a:t>data</a:t>
+              <a:t>shard-based</a:t>
             </a:r>
             <a:r>
               <a:rPr lang="zh-CN" altLang="en-US" sz="2000" dirty="0"/>
@@ -9450,52 +9298,1063 @@
             </a:r>
             <a:r>
               <a:rPr lang="en-US" altLang="zh-CN" sz="2000" dirty="0"/>
-              <a:t>shard</a:t>
-            </a:r>
-            <a:r>
-              <a:rPr lang="zh-CN" altLang="en-US" sz="2000" dirty="0"/>
-              <a:t> </a:t>
-            </a:r>
-            <a:r>
-              <a:rPr lang="en-US" altLang="zh-CN" sz="2000" dirty="0"/>
-              <a:t>in</a:t>
-            </a:r>
-            <a:r>
-              <a:rPr lang="zh-CN" altLang="en-US" sz="2000" dirty="0"/>
-              <a:t> </a:t>
-            </a:r>
-            <a:r>
-              <a:rPr lang="en-US" altLang="zh-CN" sz="2000" dirty="0"/>
-              <a:t>the</a:t>
-            </a:r>
-            <a:r>
-              <a:rPr lang="zh-CN" altLang="en-US" sz="2000" dirty="0"/>
-              <a:t> </a:t>
-            </a:r>
-            <a:r>
-              <a:rPr lang="en-US" altLang="zh-CN" sz="2000" dirty="0"/>
-              <a:t>target</a:t>
-            </a:r>
-            <a:r>
-              <a:rPr lang="zh-CN" altLang="en-US" sz="2000" dirty="0"/>
-              <a:t> </a:t>
-            </a:r>
-            <a:r>
-              <a:rPr lang="en-US" altLang="zh-CN" sz="2000" dirty="0"/>
-              <a:t>locale.</a:t>
-            </a:r>
-            <a:r>
-              <a:rPr lang="zh-CN" altLang="en-US" sz="2000" dirty="0"/>
-              <a:t> </a:t>
-            </a:r>
-            <a:endParaRPr lang="en-US" sz="2000" dirty="0"/>
+              <a:t>manner</a:t>
+            </a:r>
+          </a:p>
+        </p:txBody>
+      </p:sp>
+      <p:sp>
+        <p:nvSpPr>
+          <p:cNvPr id="14" name="TextBox 13">
+            <a:extLst>
+              <a:ext uri="{FF2B5EF4-FFF2-40B4-BE49-F238E27FC236}">
+                <a16:creationId xmlns:a16="http://schemas.microsoft.com/office/drawing/2014/main" id="{33F532C4-799A-D743-AF80-574DAC22C4DB}"/>
+              </a:ext>
+            </a:extLst>
+          </p:cNvPr>
+          <p:cNvSpPr txBox="1"/>
+          <p:nvPr/>
+        </p:nvSpPr>
+        <p:spPr>
+          <a:xfrm>
+            <a:off x="5009258" y="3453123"/>
+            <a:ext cx="1244893" cy="369332"/>
+          </a:xfrm>
+          <a:prstGeom prst="rect">
+            <a:avLst/>
+          </a:prstGeom>
+          <a:noFill/>
+        </p:spPr>
+        <p:txBody>
+          <a:bodyPr wrap="none" rtlCol="0">
+            <a:spAutoFit/>
+          </a:bodyPr>
+          <a:lstStyle/>
+          <a:p>
+            <a:r>
+              <a:rPr lang="en-US" altLang="zh-CN" dirty="0">
+                <a:solidFill>
+                  <a:srgbClr val="FF0000"/>
+                </a:solidFill>
+              </a:rPr>
+              <a:t>Shortlisting</a:t>
+            </a:r>
+            <a:endParaRPr lang="en-US" dirty="0">
+              <a:solidFill>
+                <a:srgbClr val="FF0000"/>
+              </a:solidFill>
+            </a:endParaRPr>
+          </a:p>
+        </p:txBody>
+      </p:sp>
+      <p:sp>
+        <p:nvSpPr>
+          <p:cNvPr id="15" name="TextBox 14">
+            <a:extLst>
+              <a:ext uri="{FF2B5EF4-FFF2-40B4-BE49-F238E27FC236}">
+                <a16:creationId xmlns:a16="http://schemas.microsoft.com/office/drawing/2014/main" id="{59BC066C-589D-CA43-8165-D37E4FCA5CC7}"/>
+              </a:ext>
+            </a:extLst>
+          </p:cNvPr>
+          <p:cNvSpPr txBox="1"/>
+          <p:nvPr/>
+        </p:nvSpPr>
+        <p:spPr>
+          <a:xfrm>
+            <a:off x="5177781" y="3985357"/>
+            <a:ext cx="1050993" cy="307777"/>
+          </a:xfrm>
+          <a:prstGeom prst="rect">
+            <a:avLst/>
+          </a:prstGeom>
+          <a:noFill/>
+        </p:spPr>
+        <p:txBody>
+          <a:bodyPr wrap="none" rtlCol="0">
+            <a:spAutoFit/>
+          </a:bodyPr>
+          <a:lstStyle/>
+          <a:p>
+            <a:r>
+              <a:rPr lang="en-US" altLang="zh-CN" sz="1400" dirty="0" err="1"/>
+              <a:t>Upsampling</a:t>
+            </a:r>
+            <a:endParaRPr lang="en-US" dirty="0"/>
+          </a:p>
+        </p:txBody>
+      </p:sp>
+      <p:sp>
+        <p:nvSpPr>
+          <p:cNvPr id="16" name="TextBox 15">
+            <a:extLst>
+              <a:ext uri="{FF2B5EF4-FFF2-40B4-BE49-F238E27FC236}">
+                <a16:creationId xmlns:a16="http://schemas.microsoft.com/office/drawing/2014/main" id="{1BD6088B-66C1-B540-9CFA-C408BE87A651}"/>
+              </a:ext>
+            </a:extLst>
+          </p:cNvPr>
+          <p:cNvSpPr txBox="1"/>
+          <p:nvPr/>
+        </p:nvSpPr>
+        <p:spPr>
+          <a:xfrm>
+            <a:off x="5025589" y="4777744"/>
+            <a:ext cx="1368067" cy="307777"/>
+          </a:xfrm>
+          <a:prstGeom prst="rect">
+            <a:avLst/>
+          </a:prstGeom>
+          <a:noFill/>
+        </p:spPr>
+        <p:txBody>
+          <a:bodyPr wrap="none" rtlCol="0">
+            <a:spAutoFit/>
+          </a:bodyPr>
+          <a:lstStyle/>
+          <a:p>
+            <a:r>
+              <a:rPr lang="en-US" altLang="zh-CN" sz="1400" dirty="0"/>
+              <a:t>Pseudo</a:t>
+            </a:r>
+            <a:r>
+              <a:rPr lang="zh-CN" altLang="en-US" sz="1400" dirty="0"/>
+              <a:t> </a:t>
+            </a:r>
+            <a:r>
+              <a:rPr lang="en-US" altLang="zh-CN" sz="1400" dirty="0"/>
+              <a:t>Labeling</a:t>
+            </a:r>
+            <a:endParaRPr lang="en-US" sz="1400" dirty="0"/>
+          </a:p>
+        </p:txBody>
+      </p:sp>
+      <p:sp>
+        <p:nvSpPr>
+          <p:cNvPr id="17" name="TextBox 16">
+            <a:extLst>
+              <a:ext uri="{FF2B5EF4-FFF2-40B4-BE49-F238E27FC236}">
+                <a16:creationId xmlns:a16="http://schemas.microsoft.com/office/drawing/2014/main" id="{248FFCD7-F681-814B-93EB-0FD237065ABF}"/>
+              </a:ext>
+            </a:extLst>
+          </p:cNvPr>
+          <p:cNvSpPr txBox="1"/>
+          <p:nvPr/>
+        </p:nvSpPr>
+        <p:spPr>
+          <a:xfrm>
+            <a:off x="4924470" y="5720081"/>
+            <a:ext cx="1681679" cy="307777"/>
+          </a:xfrm>
+          <a:prstGeom prst="rect">
+            <a:avLst/>
+          </a:prstGeom>
+          <a:noFill/>
+        </p:spPr>
+        <p:txBody>
+          <a:bodyPr wrap="none" rtlCol="0">
+            <a:spAutoFit/>
+          </a:bodyPr>
+          <a:lstStyle/>
+          <a:p>
+            <a:r>
+              <a:rPr lang="en-US" altLang="zh-CN" sz="1400" dirty="0"/>
+              <a:t>Incremental</a:t>
+            </a:r>
+            <a:r>
+              <a:rPr lang="zh-CN" altLang="en-US" sz="1400" dirty="0"/>
+              <a:t> </a:t>
+            </a:r>
+            <a:r>
+              <a:rPr lang="en-US" altLang="zh-CN" sz="1400" dirty="0"/>
+              <a:t>Training</a:t>
+            </a:r>
+            <a:endParaRPr lang="en-US" sz="1400" dirty="0"/>
+          </a:p>
+        </p:txBody>
+      </p:sp>
+      <p:sp>
+        <p:nvSpPr>
+          <p:cNvPr id="19" name="Left Brace 18">
+            <a:extLst>
+              <a:ext uri="{FF2B5EF4-FFF2-40B4-BE49-F238E27FC236}">
+                <a16:creationId xmlns:a16="http://schemas.microsoft.com/office/drawing/2014/main" id="{2FEEF58C-191D-8F4F-9E43-D23A6F0BC3EA}"/>
+              </a:ext>
+            </a:extLst>
+          </p:cNvPr>
+          <p:cNvSpPr/>
+          <p:nvPr/>
+        </p:nvSpPr>
+        <p:spPr>
+          <a:xfrm>
+            <a:off x="6109371" y="3250766"/>
+            <a:ext cx="289560" cy="847447"/>
+          </a:xfrm>
+          <a:prstGeom prst="leftBrace">
+            <a:avLst/>
+          </a:prstGeom>
+          <a:noFill/>
+          <a:ln>
+            <a:solidFill>
+              <a:srgbClr val="FF0000"/>
+            </a:solidFill>
+          </a:ln>
+        </p:spPr>
+        <p:style>
+          <a:lnRef idx="1">
+            <a:schemeClr val="accent1"/>
+          </a:lnRef>
+          <a:fillRef idx="0">
+            <a:schemeClr val="accent1"/>
+          </a:fillRef>
+          <a:effectRef idx="0">
+            <a:schemeClr val="accent1"/>
+          </a:effectRef>
+          <a:fontRef idx="minor">
+            <a:schemeClr val="tx1"/>
+          </a:fontRef>
+        </p:style>
+        <p:txBody>
+          <a:bodyPr rtlCol="0" anchor="ctr"/>
+          <a:lstStyle/>
+          <a:p>
+            <a:pPr algn="ctr"/>
+            <a:endParaRPr lang="en-US"/>
+          </a:p>
+        </p:txBody>
+      </p:sp>
+      <p:sp>
+        <p:nvSpPr>
+          <p:cNvPr id="20" name="TextBox 19">
+            <a:extLst>
+              <a:ext uri="{FF2B5EF4-FFF2-40B4-BE49-F238E27FC236}">
+                <a16:creationId xmlns:a16="http://schemas.microsoft.com/office/drawing/2014/main" id="{84BD7C0F-1687-1C4B-BE45-78B856EF2D83}"/>
+              </a:ext>
+            </a:extLst>
+          </p:cNvPr>
+          <p:cNvSpPr txBox="1"/>
+          <p:nvPr/>
+        </p:nvSpPr>
+        <p:spPr>
+          <a:xfrm>
+            <a:off x="3730626" y="5776203"/>
+            <a:ext cx="1116844" cy="369332"/>
+          </a:xfrm>
+          <a:prstGeom prst="rect">
+            <a:avLst/>
+          </a:prstGeom>
+          <a:noFill/>
+        </p:spPr>
+        <p:txBody>
+          <a:bodyPr wrap="none" rtlCol="0">
+            <a:spAutoFit/>
+          </a:bodyPr>
+          <a:lstStyle/>
+          <a:p>
+            <a:r>
+              <a:rPr lang="en-US" altLang="zh-CN" dirty="0">
+                <a:solidFill>
+                  <a:srgbClr val="FF0000"/>
+                </a:solidFill>
+              </a:rPr>
+              <a:t>Reranking</a:t>
+            </a:r>
+            <a:endParaRPr lang="en-US" dirty="0">
+              <a:solidFill>
+                <a:srgbClr val="FF0000"/>
+              </a:solidFill>
+            </a:endParaRPr>
+          </a:p>
+        </p:txBody>
+      </p:sp>
+      <p:sp>
+        <p:nvSpPr>
+          <p:cNvPr id="21" name="Left Brace 20">
+            <a:extLst>
+              <a:ext uri="{FF2B5EF4-FFF2-40B4-BE49-F238E27FC236}">
+                <a16:creationId xmlns:a16="http://schemas.microsoft.com/office/drawing/2014/main" id="{BE969A9A-5EB3-8D44-B9F1-53A3F084685B}"/>
+              </a:ext>
+            </a:extLst>
+          </p:cNvPr>
+          <p:cNvSpPr/>
+          <p:nvPr/>
+        </p:nvSpPr>
+        <p:spPr>
+          <a:xfrm>
+            <a:off x="4691484" y="4066057"/>
+            <a:ext cx="311972" cy="1575573"/>
+          </a:xfrm>
+          <a:prstGeom prst="leftBrace">
+            <a:avLst/>
+          </a:prstGeom>
+          <a:ln>
+            <a:solidFill>
+              <a:srgbClr val="FF0000"/>
+            </a:solidFill>
+          </a:ln>
+        </p:spPr>
+        <p:style>
+          <a:lnRef idx="1">
+            <a:schemeClr val="accent1"/>
+          </a:lnRef>
+          <a:fillRef idx="0">
+            <a:schemeClr val="accent1"/>
+          </a:fillRef>
+          <a:effectRef idx="0">
+            <a:schemeClr val="accent1"/>
+          </a:effectRef>
+          <a:fontRef idx="minor">
+            <a:schemeClr val="tx1"/>
+          </a:fontRef>
+        </p:style>
+        <p:txBody>
+          <a:bodyPr rtlCol="0" anchor="ctr"/>
+          <a:lstStyle/>
+          <a:p>
+            <a:pPr algn="ctr"/>
+            <a:endParaRPr lang="en-US"/>
+          </a:p>
+        </p:txBody>
+      </p:sp>
+      <p:sp>
+        <p:nvSpPr>
+          <p:cNvPr id="22" name="TextBox 21">
+            <a:extLst>
+              <a:ext uri="{FF2B5EF4-FFF2-40B4-BE49-F238E27FC236}">
+                <a16:creationId xmlns:a16="http://schemas.microsoft.com/office/drawing/2014/main" id="{E8E6D1FF-037F-3A4C-A296-DDB34F4E3EAD}"/>
+              </a:ext>
+            </a:extLst>
+          </p:cNvPr>
+          <p:cNvSpPr txBox="1"/>
+          <p:nvPr/>
+        </p:nvSpPr>
+        <p:spPr>
+          <a:xfrm>
+            <a:off x="4924470" y="2529703"/>
+            <a:ext cx="1441228" cy="369332"/>
+          </a:xfrm>
+          <a:prstGeom prst="rect">
+            <a:avLst/>
+          </a:prstGeom>
+          <a:noFill/>
+        </p:spPr>
+        <p:txBody>
+          <a:bodyPr wrap="none" rtlCol="0">
+            <a:spAutoFit/>
+          </a:bodyPr>
+          <a:lstStyle/>
+          <a:p>
+            <a:r>
+              <a:rPr lang="en-US" altLang="zh-CN" dirty="0">
+                <a:solidFill>
+                  <a:srgbClr val="FF0000"/>
+                </a:solidFill>
+              </a:rPr>
+              <a:t>Data</a:t>
+            </a:r>
+            <a:r>
+              <a:rPr lang="zh-CN" altLang="en-US" dirty="0">
+                <a:solidFill>
+                  <a:srgbClr val="FF0000"/>
+                </a:solidFill>
+              </a:rPr>
+              <a:t> </a:t>
+            </a:r>
+            <a:r>
+              <a:rPr lang="en-US" altLang="zh-CN" dirty="0">
+                <a:solidFill>
+                  <a:srgbClr val="FF0000"/>
+                </a:solidFill>
+              </a:rPr>
+              <a:t>Splitting</a:t>
+            </a:r>
+            <a:endParaRPr lang="en-US" dirty="0">
+              <a:solidFill>
+                <a:srgbClr val="FF0000"/>
+              </a:solidFill>
+            </a:endParaRPr>
+          </a:p>
+        </p:txBody>
+      </p:sp>
+      <p:sp>
+        <p:nvSpPr>
+          <p:cNvPr id="18" name="TextBox 17">
+            <a:extLst>
+              <a:ext uri="{FF2B5EF4-FFF2-40B4-BE49-F238E27FC236}">
+                <a16:creationId xmlns:a16="http://schemas.microsoft.com/office/drawing/2014/main" id="{ED9EE1D1-11AD-2345-BBA2-E72B3E2DA1DA}"/>
+              </a:ext>
+            </a:extLst>
+          </p:cNvPr>
+          <p:cNvSpPr txBox="1"/>
+          <p:nvPr/>
+        </p:nvSpPr>
+        <p:spPr>
+          <a:xfrm>
+            <a:off x="2621838" y="4669177"/>
+            <a:ext cx="2012923" cy="369332"/>
+          </a:xfrm>
+          <a:prstGeom prst="rect">
+            <a:avLst/>
+          </a:prstGeom>
+          <a:noFill/>
+        </p:spPr>
+        <p:txBody>
+          <a:bodyPr wrap="none" rtlCol="0">
+            <a:spAutoFit/>
+          </a:bodyPr>
+          <a:lstStyle/>
+          <a:p>
+            <a:r>
+              <a:rPr lang="en-US" altLang="zh-CN" dirty="0">
+                <a:solidFill>
+                  <a:srgbClr val="FF0000"/>
+                </a:solidFill>
+              </a:rPr>
+              <a:t>Data</a:t>
+            </a:r>
+            <a:r>
+              <a:rPr lang="zh-CN" altLang="en-US" dirty="0">
+                <a:solidFill>
+                  <a:srgbClr val="FF0000"/>
+                </a:solidFill>
+              </a:rPr>
+              <a:t> </a:t>
+            </a:r>
+            <a:r>
+              <a:rPr lang="en-US" altLang="zh-CN" dirty="0">
+                <a:solidFill>
+                  <a:srgbClr val="FF0000"/>
+                </a:solidFill>
+              </a:rPr>
+              <a:t>Augmentation</a:t>
+            </a:r>
+            <a:endParaRPr lang="en-US" dirty="0">
+              <a:solidFill>
+                <a:srgbClr val="FF0000"/>
+              </a:solidFill>
+            </a:endParaRPr>
           </a:p>
         </p:txBody>
       </p:sp>
     </p:spTree>
     <p:extLst>
       <p:ext uri="{BB962C8B-B14F-4D97-AF65-F5344CB8AC3E}">
-        <p14:creationId xmlns:p14="http://schemas.microsoft.com/office/powerpoint/2010/main" val="2492354654"/>
+        <p14:creationId xmlns:p14="http://schemas.microsoft.com/office/powerpoint/2010/main" val="1683375039"/>
+      </p:ext>
+    </p:extLst>
+  </p:cSld>
+  <p:clrMapOvr>
+    <a:masterClrMapping/>
+  </p:clrMapOvr>
+</p:sld>
+</file>
+
+<file path=ppt/slides/slide6.xml><?xml version="1.0" encoding="utf-8"?>
+<p:sld xmlns:a="http://schemas.openxmlformats.org/drawingml/2006/main" xmlns:r="http://schemas.openxmlformats.org/officeDocument/2006/relationships" xmlns:p="http://schemas.openxmlformats.org/presentationml/2006/main">
+  <p:cSld>
+    <p:spTree>
+      <p:nvGrpSpPr>
+        <p:cNvPr id="1" name=""/>
+        <p:cNvGrpSpPr/>
+        <p:nvPr/>
+      </p:nvGrpSpPr>
+      <p:grpSpPr>
+        <a:xfrm>
+          <a:off x="0" y="0"/>
+          <a:ext cx="0" cy="0"/>
+          <a:chOff x="0" y="0"/>
+          <a:chExt cx="0" cy="0"/>
+        </a:xfrm>
+      </p:grpSpPr>
+      <p:sp>
+        <p:nvSpPr>
+          <p:cNvPr id="2" name="Title 1">
+            <a:extLst>
+              <a:ext uri="{FF2B5EF4-FFF2-40B4-BE49-F238E27FC236}">
+                <a16:creationId xmlns:a16="http://schemas.microsoft.com/office/drawing/2014/main" id="{5B1477C2-FD27-2B4C-8D83-A235F981A9C9}"/>
+              </a:ext>
+            </a:extLst>
+          </p:cNvPr>
+          <p:cNvSpPr>
+            <a:spLocks noGrp="1"/>
+          </p:cNvSpPr>
+          <p:nvPr>
+            <p:ph type="title"/>
+          </p:nvPr>
+        </p:nvSpPr>
+        <p:spPr/>
+        <p:txBody>
+          <a:bodyPr/>
+          <a:lstStyle/>
+          <a:p>
+            <a:r>
+              <a:rPr lang="en-US" dirty="0"/>
+              <a:t>Fram</a:t>
+            </a:r>
+            <a:r>
+              <a:rPr lang="en-US" altLang="zh-CN" dirty="0"/>
+              <a:t>ework</a:t>
+            </a:r>
+            <a:r>
+              <a:rPr lang="zh-CN" altLang="en-US" dirty="0"/>
+              <a:t> </a:t>
+            </a:r>
+            <a:r>
+              <a:rPr lang="en-US" altLang="zh-CN" dirty="0"/>
+              <a:t>Diagram</a:t>
+            </a:r>
+            <a:endParaRPr lang="en-US" dirty="0"/>
+          </a:p>
+        </p:txBody>
+      </p:sp>
+      <p:pic>
+        <p:nvPicPr>
+          <p:cNvPr id="4" name="Content Placeholder 7">
+            <a:extLst>
+              <a:ext uri="{FF2B5EF4-FFF2-40B4-BE49-F238E27FC236}">
+                <a16:creationId xmlns:a16="http://schemas.microsoft.com/office/drawing/2014/main" id="{ACA03F52-4C30-544F-9826-A3C1CD1986C3}"/>
+              </a:ext>
+            </a:extLst>
+          </p:cNvPr>
+          <p:cNvPicPr>
+            <a:picLocks noChangeAspect="1"/>
+          </p:cNvPicPr>
+          <p:nvPr/>
+        </p:nvPicPr>
+        <p:blipFill>
+          <a:blip r:embed="rId2"/>
+          <a:stretch>
+            <a:fillRect/>
+          </a:stretch>
+        </p:blipFill>
+        <p:spPr>
+          <a:xfrm>
+            <a:off x="838200" y="2431183"/>
+            <a:ext cx="10371138" cy="3184672"/>
+          </a:xfrm>
+          <a:prstGeom prst="rect">
+            <a:avLst/>
+          </a:prstGeom>
+        </p:spPr>
+      </p:pic>
+      <p:sp>
+        <p:nvSpPr>
+          <p:cNvPr id="5" name="Rectangle 4">
+            <a:extLst>
+              <a:ext uri="{FF2B5EF4-FFF2-40B4-BE49-F238E27FC236}">
+                <a16:creationId xmlns:a16="http://schemas.microsoft.com/office/drawing/2014/main" id="{BC03CD12-4DEA-474A-992B-C3D73DA63C6B}"/>
+              </a:ext>
+            </a:extLst>
+          </p:cNvPr>
+          <p:cNvSpPr/>
+          <p:nvPr/>
+        </p:nvSpPr>
+        <p:spPr>
+          <a:xfrm>
+            <a:off x="2547991" y="2342508"/>
+            <a:ext cx="2465798" cy="3273347"/>
+          </a:xfrm>
+          <a:prstGeom prst="rect">
+            <a:avLst/>
+          </a:prstGeom>
+          <a:noFill/>
+          <a:ln w="25400">
+            <a:solidFill>
+              <a:srgbClr val="FF0000"/>
+            </a:solidFill>
+          </a:ln>
+        </p:spPr>
+        <p:style>
+          <a:lnRef idx="2">
+            <a:schemeClr val="accent6"/>
+          </a:lnRef>
+          <a:fillRef idx="1">
+            <a:schemeClr val="lt1"/>
+          </a:fillRef>
+          <a:effectRef idx="0">
+            <a:schemeClr val="accent6"/>
+          </a:effectRef>
+          <a:fontRef idx="minor">
+            <a:schemeClr val="dk1"/>
+          </a:fontRef>
+        </p:style>
+        <p:txBody>
+          <a:bodyPr rtlCol="0" anchor="ctr"/>
+          <a:lstStyle/>
+          <a:p>
+            <a:pPr algn="ctr"/>
+            <a:endParaRPr lang="en-US" b="1" dirty="0">
+              <a:ln w="0"/>
+              <a:solidFill>
+                <a:schemeClr val="tx1"/>
+              </a:solidFill>
+              <a:effectLst>
+                <a:outerShdw blurRad="38100" dist="19050" dir="2700000" algn="tl" rotWithShape="0">
+                  <a:schemeClr val="dk1">
+                    <a:alpha val="40000"/>
+                  </a:schemeClr>
+                </a:outerShdw>
+              </a:effectLst>
+            </a:endParaRPr>
+          </a:p>
+        </p:txBody>
+      </p:sp>
+    </p:spTree>
+    <p:extLst>
+      <p:ext uri="{BB962C8B-B14F-4D97-AF65-F5344CB8AC3E}">
+        <p14:creationId xmlns:p14="http://schemas.microsoft.com/office/powerpoint/2010/main" val="2841643894"/>
+      </p:ext>
+    </p:extLst>
+  </p:cSld>
+  <p:clrMapOvr>
+    <a:masterClrMapping/>
+  </p:clrMapOvr>
+</p:sld>
+</file>
+
+<file path=ppt/slides/slide7.xml><?xml version="1.0" encoding="utf-8"?>
+<p:sld xmlns:a="http://schemas.openxmlformats.org/drawingml/2006/main" xmlns:r="http://schemas.openxmlformats.org/officeDocument/2006/relationships" xmlns:p="http://schemas.openxmlformats.org/presentationml/2006/main">
+  <p:cSld>
+    <p:spTree>
+      <p:nvGrpSpPr>
+        <p:cNvPr id="1" name=""/>
+        <p:cNvGrpSpPr/>
+        <p:nvPr/>
+      </p:nvGrpSpPr>
+      <p:grpSpPr>
+        <a:xfrm>
+          <a:off x="0" y="0"/>
+          <a:ext cx="0" cy="0"/>
+          <a:chOff x="0" y="0"/>
+          <a:chExt cx="0" cy="0"/>
+        </a:xfrm>
+      </p:grpSpPr>
+      <p:sp>
+        <p:nvSpPr>
+          <p:cNvPr id="2" name="Title 1">
+            <a:extLst>
+              <a:ext uri="{FF2B5EF4-FFF2-40B4-BE49-F238E27FC236}">
+                <a16:creationId xmlns:a16="http://schemas.microsoft.com/office/drawing/2014/main" id="{BAB9AA12-0137-2B49-B00B-5DCCDBAF31F0}"/>
+              </a:ext>
+            </a:extLst>
+          </p:cNvPr>
+          <p:cNvSpPr>
+            <a:spLocks noGrp="1"/>
+          </p:cNvSpPr>
+          <p:nvPr>
+            <p:ph type="title"/>
+          </p:nvPr>
+        </p:nvSpPr>
+        <p:spPr/>
+        <p:txBody>
+          <a:bodyPr/>
+          <a:lstStyle/>
+          <a:p>
+            <a:r>
+              <a:rPr lang="en-US" altLang="zh-CN" dirty="0"/>
+              <a:t>Shortlisting</a:t>
+            </a:r>
+            <a:endParaRPr lang="en-US" dirty="0"/>
+          </a:p>
+        </p:txBody>
+      </p:sp>
+      <p:sp>
+        <p:nvSpPr>
+          <p:cNvPr id="3" name="Content Placeholder 2">
+            <a:extLst>
+              <a:ext uri="{FF2B5EF4-FFF2-40B4-BE49-F238E27FC236}">
+                <a16:creationId xmlns:a16="http://schemas.microsoft.com/office/drawing/2014/main" id="{27FEC3C0-5696-2E4A-A49B-E7E1B00DFE38}"/>
+              </a:ext>
+            </a:extLst>
+          </p:cNvPr>
+          <p:cNvSpPr>
+            <a:spLocks noGrp="1"/>
+          </p:cNvSpPr>
+          <p:nvPr>
+            <p:ph idx="1"/>
+          </p:nvPr>
+        </p:nvSpPr>
+        <p:spPr>
+          <a:xfrm>
+            <a:off x="838200" y="1690688"/>
+            <a:ext cx="7453184" cy="4165581"/>
+          </a:xfrm>
+        </p:spPr>
+        <p:txBody>
+          <a:bodyPr>
+            <a:normAutofit/>
+          </a:bodyPr>
+          <a:lstStyle/>
+          <a:p>
+            <a:r>
+              <a:rPr lang="en-US" altLang="zh-CN" sz="2000" dirty="0"/>
+              <a:t>Elasticsearch</a:t>
+            </a:r>
+            <a:r>
+              <a:rPr lang="zh-CN" altLang="en-US" sz="2000" dirty="0"/>
+              <a:t> </a:t>
+            </a:r>
+            <a:r>
+              <a:rPr lang="en-US" altLang="zh-CN" sz="2000" dirty="0"/>
+              <a:t>applies</a:t>
+            </a:r>
+            <a:r>
+              <a:rPr lang="zh-CN" altLang="en-US" sz="2000" dirty="0"/>
+              <a:t> </a:t>
+            </a:r>
+            <a:r>
+              <a:rPr lang="en-US" altLang="zh-CN" sz="2000" dirty="0"/>
+              <a:t>TF-IDF</a:t>
+            </a:r>
+            <a:r>
+              <a:rPr lang="zh-CN" altLang="en-US" sz="2000" dirty="0"/>
+              <a:t> </a:t>
+            </a:r>
+            <a:r>
+              <a:rPr lang="en-US" altLang="zh-CN" sz="2000" dirty="0"/>
+              <a:t>model</a:t>
+            </a:r>
+            <a:r>
+              <a:rPr lang="zh-CN" altLang="en-US" sz="2000" dirty="0"/>
+              <a:t> </a:t>
+            </a:r>
+            <a:r>
+              <a:rPr lang="en-US" altLang="zh-CN" sz="2000" dirty="0"/>
+              <a:t>to</a:t>
+            </a:r>
+            <a:r>
+              <a:rPr lang="zh-CN" altLang="en-US" sz="2000" dirty="0"/>
+              <a:t> </a:t>
+            </a:r>
+            <a:r>
+              <a:rPr lang="en-US" altLang="zh-CN" sz="2000" dirty="0"/>
+              <a:t>search</a:t>
+            </a:r>
+            <a:r>
+              <a:rPr lang="zh-CN" altLang="en-US" sz="2000" dirty="0"/>
+              <a:t> </a:t>
+            </a:r>
+            <a:r>
+              <a:rPr lang="en-US" altLang="zh-CN" sz="2000" dirty="0"/>
+              <a:t>the</a:t>
+            </a:r>
+            <a:r>
+              <a:rPr lang="zh-CN" altLang="en-US" sz="2000" dirty="0"/>
+              <a:t> </a:t>
+            </a:r>
+            <a:r>
+              <a:rPr lang="en-US" altLang="zh-CN" sz="2000" dirty="0"/>
+              <a:t>top</a:t>
+            </a:r>
+            <a:r>
+              <a:rPr lang="zh-CN" altLang="en-US" sz="2000" dirty="0"/>
+              <a:t> </a:t>
+            </a:r>
+            <a:r>
+              <a:rPr lang="en-US" altLang="zh-CN" sz="2000" dirty="0"/>
+              <a:t>K</a:t>
+            </a:r>
+            <a:r>
+              <a:rPr lang="zh-CN" altLang="en-US" sz="2000" dirty="0"/>
+              <a:t> </a:t>
+            </a:r>
+            <a:r>
+              <a:rPr lang="en-US" altLang="zh-CN" sz="2000" dirty="0"/>
+              <a:t>skills</a:t>
+            </a:r>
+            <a:r>
+              <a:rPr lang="zh-CN" altLang="en-US" sz="2000" dirty="0"/>
+              <a:t> </a:t>
+            </a:r>
+            <a:r>
+              <a:rPr lang="en-US" altLang="zh-CN" sz="2000" dirty="0"/>
+              <a:t>for</a:t>
+            </a:r>
+            <a:r>
+              <a:rPr lang="zh-CN" altLang="en-US" sz="2000" dirty="0"/>
+              <a:t> </a:t>
+            </a:r>
+            <a:r>
+              <a:rPr lang="en-US" altLang="zh-CN" sz="2000" dirty="0"/>
+              <a:t>an</a:t>
+            </a:r>
+            <a:r>
+              <a:rPr lang="zh-CN" altLang="en-US" sz="2000" dirty="0"/>
+              <a:t> </a:t>
+            </a:r>
+            <a:r>
+              <a:rPr lang="en-US" altLang="zh-CN" sz="2000" dirty="0"/>
+              <a:t>utterance</a:t>
+            </a:r>
+            <a:r>
+              <a:rPr lang="zh-CN" altLang="en-US" sz="2000" dirty="0"/>
+              <a:t> </a:t>
+            </a:r>
+            <a:r>
+              <a:rPr lang="en-US" altLang="zh-CN" sz="2000" dirty="0"/>
+              <a:t>in</a:t>
+            </a:r>
+            <a:r>
+              <a:rPr lang="zh-CN" altLang="en-US" sz="2000" dirty="0"/>
+              <a:t> </a:t>
+            </a:r>
+            <a:r>
+              <a:rPr lang="en-US" altLang="zh-CN" sz="2000" dirty="0"/>
+              <a:t>both</a:t>
+            </a:r>
+            <a:r>
+              <a:rPr lang="zh-CN" altLang="en-US" sz="2000" dirty="0"/>
+              <a:t> </a:t>
+            </a:r>
+            <a:r>
+              <a:rPr lang="en-US" altLang="zh-CN" sz="2000" dirty="0"/>
+              <a:t>locales.</a:t>
+            </a:r>
+          </a:p>
+          <a:p>
+            <a:endParaRPr lang="en-US" altLang="zh-CN" sz="2000" dirty="0"/>
+          </a:p>
+          <a:p>
+            <a:endParaRPr lang="en-US" altLang="zh-CN" sz="2000" dirty="0"/>
+          </a:p>
+          <a:p>
+            <a:endParaRPr lang="en-US" altLang="zh-CN" sz="2000" dirty="0"/>
+          </a:p>
+          <a:p>
+            <a:r>
+              <a:rPr lang="en-US" altLang="zh-CN" sz="2000" dirty="0"/>
+              <a:t>Based</a:t>
+            </a:r>
+            <a:r>
+              <a:rPr lang="zh-CN" altLang="en-US" sz="2000" dirty="0"/>
+              <a:t> </a:t>
+            </a:r>
+            <a:r>
+              <a:rPr lang="en-US" altLang="zh-CN" sz="2000" dirty="0"/>
+              <a:t>on</a:t>
+            </a:r>
+            <a:r>
+              <a:rPr lang="zh-CN" altLang="en-US" sz="2000" dirty="0"/>
+              <a:t> </a:t>
+            </a:r>
+            <a:r>
+              <a:rPr lang="en-US" altLang="zh-CN" sz="2000" dirty="0"/>
+              <a:t>the</a:t>
+            </a:r>
+            <a:r>
+              <a:rPr lang="zh-CN" altLang="en-US" sz="2000" dirty="0"/>
+              <a:t> </a:t>
+            </a:r>
+            <a:r>
+              <a:rPr lang="en-US" altLang="zh-CN" sz="2000" dirty="0"/>
+              <a:t>rule</a:t>
+            </a:r>
+            <a:r>
+              <a:rPr lang="zh-CN" altLang="en-US" sz="2000" dirty="0"/>
+              <a:t> </a:t>
+            </a:r>
+            <a:r>
+              <a:rPr lang="en-US" altLang="zh-CN" sz="2000" dirty="0"/>
+              <a:t>based</a:t>
+            </a:r>
+            <a:r>
+              <a:rPr lang="zh-CN" altLang="en-US" sz="2000" dirty="0"/>
+              <a:t> </a:t>
+            </a:r>
+            <a:r>
+              <a:rPr lang="en-US" altLang="zh-CN" sz="2000" dirty="0"/>
+              <a:t>matching</a:t>
+            </a:r>
+            <a:r>
+              <a:rPr lang="zh-CN" altLang="en-US" sz="2000" dirty="0"/>
+              <a:t> </a:t>
+            </a:r>
+            <a:r>
+              <a:rPr lang="en-US" altLang="zh-CN" sz="2000" dirty="0"/>
+              <a:t>between</a:t>
+            </a:r>
+            <a:r>
+              <a:rPr lang="zh-CN" altLang="en-US" sz="2000" dirty="0"/>
+              <a:t> </a:t>
+            </a:r>
+            <a:r>
+              <a:rPr lang="en-US" altLang="zh-CN" sz="2000" dirty="0"/>
+              <a:t>utterance</a:t>
+            </a:r>
+            <a:r>
+              <a:rPr lang="zh-CN" altLang="en-US" sz="2000" dirty="0"/>
+              <a:t> </a:t>
+            </a:r>
+            <a:r>
+              <a:rPr lang="en-US" altLang="zh-CN" sz="2000" dirty="0"/>
+              <a:t>text</a:t>
+            </a:r>
+            <a:r>
+              <a:rPr lang="zh-CN" altLang="en-US" sz="2000" dirty="0"/>
+              <a:t> </a:t>
+            </a:r>
+            <a:r>
+              <a:rPr lang="en-US" altLang="zh-CN" sz="2000" dirty="0"/>
+              <a:t>and</a:t>
+            </a:r>
+            <a:r>
+              <a:rPr lang="zh-CN" altLang="en-US" sz="2000" dirty="0"/>
+              <a:t> </a:t>
+            </a:r>
+            <a:r>
+              <a:rPr lang="en-US" altLang="zh-CN" sz="2000" dirty="0"/>
+              <a:t>skill</a:t>
+            </a:r>
+            <a:r>
+              <a:rPr lang="zh-CN" altLang="en-US" sz="2000" dirty="0"/>
+              <a:t> </a:t>
+            </a:r>
+            <a:r>
+              <a:rPr lang="en-US" altLang="zh-CN" sz="2000" dirty="0"/>
+              <a:t>definition</a:t>
+            </a:r>
+            <a:r>
+              <a:rPr lang="zh-CN" altLang="en-US" sz="2000" dirty="0"/>
+              <a:t> </a:t>
+            </a:r>
+            <a:r>
+              <a:rPr lang="en-US" altLang="zh-CN" sz="2000" dirty="0"/>
+              <a:t>and</a:t>
+            </a:r>
+            <a:r>
+              <a:rPr lang="zh-CN" altLang="en-US" sz="2000" dirty="0"/>
+              <a:t> </a:t>
+            </a:r>
+            <a:r>
+              <a:rPr lang="en-US" altLang="zh-CN" sz="2000" dirty="0"/>
+              <a:t>category.</a:t>
+            </a:r>
+            <a:r>
+              <a:rPr lang="zh-CN" altLang="en-US" sz="2000" dirty="0"/>
+              <a:t> </a:t>
+            </a:r>
+            <a:endParaRPr lang="en-US" sz="2000" dirty="0"/>
+          </a:p>
+        </p:txBody>
+      </p:sp>
+      <p:sp>
+        <p:nvSpPr>
+          <p:cNvPr id="4" name="Date Placeholder 3">
+            <a:extLst>
+              <a:ext uri="{FF2B5EF4-FFF2-40B4-BE49-F238E27FC236}">
+                <a16:creationId xmlns:a16="http://schemas.microsoft.com/office/drawing/2014/main" id="{5C290958-4AA7-BD4F-B0F5-F9F00E116196}"/>
+              </a:ext>
+            </a:extLst>
+          </p:cNvPr>
+          <p:cNvSpPr>
+            <a:spLocks noGrp="1"/>
+          </p:cNvSpPr>
+          <p:nvPr>
+            <p:ph type="dt" sz="half" idx="10"/>
+          </p:nvPr>
+        </p:nvSpPr>
+        <p:spPr/>
+        <p:txBody>
+          <a:bodyPr/>
+          <a:lstStyle/>
+          <a:p>
+            <a:r>
+              <a:rPr lang="en-US" altLang="zh-CN" dirty="0"/>
+              <a:t>07/22/2021</a:t>
+            </a:r>
+            <a:endParaRPr lang="en-US" dirty="0"/>
+          </a:p>
+        </p:txBody>
+      </p:sp>
+      <p:sp>
+        <p:nvSpPr>
+          <p:cNvPr id="6" name="Footer Placeholder 5">
+            <a:extLst>
+              <a:ext uri="{FF2B5EF4-FFF2-40B4-BE49-F238E27FC236}">
+                <a16:creationId xmlns:a16="http://schemas.microsoft.com/office/drawing/2014/main" id="{9813C23F-EDB9-274D-835A-81DC64BC6409}"/>
+              </a:ext>
+            </a:extLst>
+          </p:cNvPr>
+          <p:cNvSpPr>
+            <a:spLocks noGrp="1"/>
+          </p:cNvSpPr>
+          <p:nvPr>
+            <p:ph type="ftr" sz="quarter" idx="11"/>
+          </p:nvPr>
+        </p:nvSpPr>
+        <p:spPr/>
+        <p:txBody>
+          <a:bodyPr/>
+          <a:lstStyle/>
+          <a:p>
+            <a:r>
+              <a:rPr lang="en-US" dirty="0"/>
+              <a:t>Confidential, do not distribute</a:t>
+            </a:r>
+          </a:p>
+        </p:txBody>
+      </p:sp>
+      <p:sp>
+        <p:nvSpPr>
+          <p:cNvPr id="7" name="Slide Number Placeholder 6">
+            <a:extLst>
+              <a:ext uri="{FF2B5EF4-FFF2-40B4-BE49-F238E27FC236}">
+                <a16:creationId xmlns:a16="http://schemas.microsoft.com/office/drawing/2014/main" id="{F513CB1F-06BD-7A47-ADFF-652B3ED321F0}"/>
+              </a:ext>
+            </a:extLst>
+          </p:cNvPr>
+          <p:cNvSpPr>
+            <a:spLocks noGrp="1"/>
+          </p:cNvSpPr>
+          <p:nvPr>
+            <p:ph type="sldNum" sz="quarter" idx="12"/>
+          </p:nvPr>
+        </p:nvSpPr>
+        <p:spPr/>
+        <p:txBody>
+          <a:bodyPr/>
+          <a:lstStyle/>
+          <a:p>
+            <a:fld id="{6615785A-6CC9-604F-A350-0F2C666BA50C}" type="slidenum">
+              <a:rPr lang="en-US" smtClean="0"/>
+              <a:t>7</a:t>
+            </a:fld>
+            <a:endParaRPr lang="en-US"/>
+          </a:p>
+        </p:txBody>
+      </p:sp>
+      <p:pic>
+        <p:nvPicPr>
+          <p:cNvPr id="8" name="Picture 7">
+            <a:extLst>
+              <a:ext uri="{FF2B5EF4-FFF2-40B4-BE49-F238E27FC236}">
+                <a16:creationId xmlns:a16="http://schemas.microsoft.com/office/drawing/2014/main" id="{E3F44811-8B0E-C740-9871-3B001DBC599D}"/>
+              </a:ext>
+            </a:extLst>
+          </p:cNvPr>
+          <p:cNvPicPr>
+            <a:picLocks noChangeAspect="1"/>
+          </p:cNvPicPr>
+          <p:nvPr/>
+        </p:nvPicPr>
+        <p:blipFill>
+          <a:blip r:embed="rId3"/>
+          <a:stretch>
+            <a:fillRect/>
+          </a:stretch>
+        </p:blipFill>
+        <p:spPr>
+          <a:xfrm>
+            <a:off x="3042509" y="2431464"/>
+            <a:ext cx="4851400" cy="800100"/>
+          </a:xfrm>
+          <a:prstGeom prst="rect">
+            <a:avLst/>
+          </a:prstGeom>
+        </p:spPr>
+      </p:pic>
+    </p:spTree>
+    <p:extLst>
+      <p:ext uri="{BB962C8B-B14F-4D97-AF65-F5344CB8AC3E}">
+        <p14:creationId xmlns:p14="http://schemas.microsoft.com/office/powerpoint/2010/main" val="696828988"/>
       </p:ext>
     </p:extLst>
   </p:cSld>
@@ -9527,7 +10386,7 @@
           <p:cNvPr id="2" name="Title 1">
             <a:extLst>
               <a:ext uri="{FF2B5EF4-FFF2-40B4-BE49-F238E27FC236}">
-                <a16:creationId xmlns:a16="http://schemas.microsoft.com/office/drawing/2014/main" id="{BAB9AA12-0137-2B49-B00B-5DCCDBAF31F0}"/>
+                <a16:creationId xmlns:a16="http://schemas.microsoft.com/office/drawing/2014/main" id="{5B1477C2-FD27-2B4C-8D83-A235F981A9C9}"/>
               </a:ext>
             </a:extLst>
           </p:cNvPr>
@@ -9544,173 +10403,31 @@
           <a:lstStyle/>
           <a:p>
             <a:r>
+              <a:rPr lang="en-US" dirty="0"/>
+              <a:t>Fram</a:t>
+            </a:r>
+            <a:r>
               <a:rPr lang="en-US" altLang="zh-CN" dirty="0"/>
-              <a:t>Experiments</a:t>
+              <a:t>ework</a:t>
+            </a:r>
+            <a:r>
+              <a:rPr lang="zh-CN" altLang="en-US" dirty="0"/>
+              <a:t> </a:t>
+            </a:r>
+            <a:r>
+              <a:rPr lang="en-US" altLang="zh-CN" dirty="0"/>
+              <a:t>Diagram</a:t>
             </a:r>
             <a:endParaRPr lang="en-US" dirty="0"/>
-          </a:p>
-        </p:txBody>
-      </p:sp>
-      <p:sp>
-        <p:nvSpPr>
-          <p:cNvPr id="3" name="Content Placeholder 2">
-            <a:extLst>
-              <a:ext uri="{FF2B5EF4-FFF2-40B4-BE49-F238E27FC236}">
-                <a16:creationId xmlns:a16="http://schemas.microsoft.com/office/drawing/2014/main" id="{27FEC3C0-5696-2E4A-A49B-E7E1B00DFE38}"/>
-              </a:ext>
-            </a:extLst>
-          </p:cNvPr>
-          <p:cNvSpPr>
-            <a:spLocks noGrp="1"/>
-          </p:cNvSpPr>
-          <p:nvPr>
-            <p:ph idx="1"/>
-          </p:nvPr>
-        </p:nvSpPr>
-        <p:spPr>
-          <a:xfrm>
-            <a:off x="838200" y="1690688"/>
-            <a:ext cx="10370906" cy="4165581"/>
-          </a:xfrm>
-        </p:spPr>
-        <p:txBody>
-          <a:bodyPr>
-            <a:normAutofit/>
-          </a:bodyPr>
-          <a:lstStyle/>
-          <a:p>
-            <a:r>
-              <a:rPr lang="en-US" altLang="zh-CN" sz="2000" dirty="0"/>
-              <a:t>Datasets:</a:t>
-            </a:r>
-            <a:r>
-              <a:rPr lang="zh-CN" altLang="en-US" sz="2000" dirty="0"/>
-              <a:t> </a:t>
-            </a:r>
-            <a:r>
-              <a:rPr lang="en-US" altLang="zh-CN" sz="2000" dirty="0"/>
-              <a:t>Two real-world cross-locale datasets from Alexa are constructed for model evaluation.</a:t>
-            </a:r>
-          </a:p>
-          <a:p>
-            <a:pPr lvl="1"/>
-            <a:r>
-              <a:rPr lang="en-US" altLang="zh-CN" sz="1600" dirty="0"/>
-              <a:t>Dataset US-CA takes the United States for source locale (SL) and Canada for target locale (TL). </a:t>
-            </a:r>
-          </a:p>
-          <a:p>
-            <a:pPr lvl="1"/>
-            <a:r>
-              <a:rPr lang="en-US" altLang="zh-CN" sz="1600" dirty="0"/>
-              <a:t>Dataset US-GB takes the United States for source locale and Great Britain for target locale. </a:t>
-            </a:r>
-          </a:p>
-          <a:p>
-            <a:pPr lvl="1"/>
-            <a:r>
-              <a:rPr lang="en-US" altLang="zh-CN" sz="1600" dirty="0"/>
-              <a:t>Both datasets are sampled English utterances from Alexa devices during October 2020</a:t>
-            </a:r>
-          </a:p>
-          <a:p>
-            <a:pPr lvl="1"/>
-            <a:endParaRPr lang="en-US" sz="1600" dirty="0"/>
-          </a:p>
-        </p:txBody>
-      </p:sp>
-      <p:sp>
-        <p:nvSpPr>
-          <p:cNvPr id="4" name="Date Placeholder 3">
-            <a:extLst>
-              <a:ext uri="{FF2B5EF4-FFF2-40B4-BE49-F238E27FC236}">
-                <a16:creationId xmlns:a16="http://schemas.microsoft.com/office/drawing/2014/main" id="{5C290958-4AA7-BD4F-B0F5-F9F00E116196}"/>
-              </a:ext>
-            </a:extLst>
-          </p:cNvPr>
-          <p:cNvSpPr>
-            <a:spLocks noGrp="1"/>
-          </p:cNvSpPr>
-          <p:nvPr>
-            <p:ph type="dt" sz="half" idx="10"/>
-          </p:nvPr>
-        </p:nvSpPr>
-        <p:spPr/>
-        <p:txBody>
-          <a:bodyPr/>
-          <a:lstStyle/>
-          <a:p>
-            <a:r>
-              <a:rPr lang="en-US" altLang="zh-CN" dirty="0"/>
-              <a:t>07/22/2021</a:t>
-            </a:r>
-            <a:endParaRPr lang="en-US" dirty="0"/>
-          </a:p>
-        </p:txBody>
-      </p:sp>
-      <p:sp>
-        <p:nvSpPr>
-          <p:cNvPr id="6" name="Footer Placeholder 5">
-            <a:extLst>
-              <a:ext uri="{FF2B5EF4-FFF2-40B4-BE49-F238E27FC236}">
-                <a16:creationId xmlns:a16="http://schemas.microsoft.com/office/drawing/2014/main" id="{9813C23F-EDB9-274D-835A-81DC64BC6409}"/>
-              </a:ext>
-            </a:extLst>
-          </p:cNvPr>
-          <p:cNvSpPr>
-            <a:spLocks noGrp="1"/>
-          </p:cNvSpPr>
-          <p:nvPr>
-            <p:ph type="ftr" sz="quarter" idx="11"/>
-          </p:nvPr>
-        </p:nvSpPr>
-        <p:spPr/>
-        <p:txBody>
-          <a:bodyPr/>
-          <a:lstStyle/>
-          <a:p>
-            <a:r>
-              <a:rPr lang="en-US" dirty="0"/>
-              <a:t>Confidential, do not distribute</a:t>
-            </a:r>
-          </a:p>
-        </p:txBody>
-      </p:sp>
-      <p:sp>
-        <p:nvSpPr>
-          <p:cNvPr id="7" name="Slide Number Placeholder 6">
-            <a:extLst>
-              <a:ext uri="{FF2B5EF4-FFF2-40B4-BE49-F238E27FC236}">
-                <a16:creationId xmlns:a16="http://schemas.microsoft.com/office/drawing/2014/main" id="{F513CB1F-06BD-7A47-ADFF-652B3ED321F0}"/>
-              </a:ext>
-            </a:extLst>
-          </p:cNvPr>
-          <p:cNvSpPr>
-            <a:spLocks noGrp="1"/>
-          </p:cNvSpPr>
-          <p:nvPr>
-            <p:ph type="sldNum" sz="quarter" idx="12"/>
-          </p:nvPr>
-        </p:nvSpPr>
-        <p:spPr/>
-        <p:txBody>
-          <a:bodyPr/>
-          <a:lstStyle/>
-          <a:p>
-            <a:fld id="{6615785A-6CC9-604F-A350-0F2C666BA50C}" type="slidenum">
-              <a:rPr lang="en-US" smtClean="0"/>
-              <a:t>8</a:t>
-            </a:fld>
-            <a:endParaRPr lang="en-US"/>
           </a:p>
         </p:txBody>
       </p:sp>
       <p:pic>
         <p:nvPicPr>
-          <p:cNvPr id="10" name="Picture 9">
-            <a:extLst>
-              <a:ext uri="{FF2B5EF4-FFF2-40B4-BE49-F238E27FC236}">
-                <a16:creationId xmlns:a16="http://schemas.microsoft.com/office/drawing/2014/main" id="{81A1782B-2D75-664D-B9D2-2AA7D39E4348}"/>
+          <p:cNvPr id="4" name="Content Placeholder 7">
+            <a:extLst>
+              <a:ext uri="{FF2B5EF4-FFF2-40B4-BE49-F238E27FC236}">
+                <a16:creationId xmlns:a16="http://schemas.microsoft.com/office/drawing/2014/main" id="{ACA03F52-4C30-544F-9826-A3C1CD1986C3}"/>
               </a:ext>
             </a:extLst>
           </p:cNvPr>
@@ -9720,25 +10437,87 @@
           <p:nvPr/>
         </p:nvPicPr>
         <p:blipFill>
-          <a:blip r:embed="rId3"/>
+          <a:blip r:embed="rId2"/>
           <a:stretch>
             <a:fillRect/>
           </a:stretch>
         </p:blipFill>
         <p:spPr>
           <a:xfrm>
-            <a:off x="2937553" y="2935269"/>
-            <a:ext cx="6172200" cy="2921000"/>
+            <a:off x="838200" y="2431183"/>
+            <a:ext cx="10371138" cy="3184672"/>
           </a:xfrm>
           <a:prstGeom prst="rect">
             <a:avLst/>
           </a:prstGeom>
         </p:spPr>
       </p:pic>
+      <p:sp>
+        <p:nvSpPr>
+          <p:cNvPr id="5" name="Rectangle 4">
+            <a:extLst>
+              <a:ext uri="{FF2B5EF4-FFF2-40B4-BE49-F238E27FC236}">
+                <a16:creationId xmlns:a16="http://schemas.microsoft.com/office/drawing/2014/main" id="{BC03CD12-4DEA-474A-992B-C3D73DA63C6B}"/>
+              </a:ext>
+            </a:extLst>
+          </p:cNvPr>
+          <p:cNvSpPr/>
+          <p:nvPr/>
+        </p:nvSpPr>
+        <p:spPr>
+          <a:xfrm>
+            <a:off x="4831492" y="2361946"/>
+            <a:ext cx="1936956" cy="3273347"/>
+          </a:xfrm>
+          <a:prstGeom prst="rect">
+            <a:avLst/>
+          </a:prstGeom>
+          <a:noFill/>
+          <a:ln w="25400">
+            <a:solidFill>
+              <a:srgbClr val="FF0000"/>
+            </a:solidFill>
+          </a:ln>
+        </p:spPr>
+        <p:style>
+          <a:lnRef idx="2">
+            <a:schemeClr val="accent6"/>
+          </a:lnRef>
+          <a:fillRef idx="1">
+            <a:schemeClr val="lt1"/>
+          </a:fillRef>
+          <a:effectRef idx="0">
+            <a:schemeClr val="accent6"/>
+          </a:effectRef>
+          <a:fontRef idx="minor">
+            <a:schemeClr val="dk1"/>
+          </a:fontRef>
+        </p:style>
+        <p:txBody>
+          <a:bodyPr rtlCol="0" anchor="ctr"/>
+          <a:lstStyle/>
+          <a:p>
+            <a:pPr algn="ctr"/>
+            <a:endParaRPr lang="en-US" b="1" dirty="0">
+              <a:ln w="0"/>
+              <a:solidFill>
+                <a:schemeClr val="tx1"/>
+              </a:solidFill>
+              <a:effectLst>
+                <a:outerShdw blurRad="38100" dist="19050" dir="2700000" algn="tl" rotWithShape="0">
+                  <a:schemeClr val="dk1">
+                    <a:alpha val="40000"/>
+                  </a:schemeClr>
+                </a:outerShdw>
+              </a:effectLst>
+            </a:endParaRPr>
+          </a:p>
+        </p:txBody>
+      </p:sp>
     </p:spTree>
     <p:extLst>
       <p:ext uri="{BB962C8B-B14F-4D97-AF65-F5344CB8AC3E}">
-        <p14:creationId xmlns:p14="http://schemas.microsoft.com/office/powerpoint/2010/main" val="3950340479"/>
+        <p14:creationId xmlns:p14="http://schemas.microsoft.com/office/powerpoint/2010/main" val="2499171516"/>
       </p:ext>
     </p:extLst>
   </p:cSld>
@@ -9788,7 +10567,7 @@
           <a:p>
             <a:r>
               <a:rPr lang="en-US" altLang="zh-CN" dirty="0"/>
-              <a:t>Settings</a:t>
+              <a:t>Reranking</a:t>
             </a:r>
             <a:endParaRPr lang="en-US" dirty="0"/>
           </a:p>
@@ -9812,8 +10591,8 @@
         </p:nvSpPr>
         <p:spPr>
           <a:xfrm>
-            <a:off x="838200" y="1690688"/>
-            <a:ext cx="10370906" cy="4165581"/>
+            <a:off x="838200" y="1826612"/>
+            <a:ext cx="8268730" cy="4165581"/>
           </a:xfrm>
         </p:spPr>
         <p:txBody>
@@ -9823,220 +10602,140 @@
           <a:lstStyle/>
           <a:p>
             <a:r>
-              <a:rPr lang="en-US" altLang="zh-CN" sz="2000" dirty="0"/>
-              <a:t>Baselines:</a:t>
-            </a:r>
+              <a:rPr lang="en-US" altLang="zh-CN" sz="3200" dirty="0"/>
+              <a:t>Data</a:t>
+            </a:r>
+            <a:r>
+              <a:rPr lang="zh-CN" altLang="en-US" sz="3200" dirty="0"/>
+              <a:t> </a:t>
+            </a:r>
+            <a:r>
+              <a:rPr lang="en-US" altLang="zh-CN" sz="3200" dirty="0" err="1"/>
+              <a:t>Augumentation</a:t>
+            </a:r>
+            <a:endParaRPr lang="en-US" altLang="zh-CN" sz="3200" dirty="0"/>
           </a:p>
           <a:p>
             <a:pPr lvl="1"/>
             <a:r>
-              <a:rPr lang="en-US" sz="1600" dirty="0"/>
-              <a:t>Elasticsearch</a:t>
+              <a:rPr lang="en-US" dirty="0"/>
+              <a:t>Biased</a:t>
+            </a:r>
+            <a:r>
+              <a:rPr lang="zh-CN" altLang="en-US" dirty="0"/>
+              <a:t> </a:t>
+            </a:r>
+            <a:r>
+              <a:rPr lang="en-US" altLang="zh-CN" dirty="0" err="1"/>
+              <a:t>Upsampling</a:t>
+            </a:r>
+            <a:r>
+              <a:rPr lang="en-US" altLang="zh-CN" dirty="0"/>
+              <a:t>:</a:t>
+            </a:r>
+            <a:r>
+              <a:rPr lang="zh-CN" altLang="en-US" dirty="0"/>
+              <a:t> </a:t>
+            </a:r>
+            <a:r>
+              <a:rPr lang="en-US" altLang="zh-CN" dirty="0" err="1"/>
+              <a:t>upsampling</a:t>
+            </a:r>
+            <a:r>
+              <a:rPr lang="zh-CN" altLang="en-US" dirty="0"/>
+              <a:t> </a:t>
+            </a:r>
+            <a:r>
+              <a:rPr lang="en-US" altLang="zh-CN" dirty="0"/>
+              <a:t>training</a:t>
+            </a:r>
+            <a:r>
+              <a:rPr lang="zh-CN" altLang="en-US" dirty="0"/>
+              <a:t> </a:t>
+            </a:r>
+            <a:r>
+              <a:rPr lang="en-US" altLang="zh-CN" dirty="0"/>
+              <a:t>instances</a:t>
+            </a:r>
+            <a:r>
+              <a:rPr lang="zh-CN" altLang="en-US" dirty="0"/>
+              <a:t> </a:t>
+            </a:r>
+            <a:r>
+              <a:rPr lang="en-US" altLang="zh-CN" dirty="0"/>
+              <a:t>with</a:t>
+            </a:r>
+            <a:r>
+              <a:rPr lang="zh-CN" altLang="en-US" dirty="0"/>
+              <a:t> </a:t>
+            </a:r>
+            <a:r>
+              <a:rPr lang="en-US" altLang="zh-CN" dirty="0"/>
+              <a:t>positive</a:t>
+            </a:r>
+            <a:r>
+              <a:rPr lang="zh-CN" altLang="en-US" dirty="0"/>
+              <a:t> </a:t>
+            </a:r>
+            <a:r>
+              <a:rPr lang="en-US" altLang="zh-CN" dirty="0"/>
+              <a:t>labels</a:t>
             </a:r>
           </a:p>
           <a:p>
             <a:pPr lvl="1"/>
             <a:r>
-              <a:rPr lang="en-US" sz="1600" dirty="0"/>
-              <a:t>Pointwise</a:t>
-            </a:r>
-          </a:p>
-          <a:p>
-            <a:pPr lvl="1"/>
-            <a:r>
-              <a:rPr lang="en-US" sz="1600" dirty="0"/>
-              <a:t>Listwise</a:t>
-            </a:r>
-          </a:p>
-          <a:p>
-            <a:pPr lvl="1"/>
-            <a:r>
-              <a:rPr lang="en-US" sz="1600" dirty="0" err="1"/>
-              <a:t>Upsampling</a:t>
-            </a:r>
-            <a:endParaRPr lang="en-US" sz="1600" dirty="0"/>
-          </a:p>
-          <a:p>
-            <a:pPr lvl="1"/>
-            <a:r>
-              <a:rPr lang="en-US" altLang="zh-CN" sz="1600" dirty="0"/>
-              <a:t>Positive-Unlabeled</a:t>
-            </a:r>
-            <a:r>
-              <a:rPr lang="zh-CN" altLang="en-US" sz="1600" dirty="0"/>
-              <a:t> </a:t>
-            </a:r>
-            <a:r>
-              <a:rPr lang="en-US" altLang="zh-CN" sz="1600" dirty="0"/>
-              <a:t>(PU)</a:t>
-            </a:r>
-            <a:r>
-              <a:rPr lang="en-US" sz="1600" dirty="0"/>
-              <a:t> learning</a:t>
-            </a:r>
-          </a:p>
-          <a:p>
-            <a:pPr lvl="1"/>
-            <a:r>
-              <a:rPr lang="en-US" altLang="zh-CN" sz="1600" dirty="0"/>
-              <a:t>Relabeling</a:t>
-            </a:r>
-          </a:p>
-          <a:p>
-            <a:r>
-              <a:rPr lang="en-US" altLang="zh-CN" sz="2000" dirty="0"/>
-              <a:t>Evaluation</a:t>
-            </a:r>
-            <a:r>
-              <a:rPr lang="zh-CN" altLang="en-US" sz="2000" dirty="0"/>
-              <a:t> </a:t>
-            </a:r>
-            <a:r>
-              <a:rPr lang="en-US" altLang="zh-CN" sz="2000" dirty="0"/>
-              <a:t>Metrics:</a:t>
-            </a:r>
-          </a:p>
-          <a:p>
-            <a:pPr lvl="1"/>
-            <a:r>
-              <a:rPr lang="en-US" sz="1600" dirty="0"/>
-              <a:t>Classification metrics</a:t>
-            </a:r>
-            <a:r>
-              <a:rPr lang="en-US" altLang="zh-CN" sz="1600" dirty="0"/>
-              <a:t>:</a:t>
-            </a:r>
-            <a:r>
-              <a:rPr lang="zh-CN" altLang="en-US" sz="1600" dirty="0"/>
-              <a:t> </a:t>
-            </a:r>
-            <a:r>
-              <a:rPr lang="en-US" altLang="zh-CN" sz="1600" dirty="0"/>
-              <a:t>precision,</a:t>
-            </a:r>
-            <a:r>
-              <a:rPr lang="zh-CN" altLang="en-US" sz="1600" dirty="0"/>
-              <a:t> </a:t>
-            </a:r>
-            <a:r>
-              <a:rPr lang="en-US" altLang="zh-CN" sz="1600" dirty="0"/>
-              <a:t>recall,</a:t>
-            </a:r>
-            <a:r>
-              <a:rPr lang="zh-CN" altLang="en-US" sz="1600" dirty="0"/>
-              <a:t> </a:t>
-            </a:r>
-            <a:r>
-              <a:rPr lang="en-US" altLang="zh-CN" sz="1600" dirty="0"/>
-              <a:t>F1</a:t>
-            </a:r>
-          </a:p>
-          <a:p>
-            <a:pPr lvl="1"/>
-            <a:r>
-              <a:rPr lang="en-US" altLang="zh-CN" sz="1600" dirty="0"/>
-              <a:t>Ranking</a:t>
-            </a:r>
-            <a:r>
-              <a:rPr lang="zh-CN" altLang="en-US" sz="1600" dirty="0"/>
-              <a:t> </a:t>
-            </a:r>
-            <a:r>
-              <a:rPr lang="en-US" altLang="zh-CN" sz="1600" dirty="0"/>
-              <a:t>metrics:</a:t>
-            </a:r>
-            <a:r>
-              <a:rPr lang="zh-CN" altLang="en-US" sz="1600" dirty="0"/>
-              <a:t> </a:t>
-            </a:r>
-            <a:r>
-              <a:rPr lang="en-US" altLang="zh-CN" sz="1600" dirty="0" err="1"/>
-              <a:t>precision@p</a:t>
-            </a:r>
-            <a:r>
-              <a:rPr lang="en-US" altLang="zh-CN" sz="1600" dirty="0"/>
-              <a:t>,</a:t>
-            </a:r>
-            <a:r>
-              <a:rPr lang="zh-CN" altLang="en-US" sz="1600" dirty="0"/>
-              <a:t> </a:t>
-            </a:r>
-            <a:r>
-              <a:rPr lang="en-US" altLang="zh-CN" sz="1600" dirty="0" err="1"/>
-              <a:t>recall@p</a:t>
-            </a:r>
-            <a:r>
-              <a:rPr lang="en-US" altLang="zh-CN" sz="1600" dirty="0"/>
-              <a:t>,</a:t>
-            </a:r>
-            <a:r>
-              <a:rPr lang="zh-CN" altLang="en-US" sz="1600" dirty="0"/>
-              <a:t> </a:t>
-            </a:r>
-            <a:r>
-              <a:rPr lang="en-US" altLang="zh-CN" sz="1600" dirty="0"/>
-              <a:t>F1@p,</a:t>
-            </a:r>
-            <a:r>
-              <a:rPr lang="zh-CN" altLang="en-US" sz="1600" dirty="0"/>
-              <a:t> </a:t>
-            </a:r>
-            <a:r>
-              <a:rPr lang="en-US" altLang="zh-CN" sz="1600" dirty="0" err="1"/>
-              <a:t>NDCG@p</a:t>
-            </a:r>
-            <a:r>
-              <a:rPr lang="en-US" altLang="zh-CN" sz="1600" dirty="0"/>
-              <a:t>,</a:t>
-            </a:r>
-            <a:r>
-              <a:rPr lang="zh-CN" altLang="en-US" sz="1600" dirty="0"/>
-              <a:t> </a:t>
-            </a:r>
-            <a:r>
-              <a:rPr lang="en-US" altLang="zh-CN" sz="1600" dirty="0"/>
-              <a:t>MAP</a:t>
-            </a:r>
-          </a:p>
-          <a:p>
-            <a:pPr lvl="1"/>
-            <a:r>
-              <a:rPr lang="en-US" altLang="zh-CN" sz="1600" dirty="0"/>
-              <a:t>Human</a:t>
-            </a:r>
-            <a:r>
-              <a:rPr lang="zh-CN" altLang="en-US" sz="1600" dirty="0"/>
-              <a:t> </a:t>
-            </a:r>
-            <a:r>
-              <a:rPr lang="en-US" altLang="zh-CN" sz="1600" dirty="0"/>
-              <a:t>metrics:</a:t>
-            </a:r>
-            <a:r>
-              <a:rPr lang="zh-CN" altLang="en-US" sz="1600" dirty="0"/>
-              <a:t> </a:t>
-            </a:r>
-            <a:r>
-              <a:rPr lang="en-US" altLang="zh-CN" sz="1600" dirty="0"/>
-              <a:t>precision,</a:t>
-            </a:r>
-            <a:r>
-              <a:rPr lang="zh-CN" altLang="en-US" sz="1600" dirty="0"/>
-              <a:t> </a:t>
-            </a:r>
-            <a:r>
-              <a:rPr lang="en-US" altLang="zh-CN" sz="1600" dirty="0"/>
-              <a:t>recall,</a:t>
-            </a:r>
-            <a:r>
-              <a:rPr lang="zh-CN" altLang="en-US" sz="1600" dirty="0"/>
-              <a:t> </a:t>
-            </a:r>
-            <a:r>
-              <a:rPr lang="en-US" altLang="zh-CN" sz="1600" dirty="0"/>
-              <a:t>F1</a:t>
-            </a:r>
-            <a:endParaRPr lang="en-US" sz="1600" dirty="0"/>
+              <a:rPr lang="en-US" altLang="zh-CN" dirty="0"/>
+              <a:t>Pseudo</a:t>
+            </a:r>
+            <a:r>
+              <a:rPr lang="zh-CN" altLang="en-US" dirty="0"/>
+              <a:t> </a:t>
+            </a:r>
+            <a:r>
+              <a:rPr lang="en-US" altLang="zh-CN" dirty="0"/>
+              <a:t>Labeling:</a:t>
+            </a:r>
+            <a:r>
+              <a:rPr lang="zh-CN" altLang="en-US" dirty="0"/>
+              <a:t> </a:t>
+            </a:r>
+            <a:r>
+              <a:rPr lang="en-US" altLang="zh-CN" dirty="0"/>
+              <a:t>co-training</a:t>
+            </a:r>
+            <a:r>
+              <a:rPr lang="zh-CN" altLang="en-US" dirty="0"/>
+              <a:t> </a:t>
+            </a:r>
+            <a:r>
+              <a:rPr lang="en-US" altLang="zh-CN" dirty="0"/>
+              <a:t>in</a:t>
+            </a:r>
+            <a:r>
+              <a:rPr lang="zh-CN" altLang="en-US" dirty="0"/>
+              <a:t> </a:t>
+            </a:r>
+            <a:r>
+              <a:rPr lang="en-US" altLang="zh-CN" dirty="0"/>
+              <a:t>a</a:t>
+            </a:r>
+            <a:r>
+              <a:rPr lang="zh-CN" altLang="en-US" dirty="0"/>
+              <a:t> </a:t>
+            </a:r>
+            <a:r>
+              <a:rPr lang="en-US" altLang="zh-CN" dirty="0"/>
+              <a:t>shard-based</a:t>
+            </a:r>
+            <a:r>
+              <a:rPr lang="zh-CN" altLang="en-US" dirty="0"/>
+              <a:t> </a:t>
+            </a:r>
+            <a:r>
+              <a:rPr lang="en-US" altLang="zh-CN" dirty="0"/>
+              <a:t>manner</a:t>
+            </a:r>
           </a:p>
         </p:txBody>
       </p:sp>
@@ -10129,7 +10828,7 @@
     </p:spTree>
     <p:extLst>
       <p:ext uri="{BB962C8B-B14F-4D97-AF65-F5344CB8AC3E}">
-        <p14:creationId xmlns:p14="http://schemas.microsoft.com/office/powerpoint/2010/main" val="56208832"/>
+        <p14:creationId xmlns:p14="http://schemas.microsoft.com/office/powerpoint/2010/main" val="693090633"/>
       </p:ext>
     </p:extLst>
   </p:cSld>
